--- a/Meeting #1 Intro to Arduino/stpeteiot - meeting #1.pptx
+++ b/Meeting #1 Intro to Arduino/stpeteiot - meeting #1.pptx
@@ -17,7 +17,10 @@
     <p:sldId id="266" r:id="rId11"/>
     <p:sldId id="277" r:id="rId12"/>
     <p:sldId id="276" r:id="rId13"/>
-    <p:sldId id="267" r:id="rId14"/>
+    <p:sldId id="281" r:id="rId14"/>
+    <p:sldId id="267" r:id="rId15"/>
+    <p:sldId id="280" r:id="rId16"/>
+    <p:sldId id="282" r:id="rId17"/>
   </p:sldIdLst>
   <p:sldSz cx="12192000" cy="6858000"/>
   <p:notesSz cx="6858000" cy="9144000"/>
@@ -275,7 +278,7 @@
           <a:p>
             <a:fld id="{96F8FDAF-70E1-4658-93D8-51FF92779D9A}" type="datetimeFigureOut">
               <a:rPr lang="en-US" smtClean="0"/>
-              <a:t>12/20/2017</a:t>
+              <a:t>12/21/2017</a:t>
             </a:fld>
             <a:endParaRPr lang="en-US"/>
           </a:p>
@@ -473,7 +476,7 @@
           <a:p>
             <a:fld id="{96F8FDAF-70E1-4658-93D8-51FF92779D9A}" type="datetimeFigureOut">
               <a:rPr lang="en-US" smtClean="0"/>
-              <a:t>12/20/2017</a:t>
+              <a:t>12/21/2017</a:t>
             </a:fld>
             <a:endParaRPr lang="en-US"/>
           </a:p>
@@ -681,7 +684,7 @@
           <a:p>
             <a:fld id="{96F8FDAF-70E1-4658-93D8-51FF92779D9A}" type="datetimeFigureOut">
               <a:rPr lang="en-US" smtClean="0"/>
-              <a:t>12/20/2017</a:t>
+              <a:t>12/21/2017</a:t>
             </a:fld>
             <a:endParaRPr lang="en-US"/>
           </a:p>
@@ -879,7 +882,7 @@
           <a:p>
             <a:fld id="{96F8FDAF-70E1-4658-93D8-51FF92779D9A}" type="datetimeFigureOut">
               <a:rPr lang="en-US" smtClean="0"/>
-              <a:t>12/20/2017</a:t>
+              <a:t>12/21/2017</a:t>
             </a:fld>
             <a:endParaRPr lang="en-US"/>
           </a:p>
@@ -1154,7 +1157,7 @@
           <a:p>
             <a:fld id="{96F8FDAF-70E1-4658-93D8-51FF92779D9A}" type="datetimeFigureOut">
               <a:rPr lang="en-US" smtClean="0"/>
-              <a:t>12/20/2017</a:t>
+              <a:t>12/21/2017</a:t>
             </a:fld>
             <a:endParaRPr lang="en-US"/>
           </a:p>
@@ -1419,7 +1422,7 @@
           <a:p>
             <a:fld id="{96F8FDAF-70E1-4658-93D8-51FF92779D9A}" type="datetimeFigureOut">
               <a:rPr lang="en-US" smtClean="0"/>
-              <a:t>12/20/2017</a:t>
+              <a:t>12/21/2017</a:t>
             </a:fld>
             <a:endParaRPr lang="en-US"/>
           </a:p>
@@ -1831,7 +1834,7 @@
           <a:p>
             <a:fld id="{96F8FDAF-70E1-4658-93D8-51FF92779D9A}" type="datetimeFigureOut">
               <a:rPr lang="en-US" smtClean="0"/>
-              <a:t>12/20/2017</a:t>
+              <a:t>12/21/2017</a:t>
             </a:fld>
             <a:endParaRPr lang="en-US"/>
           </a:p>
@@ -1972,7 +1975,7 @@
           <a:p>
             <a:fld id="{96F8FDAF-70E1-4658-93D8-51FF92779D9A}" type="datetimeFigureOut">
               <a:rPr lang="en-US" smtClean="0"/>
-              <a:t>12/20/2017</a:t>
+              <a:t>12/21/2017</a:t>
             </a:fld>
             <a:endParaRPr lang="en-US"/>
           </a:p>
@@ -2085,7 +2088,7 @@
           <a:p>
             <a:fld id="{96F8FDAF-70E1-4658-93D8-51FF92779D9A}" type="datetimeFigureOut">
               <a:rPr lang="en-US" smtClean="0"/>
-              <a:t>12/20/2017</a:t>
+              <a:t>12/21/2017</a:t>
             </a:fld>
             <a:endParaRPr lang="en-US"/>
           </a:p>
@@ -2396,7 +2399,7 @@
           <a:p>
             <a:fld id="{96F8FDAF-70E1-4658-93D8-51FF92779D9A}" type="datetimeFigureOut">
               <a:rPr lang="en-US" smtClean="0"/>
-              <a:t>12/20/2017</a:t>
+              <a:t>12/21/2017</a:t>
             </a:fld>
             <a:endParaRPr lang="en-US"/>
           </a:p>
@@ -2684,7 +2687,7 @@
           <a:p>
             <a:fld id="{96F8FDAF-70E1-4658-93D8-51FF92779D9A}" type="datetimeFigureOut">
               <a:rPr lang="en-US" smtClean="0"/>
-              <a:t>12/20/2017</a:t>
+              <a:t>12/21/2017</a:t>
             </a:fld>
             <a:endParaRPr lang="en-US"/>
           </a:p>
@@ -2925,7 +2928,7 @@
           <a:p>
             <a:fld id="{96F8FDAF-70E1-4658-93D8-51FF92779D9A}" type="datetimeFigureOut">
               <a:rPr lang="en-US" smtClean="0"/>
-              <a:t>12/20/2017</a:t>
+              <a:t>12/21/2017</a:t>
             </a:fld>
             <a:endParaRPr lang="en-US"/>
           </a:p>
@@ -6181,10 +6184,1393 @@
           </a:p>
         </p:txBody>
       </p:sp>
+      <p:sp>
+        <p:nvSpPr>
+          <p:cNvPr id="2" name="Title 1">
+            <a:extLst>
+              <a:ext uri="{FF2B5EF4-FFF2-40B4-BE49-F238E27FC236}">
+                <a16:creationId xmlns:a16="http://schemas.microsoft.com/office/drawing/2014/main" xmlns="" id="{A5F6196D-B07E-499E-92C0-6953CE9F25D4}"/>
+              </a:ext>
+            </a:extLst>
+          </p:cNvPr>
+          <p:cNvSpPr>
+            <a:spLocks noGrp="1"/>
+          </p:cNvSpPr>
+          <p:nvPr>
+            <p:ph type="title"/>
+          </p:nvPr>
+        </p:nvSpPr>
+        <p:spPr>
+          <a:xfrm>
+            <a:off x="4499493" y="491532"/>
+            <a:ext cx="3187720" cy="774546"/>
+          </a:xfrm>
+        </p:spPr>
+        <p:txBody>
+          <a:bodyPr>
+            <a:normAutofit/>
+          </a:bodyPr>
+          <a:lstStyle/>
+          <a:p>
+            <a:pPr algn="ctr"/>
+            <a:r>
+              <a:rPr lang="en-US" b="1" smtClean="0"/>
+              <a:t>Comments</a:t>
+            </a:r>
+            <a:endParaRPr lang="en-US" b="1" dirty="0"/>
+          </a:p>
+        </p:txBody>
+      </p:sp>
+      <p:pic>
+        <p:nvPicPr>
+          <p:cNvPr id="3" name="Content Placeholder 2"/>
+          <p:cNvPicPr>
+            <a:picLocks noGrp="1" noChangeAspect="1"/>
+          </p:cNvPicPr>
+          <p:nvPr>
+            <p:ph idx="1"/>
+          </p:nvPr>
+        </p:nvPicPr>
+        <p:blipFill>
+          <a:blip r:embed="rId2">
+            <a:extLst>
+              <a:ext uri="{28A0092B-C50C-407E-A947-70E740481C1C}">
+                <a14:useLocalDpi xmlns:a14="http://schemas.microsoft.com/office/drawing/2010/main" val="0"/>
+              </a:ext>
+            </a:extLst>
+          </a:blip>
+          <a:stretch>
+            <a:fillRect/>
+          </a:stretch>
+        </p:blipFill>
+        <p:spPr>
+          <a:xfrm>
+            <a:off x="2452915" y="1585130"/>
+            <a:ext cx="6566356" cy="4679325"/>
+          </a:xfrm>
+        </p:spPr>
+      </p:pic>
+    </p:spTree>
+    <p:extLst>
+      <p:ext uri="{BB962C8B-B14F-4D97-AF65-F5344CB8AC3E}">
+        <p14:creationId xmlns:p14="http://schemas.microsoft.com/office/powerpoint/2010/main" val="1281611716"/>
+      </p:ext>
+    </p:extLst>
+  </p:cSld>
+  <p:clrMapOvr>
+    <a:overrideClrMapping bg1="dk1" tx1="lt1" bg2="dk2" tx2="lt2" accent1="accent1" accent2="accent2" accent3="accent3" accent4="accent4" accent5="accent5" accent6="accent6" hlink="hlink" folHlink="folHlink"/>
+  </p:clrMapOvr>
+  <p:timing>
+    <p:tnLst>
+      <p:par>
+        <p:cTn id="1" dur="indefinite" restart="never" nodeType="tmRoot"/>
+      </p:par>
+    </p:tnLst>
+  </p:timing>
+</p:sld>
+</file>
+
+<file path=ppt/slides/slide14.xml><?xml version="1.0" encoding="utf-8"?>
+<p:sld xmlns:a="http://schemas.openxmlformats.org/drawingml/2006/main" xmlns:r="http://schemas.openxmlformats.org/officeDocument/2006/relationships" xmlns:p="http://schemas.openxmlformats.org/presentationml/2006/main">
+  <p:cSld>
+    <p:bg>
+      <p:bgPr>
+        <a:solidFill>
+          <a:schemeClr val="bg1">
+            <a:tint val="95000"/>
+            <a:satMod val="170000"/>
+          </a:schemeClr>
+        </a:solidFill>
+        <a:effectLst/>
+      </p:bgPr>
+    </p:bg>
+    <p:spTree>
+      <p:nvGrpSpPr>
+        <p:cNvPr id="1" name=""/>
+        <p:cNvGrpSpPr/>
+        <p:nvPr/>
+      </p:nvGrpSpPr>
+      <p:grpSpPr>
+        <a:xfrm>
+          <a:off x="0" y="0"/>
+          <a:ext cx="0" cy="0"/>
+          <a:chOff x="0" y="0"/>
+          <a:chExt cx="0" cy="0"/>
+        </a:xfrm>
+      </p:grpSpPr>
+      <p:sp>
+        <p:nvSpPr>
+          <p:cNvPr id="23" name="Rectangle 22">
+            <a:extLst>
+              <a:ext uri="{FF2B5EF4-FFF2-40B4-BE49-F238E27FC236}">
+                <a16:creationId xmlns:a16="http://schemas.microsoft.com/office/drawing/2014/main" xmlns="" id="{EE1FC7B4-E4A7-4452-B413-1A623E3A7230}"/>
+              </a:ext>
+            </a:extLst>
+          </p:cNvPr>
+          <p:cNvSpPr>
+            <a:spLocks noGrp="1" noRot="1" noChangeAspect="1" noMove="1" noResize="1" noEditPoints="1" noAdjustHandles="1" noChangeArrowheads="1" noChangeShapeType="1" noTextEdit="1"/>
+          </p:cNvSpPr>
+          <p:nvPr>
+            <p:extLst>
+              <p:ext uri="{386F3935-93C4-4BCD-93E2-E3B085C9AB24}">
+                <p16:designElem xmlns:p16="http://schemas.microsoft.com/office/powerpoint/2015/main" xmlns="" val="1"/>
+              </p:ext>
+            </p:extLst>
+          </p:nvPr>
+        </p:nvSpPr>
+        <p:spPr>
+          <a:xfrm>
+            <a:off x="0" y="-3324"/>
+            <a:ext cx="12192000" cy="6861324"/>
+          </a:xfrm>
+          <a:prstGeom prst="rect">
+            <a:avLst/>
+          </a:prstGeom>
+          <a:solidFill>
+            <a:schemeClr val="bg1">
+              <a:alpha val="9000"/>
+            </a:schemeClr>
+          </a:solidFill>
+          <a:ln>
+            <a:noFill/>
+          </a:ln>
+        </p:spPr>
+        <p:style>
+          <a:lnRef idx="2">
+            <a:schemeClr val="accent1">
+              <a:shade val="50000"/>
+            </a:schemeClr>
+          </a:lnRef>
+          <a:fillRef idx="1">
+            <a:schemeClr val="accent1"/>
+          </a:fillRef>
+          <a:effectRef idx="0">
+            <a:schemeClr val="accent1"/>
+          </a:effectRef>
+          <a:fontRef idx="minor">
+            <a:schemeClr val="lt1"/>
+          </a:fontRef>
+        </p:style>
+        <p:txBody>
+          <a:bodyPr rtlCol="0" anchor="ctr"/>
+          <a:lstStyle/>
+          <a:p>
+            <a:pPr marL="0" marR="0" lvl="0" indent="0" algn="ctr" defTabSz="914400" rtl="0" eaLnBrk="1" fontAlgn="auto" latinLnBrk="0" hangingPunct="1">
+              <a:lnSpc>
+                <a:spcPct val="100000"/>
+              </a:lnSpc>
+              <a:spcBef>
+                <a:spcPts val="0"/>
+              </a:spcBef>
+              <a:spcAft>
+                <a:spcPts val="0"/>
+              </a:spcAft>
+              <a:buClrTx/>
+              <a:buSzTx/>
+              <a:buFontTx/>
+              <a:buNone/>
+              <a:tabLst/>
+              <a:defRPr/>
+            </a:pPr>
+            <a:endParaRPr kumimoji="0" lang="en-US" sz="1800" b="0" i="0" u="none" strike="noStrike" kern="1200" cap="none" spc="0" normalizeH="0" baseline="0" noProof="0">
+              <a:ln>
+                <a:noFill/>
+              </a:ln>
+              <a:solidFill>
+                <a:prstClr val="white"/>
+              </a:solidFill>
+              <a:effectLst/>
+              <a:uLnTx/>
+              <a:uFillTx/>
+              <a:latin typeface="Calibri" panose="020F0502020204030204"/>
+              <a:ea typeface="+mn-ea"/>
+              <a:cs typeface="+mn-cs"/>
+            </a:endParaRPr>
+          </a:p>
+        </p:txBody>
+      </p:sp>
+      <p:sp>
+        <p:nvSpPr>
+          <p:cNvPr id="25" name="Freeform 13">
+            <a:extLst>
+              <a:ext uri="{FF2B5EF4-FFF2-40B4-BE49-F238E27FC236}">
+                <a16:creationId xmlns:a16="http://schemas.microsoft.com/office/drawing/2014/main" xmlns="" id="{E0709AF0-24F0-4486-B189-BE6386BDB198}"/>
+              </a:ext>
+            </a:extLst>
+          </p:cNvPr>
+          <p:cNvSpPr>
+            <a:spLocks noGrp="1" noRot="1" noChangeAspect="1" noMove="1" noResize="1" noEditPoints="1" noAdjustHandles="1" noChangeArrowheads="1" noChangeShapeType="1" noTextEdit="1"/>
+          </p:cNvSpPr>
+          <p:nvPr>
+            <p:extLst>
+              <p:ext uri="{386F3935-93C4-4BCD-93E2-E3B085C9AB24}">
+                <p16:designElem xmlns:p16="http://schemas.microsoft.com/office/powerpoint/2015/main" xmlns="" val="1"/>
+              </p:ext>
+            </p:extLst>
+          </p:nvPr>
+        </p:nvSpPr>
+        <p:spPr>
+          <a:xfrm>
+            <a:off x="0" y="0"/>
+            <a:ext cx="11786754" cy="6858000"/>
+          </a:xfrm>
+          <a:custGeom>
+            <a:avLst/>
+            <a:gdLst>
+              <a:gd name="connsiteX0" fmla="*/ 0 w 11786754"/>
+              <a:gd name="connsiteY0" fmla="*/ 0 h 6858000"/>
+              <a:gd name="connsiteX1" fmla="*/ 8610600 w 11786754"/>
+              <a:gd name="connsiteY1" fmla="*/ 0 h 6858000"/>
+              <a:gd name="connsiteX2" fmla="*/ 11786754 w 11786754"/>
+              <a:gd name="connsiteY2" fmla="*/ 6858000 h 6858000"/>
+              <a:gd name="connsiteX3" fmla="*/ 0 w 11786754"/>
+              <a:gd name="connsiteY3" fmla="*/ 6858000 h 6858000"/>
+            </a:gdLst>
+            <a:ahLst/>
+            <a:cxnLst>
+              <a:cxn ang="0">
+                <a:pos x="connsiteX0" y="connsiteY0"/>
+              </a:cxn>
+              <a:cxn ang="0">
+                <a:pos x="connsiteX1" y="connsiteY1"/>
+              </a:cxn>
+              <a:cxn ang="0">
+                <a:pos x="connsiteX2" y="connsiteY2"/>
+              </a:cxn>
+              <a:cxn ang="0">
+                <a:pos x="connsiteX3" y="connsiteY3"/>
+              </a:cxn>
+            </a:cxnLst>
+            <a:rect l="l" t="t" r="r" b="b"/>
+            <a:pathLst>
+              <a:path w="11786754" h="6858000">
+                <a:moveTo>
+                  <a:pt x="0" y="0"/>
+                </a:moveTo>
+                <a:lnTo>
+                  <a:pt x="8610600" y="0"/>
+                </a:lnTo>
+                <a:lnTo>
+                  <a:pt x="11786754" y="6858000"/>
+                </a:lnTo>
+                <a:lnTo>
+                  <a:pt x="0" y="6858000"/>
+                </a:lnTo>
+                <a:close/>
+              </a:path>
+            </a:pathLst>
+          </a:custGeom>
+          <a:solidFill>
+            <a:schemeClr val="bg1">
+              <a:alpha val="30000"/>
+            </a:schemeClr>
+          </a:solidFill>
+          <a:ln>
+            <a:noFill/>
+          </a:ln>
+        </p:spPr>
+        <p:style>
+          <a:lnRef idx="2">
+            <a:schemeClr val="accent1">
+              <a:shade val="50000"/>
+            </a:schemeClr>
+          </a:lnRef>
+          <a:fillRef idx="1">
+            <a:schemeClr val="accent1"/>
+          </a:fillRef>
+          <a:effectRef idx="0">
+            <a:schemeClr val="accent1"/>
+          </a:effectRef>
+          <a:fontRef idx="minor">
+            <a:schemeClr val="lt1"/>
+          </a:fontRef>
+        </p:style>
+        <p:txBody>
+          <a:bodyPr rtlCol="0" anchor="ctr"/>
+          <a:lstStyle/>
+          <a:p>
+            <a:pPr marL="0" marR="0" lvl="0" indent="0" algn="ctr" defTabSz="914400" rtl="0" eaLnBrk="1" fontAlgn="auto" latinLnBrk="0" hangingPunct="1">
+              <a:lnSpc>
+                <a:spcPct val="100000"/>
+              </a:lnSpc>
+              <a:spcBef>
+                <a:spcPts val="0"/>
+              </a:spcBef>
+              <a:spcAft>
+                <a:spcPts val="0"/>
+              </a:spcAft>
+              <a:buClrTx/>
+              <a:buSzTx/>
+              <a:buFontTx/>
+              <a:buNone/>
+              <a:tabLst/>
+              <a:defRPr/>
+            </a:pPr>
+            <a:endParaRPr kumimoji="0" lang="en-US" sz="1800" b="0" i="0" u="none" strike="noStrike" kern="1200" cap="none" spc="0" normalizeH="0" baseline="0" noProof="0">
+              <a:ln>
+                <a:noFill/>
+              </a:ln>
+              <a:solidFill>
+                <a:prstClr val="white"/>
+              </a:solidFill>
+              <a:effectLst/>
+              <a:uLnTx/>
+              <a:uFillTx/>
+              <a:latin typeface="Calibri" panose="020F0502020204030204"/>
+              <a:ea typeface="+mn-ea"/>
+              <a:cs typeface="+mn-cs"/>
+            </a:endParaRPr>
+          </a:p>
+        </p:txBody>
+      </p:sp>
+      <p:sp>
+        <p:nvSpPr>
+          <p:cNvPr id="27" name="Freeform 11">
+            <a:extLst>
+              <a:ext uri="{FF2B5EF4-FFF2-40B4-BE49-F238E27FC236}">
+                <a16:creationId xmlns:a16="http://schemas.microsoft.com/office/drawing/2014/main" xmlns="" id="{FBE3B62F-5853-4A3C-B050-6186351A7176}"/>
+              </a:ext>
+            </a:extLst>
+          </p:cNvPr>
+          <p:cNvSpPr>
+            <a:spLocks noGrp="1" noRot="1" noChangeAspect="1" noMove="1" noResize="1" noEditPoints="1" noAdjustHandles="1" noChangeArrowheads="1" noChangeShapeType="1" noTextEdit="1"/>
+          </p:cNvSpPr>
+          <p:nvPr>
+            <p:extLst>
+              <p:ext uri="{386F3935-93C4-4BCD-93E2-E3B085C9AB24}">
+                <p16:designElem xmlns:p16="http://schemas.microsoft.com/office/powerpoint/2015/main" xmlns="" val="1"/>
+              </p:ext>
+            </p:extLst>
+          </p:nvPr>
+        </p:nvSpPr>
+        <p:spPr>
+          <a:xfrm>
+            <a:off x="0" y="0"/>
+            <a:ext cx="3581400" cy="6858000"/>
+          </a:xfrm>
+          <a:custGeom>
+            <a:avLst/>
+            <a:gdLst>
+              <a:gd name="connsiteX0" fmla="*/ 0 w 3581400"/>
+              <a:gd name="connsiteY0" fmla="*/ 0 h 6858000"/>
+              <a:gd name="connsiteX1" fmla="*/ 405246 w 3581400"/>
+              <a:gd name="connsiteY1" fmla="*/ 0 h 6858000"/>
+              <a:gd name="connsiteX2" fmla="*/ 3581400 w 3581400"/>
+              <a:gd name="connsiteY2" fmla="*/ 6858000 h 6858000"/>
+              <a:gd name="connsiteX3" fmla="*/ 0 w 3581400"/>
+              <a:gd name="connsiteY3" fmla="*/ 6858000 h 6858000"/>
+            </a:gdLst>
+            <a:ahLst/>
+            <a:cxnLst>
+              <a:cxn ang="0">
+                <a:pos x="connsiteX0" y="connsiteY0"/>
+              </a:cxn>
+              <a:cxn ang="0">
+                <a:pos x="connsiteX1" y="connsiteY1"/>
+              </a:cxn>
+              <a:cxn ang="0">
+                <a:pos x="connsiteX2" y="connsiteY2"/>
+              </a:cxn>
+              <a:cxn ang="0">
+                <a:pos x="connsiteX3" y="connsiteY3"/>
+              </a:cxn>
+            </a:cxnLst>
+            <a:rect l="l" t="t" r="r" b="b"/>
+            <a:pathLst>
+              <a:path w="3581400" h="6858000">
+                <a:moveTo>
+                  <a:pt x="0" y="0"/>
+                </a:moveTo>
+                <a:lnTo>
+                  <a:pt x="405246" y="0"/>
+                </a:lnTo>
+                <a:lnTo>
+                  <a:pt x="3581400" y="6858000"/>
+                </a:lnTo>
+                <a:lnTo>
+                  <a:pt x="0" y="6858000"/>
+                </a:lnTo>
+                <a:close/>
+              </a:path>
+            </a:pathLst>
+          </a:custGeom>
+          <a:solidFill>
+            <a:schemeClr val="bg1">
+              <a:alpha val="30000"/>
+            </a:schemeClr>
+          </a:solidFill>
+          <a:ln>
+            <a:noFill/>
+          </a:ln>
+        </p:spPr>
+        <p:style>
+          <a:lnRef idx="2">
+            <a:schemeClr val="accent1">
+              <a:shade val="50000"/>
+            </a:schemeClr>
+          </a:lnRef>
+          <a:fillRef idx="1">
+            <a:schemeClr val="accent1"/>
+          </a:fillRef>
+          <a:effectRef idx="0">
+            <a:schemeClr val="accent1"/>
+          </a:effectRef>
+          <a:fontRef idx="minor">
+            <a:schemeClr val="lt1"/>
+          </a:fontRef>
+        </p:style>
+        <p:txBody>
+          <a:bodyPr wrap="square" rtlCol="0" anchor="ctr">
+            <a:noAutofit/>
+          </a:bodyPr>
+          <a:lstStyle/>
+          <a:p>
+            <a:pPr marL="0" marR="0" lvl="0" indent="0" algn="ctr" defTabSz="914400" rtl="0" eaLnBrk="1" fontAlgn="auto" latinLnBrk="0" hangingPunct="1">
+              <a:lnSpc>
+                <a:spcPct val="100000"/>
+              </a:lnSpc>
+              <a:spcBef>
+                <a:spcPts val="0"/>
+              </a:spcBef>
+              <a:spcAft>
+                <a:spcPts val="0"/>
+              </a:spcAft>
+              <a:buClrTx/>
+              <a:buSzTx/>
+              <a:buFontTx/>
+              <a:buNone/>
+              <a:tabLst/>
+              <a:defRPr/>
+            </a:pPr>
+            <a:endParaRPr kumimoji="0" lang="en-US" sz="1800" b="0" i="0" u="none" strike="noStrike" kern="1200" cap="none" spc="0" normalizeH="0" baseline="0" noProof="0">
+              <a:ln>
+                <a:noFill/>
+              </a:ln>
+              <a:solidFill>
+                <a:prstClr val="white"/>
+              </a:solidFill>
+              <a:effectLst/>
+              <a:uLnTx/>
+              <a:uFillTx/>
+              <a:latin typeface="Calibri" panose="020F0502020204030204"/>
+              <a:ea typeface="+mn-ea"/>
+              <a:cs typeface="+mn-cs"/>
+            </a:endParaRPr>
+          </a:p>
+        </p:txBody>
+      </p:sp>
+      <p:pic>
+        <p:nvPicPr>
+          <p:cNvPr id="3" name="Picture 2"/>
+          <p:cNvPicPr>
+            <a:picLocks noChangeAspect="1"/>
+          </p:cNvPicPr>
+          <p:nvPr/>
+        </p:nvPicPr>
+        <p:blipFill>
+          <a:blip r:embed="rId2">
+            <a:extLst>
+              <a:ext uri="{28A0092B-C50C-407E-A947-70E740481C1C}">
+                <a14:useLocalDpi xmlns:a14="http://schemas.microsoft.com/office/drawing/2010/main" val="0"/>
+              </a:ext>
+            </a:extLst>
+          </a:blip>
+          <a:stretch>
+            <a:fillRect/>
+          </a:stretch>
+        </p:blipFill>
+        <p:spPr>
+          <a:xfrm>
+            <a:off x="2537916" y="723522"/>
+            <a:ext cx="7116168" cy="5410955"/>
+          </a:xfrm>
+          <a:prstGeom prst="rect">
+            <a:avLst/>
+          </a:prstGeom>
+        </p:spPr>
+      </p:pic>
     </p:spTree>
     <p:extLst>
       <p:ext uri="{BB962C8B-B14F-4D97-AF65-F5344CB8AC3E}">
         <p14:creationId xmlns:p14="http://schemas.microsoft.com/office/powerpoint/2010/main" val="3363929301"/>
+      </p:ext>
+    </p:extLst>
+  </p:cSld>
+  <p:clrMapOvr>
+    <a:overrideClrMapping bg1="dk1" tx1="lt1" bg2="dk2" tx2="lt2" accent1="accent1" accent2="accent2" accent3="accent3" accent4="accent4" accent5="accent5" accent6="accent6" hlink="hlink" folHlink="folHlink"/>
+  </p:clrMapOvr>
+  <p:timing>
+    <p:tnLst>
+      <p:par>
+        <p:cTn id="1" dur="indefinite" restart="never" nodeType="tmRoot"/>
+      </p:par>
+    </p:tnLst>
+  </p:timing>
+</p:sld>
+</file>
+
+<file path=ppt/slides/slide15.xml><?xml version="1.0" encoding="utf-8"?>
+<p:sld xmlns:a="http://schemas.openxmlformats.org/drawingml/2006/main" xmlns:r="http://schemas.openxmlformats.org/officeDocument/2006/relationships" xmlns:p="http://schemas.openxmlformats.org/presentationml/2006/main">
+  <p:cSld>
+    <p:bg>
+      <p:bgPr>
+        <a:solidFill>
+          <a:schemeClr val="bg1">
+            <a:tint val="95000"/>
+            <a:satMod val="170000"/>
+          </a:schemeClr>
+        </a:solidFill>
+        <a:effectLst/>
+      </p:bgPr>
+    </p:bg>
+    <p:spTree>
+      <p:nvGrpSpPr>
+        <p:cNvPr id="1" name=""/>
+        <p:cNvGrpSpPr/>
+        <p:nvPr/>
+      </p:nvGrpSpPr>
+      <p:grpSpPr>
+        <a:xfrm>
+          <a:off x="0" y="0"/>
+          <a:ext cx="0" cy="0"/>
+          <a:chOff x="0" y="0"/>
+          <a:chExt cx="0" cy="0"/>
+        </a:xfrm>
+      </p:grpSpPr>
+      <p:sp>
+        <p:nvSpPr>
+          <p:cNvPr id="23" name="Rectangle 22">
+            <a:extLst>
+              <a:ext uri="{FF2B5EF4-FFF2-40B4-BE49-F238E27FC236}">
+                <a16:creationId xmlns:a16="http://schemas.microsoft.com/office/drawing/2014/main" xmlns="" id="{EE1FC7B4-E4A7-4452-B413-1A623E3A7230}"/>
+              </a:ext>
+            </a:extLst>
+          </p:cNvPr>
+          <p:cNvSpPr>
+            <a:spLocks noGrp="1" noRot="1" noChangeAspect="1" noMove="1" noResize="1" noEditPoints="1" noAdjustHandles="1" noChangeArrowheads="1" noChangeShapeType="1" noTextEdit="1"/>
+          </p:cNvSpPr>
+          <p:nvPr>
+            <p:extLst>
+              <p:ext uri="{386F3935-93C4-4BCD-93E2-E3B085C9AB24}">
+                <p16:designElem xmlns:p16="http://schemas.microsoft.com/office/powerpoint/2015/main" xmlns="" val="1"/>
+              </p:ext>
+            </p:extLst>
+          </p:nvPr>
+        </p:nvSpPr>
+        <p:spPr>
+          <a:xfrm>
+            <a:off x="0" y="-3324"/>
+            <a:ext cx="12192000" cy="6861324"/>
+          </a:xfrm>
+          <a:prstGeom prst="rect">
+            <a:avLst/>
+          </a:prstGeom>
+          <a:solidFill>
+            <a:schemeClr val="bg1">
+              <a:alpha val="9000"/>
+            </a:schemeClr>
+          </a:solidFill>
+          <a:ln>
+            <a:noFill/>
+          </a:ln>
+        </p:spPr>
+        <p:style>
+          <a:lnRef idx="2">
+            <a:schemeClr val="accent1">
+              <a:shade val="50000"/>
+            </a:schemeClr>
+          </a:lnRef>
+          <a:fillRef idx="1">
+            <a:schemeClr val="accent1"/>
+          </a:fillRef>
+          <a:effectRef idx="0">
+            <a:schemeClr val="accent1"/>
+          </a:effectRef>
+          <a:fontRef idx="minor">
+            <a:schemeClr val="lt1"/>
+          </a:fontRef>
+        </p:style>
+        <p:txBody>
+          <a:bodyPr rtlCol="0" anchor="ctr"/>
+          <a:lstStyle/>
+          <a:p>
+            <a:pPr marL="0" marR="0" lvl="0" indent="0" algn="ctr" defTabSz="914400" rtl="0" eaLnBrk="1" fontAlgn="auto" latinLnBrk="0" hangingPunct="1">
+              <a:lnSpc>
+                <a:spcPct val="100000"/>
+              </a:lnSpc>
+              <a:spcBef>
+                <a:spcPts val="0"/>
+              </a:spcBef>
+              <a:spcAft>
+                <a:spcPts val="0"/>
+              </a:spcAft>
+              <a:buClrTx/>
+              <a:buSzTx/>
+              <a:buFontTx/>
+              <a:buNone/>
+              <a:tabLst/>
+              <a:defRPr/>
+            </a:pPr>
+            <a:endParaRPr kumimoji="0" lang="en-US" sz="1800" b="0" i="0" u="none" strike="noStrike" kern="1200" cap="none" spc="0" normalizeH="0" baseline="0" noProof="0">
+              <a:ln>
+                <a:noFill/>
+              </a:ln>
+              <a:solidFill>
+                <a:prstClr val="white"/>
+              </a:solidFill>
+              <a:effectLst/>
+              <a:uLnTx/>
+              <a:uFillTx/>
+              <a:latin typeface="Calibri" panose="020F0502020204030204"/>
+              <a:ea typeface="+mn-ea"/>
+              <a:cs typeface="+mn-cs"/>
+            </a:endParaRPr>
+          </a:p>
+        </p:txBody>
+      </p:sp>
+      <p:sp>
+        <p:nvSpPr>
+          <p:cNvPr id="25" name="Freeform 13">
+            <a:extLst>
+              <a:ext uri="{FF2B5EF4-FFF2-40B4-BE49-F238E27FC236}">
+                <a16:creationId xmlns:a16="http://schemas.microsoft.com/office/drawing/2014/main" xmlns="" id="{E0709AF0-24F0-4486-B189-BE6386BDB198}"/>
+              </a:ext>
+            </a:extLst>
+          </p:cNvPr>
+          <p:cNvSpPr>
+            <a:spLocks noGrp="1" noRot="1" noChangeAspect="1" noMove="1" noResize="1" noEditPoints="1" noAdjustHandles="1" noChangeArrowheads="1" noChangeShapeType="1" noTextEdit="1"/>
+          </p:cNvSpPr>
+          <p:nvPr>
+            <p:extLst>
+              <p:ext uri="{386F3935-93C4-4BCD-93E2-E3B085C9AB24}">
+                <p16:designElem xmlns:p16="http://schemas.microsoft.com/office/powerpoint/2015/main" xmlns="" val="1"/>
+              </p:ext>
+            </p:extLst>
+          </p:nvPr>
+        </p:nvSpPr>
+        <p:spPr>
+          <a:xfrm>
+            <a:off x="0" y="0"/>
+            <a:ext cx="11786754" cy="6858000"/>
+          </a:xfrm>
+          <a:custGeom>
+            <a:avLst/>
+            <a:gdLst>
+              <a:gd name="connsiteX0" fmla="*/ 0 w 11786754"/>
+              <a:gd name="connsiteY0" fmla="*/ 0 h 6858000"/>
+              <a:gd name="connsiteX1" fmla="*/ 8610600 w 11786754"/>
+              <a:gd name="connsiteY1" fmla="*/ 0 h 6858000"/>
+              <a:gd name="connsiteX2" fmla="*/ 11786754 w 11786754"/>
+              <a:gd name="connsiteY2" fmla="*/ 6858000 h 6858000"/>
+              <a:gd name="connsiteX3" fmla="*/ 0 w 11786754"/>
+              <a:gd name="connsiteY3" fmla="*/ 6858000 h 6858000"/>
+            </a:gdLst>
+            <a:ahLst/>
+            <a:cxnLst>
+              <a:cxn ang="0">
+                <a:pos x="connsiteX0" y="connsiteY0"/>
+              </a:cxn>
+              <a:cxn ang="0">
+                <a:pos x="connsiteX1" y="connsiteY1"/>
+              </a:cxn>
+              <a:cxn ang="0">
+                <a:pos x="connsiteX2" y="connsiteY2"/>
+              </a:cxn>
+              <a:cxn ang="0">
+                <a:pos x="connsiteX3" y="connsiteY3"/>
+              </a:cxn>
+            </a:cxnLst>
+            <a:rect l="l" t="t" r="r" b="b"/>
+            <a:pathLst>
+              <a:path w="11786754" h="6858000">
+                <a:moveTo>
+                  <a:pt x="0" y="0"/>
+                </a:moveTo>
+                <a:lnTo>
+                  <a:pt x="8610600" y="0"/>
+                </a:lnTo>
+                <a:lnTo>
+                  <a:pt x="11786754" y="6858000"/>
+                </a:lnTo>
+                <a:lnTo>
+                  <a:pt x="0" y="6858000"/>
+                </a:lnTo>
+                <a:close/>
+              </a:path>
+            </a:pathLst>
+          </a:custGeom>
+          <a:solidFill>
+            <a:schemeClr val="bg1">
+              <a:alpha val="30000"/>
+            </a:schemeClr>
+          </a:solidFill>
+          <a:ln>
+            <a:noFill/>
+          </a:ln>
+        </p:spPr>
+        <p:style>
+          <a:lnRef idx="2">
+            <a:schemeClr val="accent1">
+              <a:shade val="50000"/>
+            </a:schemeClr>
+          </a:lnRef>
+          <a:fillRef idx="1">
+            <a:schemeClr val="accent1"/>
+          </a:fillRef>
+          <a:effectRef idx="0">
+            <a:schemeClr val="accent1"/>
+          </a:effectRef>
+          <a:fontRef idx="minor">
+            <a:schemeClr val="lt1"/>
+          </a:fontRef>
+        </p:style>
+        <p:txBody>
+          <a:bodyPr rtlCol="0" anchor="ctr"/>
+          <a:lstStyle/>
+          <a:p>
+            <a:pPr marL="0" marR="0" lvl="0" indent="0" algn="ctr" defTabSz="914400" rtl="0" eaLnBrk="1" fontAlgn="auto" latinLnBrk="0" hangingPunct="1">
+              <a:lnSpc>
+                <a:spcPct val="100000"/>
+              </a:lnSpc>
+              <a:spcBef>
+                <a:spcPts val="0"/>
+              </a:spcBef>
+              <a:spcAft>
+                <a:spcPts val="0"/>
+              </a:spcAft>
+              <a:buClrTx/>
+              <a:buSzTx/>
+              <a:buFontTx/>
+              <a:buNone/>
+              <a:tabLst/>
+              <a:defRPr/>
+            </a:pPr>
+            <a:endParaRPr kumimoji="0" lang="en-US" sz="1800" b="0" i="0" u="none" strike="noStrike" kern="1200" cap="none" spc="0" normalizeH="0" baseline="0" noProof="0">
+              <a:ln>
+                <a:noFill/>
+              </a:ln>
+              <a:solidFill>
+                <a:prstClr val="white"/>
+              </a:solidFill>
+              <a:effectLst/>
+              <a:uLnTx/>
+              <a:uFillTx/>
+              <a:latin typeface="Calibri" panose="020F0502020204030204"/>
+              <a:ea typeface="+mn-ea"/>
+              <a:cs typeface="+mn-cs"/>
+            </a:endParaRPr>
+          </a:p>
+        </p:txBody>
+      </p:sp>
+      <p:sp>
+        <p:nvSpPr>
+          <p:cNvPr id="27" name="Freeform 11">
+            <a:extLst>
+              <a:ext uri="{FF2B5EF4-FFF2-40B4-BE49-F238E27FC236}">
+                <a16:creationId xmlns:a16="http://schemas.microsoft.com/office/drawing/2014/main" xmlns="" id="{FBE3B62F-5853-4A3C-B050-6186351A7176}"/>
+              </a:ext>
+            </a:extLst>
+          </p:cNvPr>
+          <p:cNvSpPr>
+            <a:spLocks noGrp="1" noRot="1" noChangeAspect="1" noMove="1" noResize="1" noEditPoints="1" noAdjustHandles="1" noChangeArrowheads="1" noChangeShapeType="1" noTextEdit="1"/>
+          </p:cNvSpPr>
+          <p:nvPr>
+            <p:extLst>
+              <p:ext uri="{386F3935-93C4-4BCD-93E2-E3B085C9AB24}">
+                <p16:designElem xmlns:p16="http://schemas.microsoft.com/office/powerpoint/2015/main" xmlns="" val="1"/>
+              </p:ext>
+            </p:extLst>
+          </p:nvPr>
+        </p:nvSpPr>
+        <p:spPr>
+          <a:xfrm>
+            <a:off x="0" y="0"/>
+            <a:ext cx="3581400" cy="6858000"/>
+          </a:xfrm>
+          <a:custGeom>
+            <a:avLst/>
+            <a:gdLst>
+              <a:gd name="connsiteX0" fmla="*/ 0 w 3581400"/>
+              <a:gd name="connsiteY0" fmla="*/ 0 h 6858000"/>
+              <a:gd name="connsiteX1" fmla="*/ 405246 w 3581400"/>
+              <a:gd name="connsiteY1" fmla="*/ 0 h 6858000"/>
+              <a:gd name="connsiteX2" fmla="*/ 3581400 w 3581400"/>
+              <a:gd name="connsiteY2" fmla="*/ 6858000 h 6858000"/>
+              <a:gd name="connsiteX3" fmla="*/ 0 w 3581400"/>
+              <a:gd name="connsiteY3" fmla="*/ 6858000 h 6858000"/>
+            </a:gdLst>
+            <a:ahLst/>
+            <a:cxnLst>
+              <a:cxn ang="0">
+                <a:pos x="connsiteX0" y="connsiteY0"/>
+              </a:cxn>
+              <a:cxn ang="0">
+                <a:pos x="connsiteX1" y="connsiteY1"/>
+              </a:cxn>
+              <a:cxn ang="0">
+                <a:pos x="connsiteX2" y="connsiteY2"/>
+              </a:cxn>
+              <a:cxn ang="0">
+                <a:pos x="connsiteX3" y="connsiteY3"/>
+              </a:cxn>
+            </a:cxnLst>
+            <a:rect l="l" t="t" r="r" b="b"/>
+            <a:pathLst>
+              <a:path w="3581400" h="6858000">
+                <a:moveTo>
+                  <a:pt x="0" y="0"/>
+                </a:moveTo>
+                <a:lnTo>
+                  <a:pt x="405246" y="0"/>
+                </a:lnTo>
+                <a:lnTo>
+                  <a:pt x="3581400" y="6858000"/>
+                </a:lnTo>
+                <a:lnTo>
+                  <a:pt x="0" y="6858000"/>
+                </a:lnTo>
+                <a:close/>
+              </a:path>
+            </a:pathLst>
+          </a:custGeom>
+          <a:solidFill>
+            <a:schemeClr val="bg1">
+              <a:alpha val="30000"/>
+            </a:schemeClr>
+          </a:solidFill>
+          <a:ln>
+            <a:noFill/>
+          </a:ln>
+        </p:spPr>
+        <p:style>
+          <a:lnRef idx="2">
+            <a:schemeClr val="accent1">
+              <a:shade val="50000"/>
+            </a:schemeClr>
+          </a:lnRef>
+          <a:fillRef idx="1">
+            <a:schemeClr val="accent1"/>
+          </a:fillRef>
+          <a:effectRef idx="0">
+            <a:schemeClr val="accent1"/>
+          </a:effectRef>
+          <a:fontRef idx="minor">
+            <a:schemeClr val="lt1"/>
+          </a:fontRef>
+        </p:style>
+        <p:txBody>
+          <a:bodyPr wrap="square" rtlCol="0" anchor="ctr">
+            <a:noAutofit/>
+          </a:bodyPr>
+          <a:lstStyle/>
+          <a:p>
+            <a:pPr marL="0" marR="0" lvl="0" indent="0" algn="ctr" defTabSz="914400" rtl="0" eaLnBrk="1" fontAlgn="auto" latinLnBrk="0" hangingPunct="1">
+              <a:lnSpc>
+                <a:spcPct val="100000"/>
+              </a:lnSpc>
+              <a:spcBef>
+                <a:spcPts val="0"/>
+              </a:spcBef>
+              <a:spcAft>
+                <a:spcPts val="0"/>
+              </a:spcAft>
+              <a:buClrTx/>
+              <a:buSzTx/>
+              <a:buFontTx/>
+              <a:buNone/>
+              <a:tabLst/>
+              <a:defRPr/>
+            </a:pPr>
+            <a:endParaRPr kumimoji="0" lang="en-US" sz="1800" b="0" i="0" u="none" strike="noStrike" kern="1200" cap="none" spc="0" normalizeH="0" baseline="0" noProof="0">
+              <a:ln>
+                <a:noFill/>
+              </a:ln>
+              <a:solidFill>
+                <a:prstClr val="white"/>
+              </a:solidFill>
+              <a:effectLst/>
+              <a:uLnTx/>
+              <a:uFillTx/>
+              <a:latin typeface="Calibri" panose="020F0502020204030204"/>
+              <a:ea typeface="+mn-ea"/>
+              <a:cs typeface="+mn-cs"/>
+            </a:endParaRPr>
+          </a:p>
+        </p:txBody>
+      </p:sp>
+      <p:pic>
+        <p:nvPicPr>
+          <p:cNvPr id="2" name="Picture 1"/>
+          <p:cNvPicPr>
+            <a:picLocks noChangeAspect="1"/>
+          </p:cNvPicPr>
+          <p:nvPr/>
+        </p:nvPicPr>
+        <p:blipFill>
+          <a:blip r:embed="rId2">
+            <a:extLst>
+              <a:ext uri="{28A0092B-C50C-407E-A947-70E740481C1C}">
+                <a14:useLocalDpi xmlns:a14="http://schemas.microsoft.com/office/drawing/2010/main" val="0"/>
+              </a:ext>
+            </a:extLst>
+          </a:blip>
+          <a:stretch>
+            <a:fillRect/>
+          </a:stretch>
+        </p:blipFill>
+        <p:spPr>
+          <a:xfrm>
+            <a:off x="1574341" y="466882"/>
+            <a:ext cx="9043318" cy="5920912"/>
+          </a:xfrm>
+          <a:prstGeom prst="rect">
+            <a:avLst/>
+          </a:prstGeom>
+        </p:spPr>
+      </p:pic>
+    </p:spTree>
+    <p:extLst>
+      <p:ext uri="{BB962C8B-B14F-4D97-AF65-F5344CB8AC3E}">
+        <p14:creationId xmlns:p14="http://schemas.microsoft.com/office/powerpoint/2010/main" val="834802163"/>
+      </p:ext>
+    </p:extLst>
+  </p:cSld>
+  <p:clrMapOvr>
+    <a:overrideClrMapping bg1="dk1" tx1="lt1" bg2="dk2" tx2="lt2" accent1="accent1" accent2="accent2" accent3="accent3" accent4="accent4" accent5="accent5" accent6="accent6" hlink="hlink" folHlink="folHlink"/>
+  </p:clrMapOvr>
+  <p:timing>
+    <p:tnLst>
+      <p:par>
+        <p:cTn id="1" dur="indefinite" restart="never" nodeType="tmRoot"/>
+      </p:par>
+    </p:tnLst>
+  </p:timing>
+</p:sld>
+</file>
+
+<file path=ppt/slides/slide16.xml><?xml version="1.0" encoding="utf-8"?>
+<p:sld xmlns:a="http://schemas.openxmlformats.org/drawingml/2006/main" xmlns:r="http://schemas.openxmlformats.org/officeDocument/2006/relationships" xmlns:p="http://schemas.openxmlformats.org/presentationml/2006/main">
+  <p:cSld>
+    <p:bg>
+      <p:bgPr>
+        <a:solidFill>
+          <a:schemeClr val="bg1">
+            <a:tint val="95000"/>
+            <a:satMod val="170000"/>
+          </a:schemeClr>
+        </a:solidFill>
+        <a:effectLst/>
+      </p:bgPr>
+    </p:bg>
+    <p:spTree>
+      <p:nvGrpSpPr>
+        <p:cNvPr id="1" name=""/>
+        <p:cNvGrpSpPr/>
+        <p:nvPr/>
+      </p:nvGrpSpPr>
+      <p:grpSpPr>
+        <a:xfrm>
+          <a:off x="0" y="0"/>
+          <a:ext cx="0" cy="0"/>
+          <a:chOff x="0" y="0"/>
+          <a:chExt cx="0" cy="0"/>
+        </a:xfrm>
+      </p:grpSpPr>
+      <p:sp>
+        <p:nvSpPr>
+          <p:cNvPr id="23" name="Rectangle 22">
+            <a:extLst>
+              <a:ext uri="{FF2B5EF4-FFF2-40B4-BE49-F238E27FC236}">
+                <a16:creationId xmlns:a16="http://schemas.microsoft.com/office/drawing/2014/main" xmlns="" id="{EE1FC7B4-E4A7-4452-B413-1A623E3A7230}"/>
+              </a:ext>
+            </a:extLst>
+          </p:cNvPr>
+          <p:cNvSpPr>
+            <a:spLocks noGrp="1" noRot="1" noChangeAspect="1" noMove="1" noResize="1" noEditPoints="1" noAdjustHandles="1" noChangeArrowheads="1" noChangeShapeType="1" noTextEdit="1"/>
+          </p:cNvSpPr>
+          <p:nvPr>
+            <p:extLst>
+              <p:ext uri="{386F3935-93C4-4BCD-93E2-E3B085C9AB24}">
+                <p16:designElem xmlns:p16="http://schemas.microsoft.com/office/powerpoint/2015/main" xmlns="" val="1"/>
+              </p:ext>
+            </p:extLst>
+          </p:nvPr>
+        </p:nvSpPr>
+        <p:spPr>
+          <a:xfrm>
+            <a:off x="0" y="-3324"/>
+            <a:ext cx="12192000" cy="6861324"/>
+          </a:xfrm>
+          <a:prstGeom prst="rect">
+            <a:avLst/>
+          </a:prstGeom>
+          <a:solidFill>
+            <a:schemeClr val="bg1">
+              <a:alpha val="9000"/>
+            </a:schemeClr>
+          </a:solidFill>
+          <a:ln>
+            <a:noFill/>
+          </a:ln>
+        </p:spPr>
+        <p:style>
+          <a:lnRef idx="2">
+            <a:schemeClr val="accent1">
+              <a:shade val="50000"/>
+            </a:schemeClr>
+          </a:lnRef>
+          <a:fillRef idx="1">
+            <a:schemeClr val="accent1"/>
+          </a:fillRef>
+          <a:effectRef idx="0">
+            <a:schemeClr val="accent1"/>
+          </a:effectRef>
+          <a:fontRef idx="minor">
+            <a:schemeClr val="lt1"/>
+          </a:fontRef>
+        </p:style>
+        <p:txBody>
+          <a:bodyPr rtlCol="0" anchor="ctr"/>
+          <a:lstStyle/>
+          <a:p>
+            <a:pPr marL="0" marR="0" lvl="0" indent="0" algn="ctr" defTabSz="914400" rtl="0" eaLnBrk="1" fontAlgn="auto" latinLnBrk="0" hangingPunct="1">
+              <a:lnSpc>
+                <a:spcPct val="100000"/>
+              </a:lnSpc>
+              <a:spcBef>
+                <a:spcPts val="0"/>
+              </a:spcBef>
+              <a:spcAft>
+                <a:spcPts val="0"/>
+              </a:spcAft>
+              <a:buClrTx/>
+              <a:buSzTx/>
+              <a:buFontTx/>
+              <a:buNone/>
+              <a:tabLst/>
+              <a:defRPr/>
+            </a:pPr>
+            <a:endParaRPr kumimoji="0" lang="en-US" sz="1800" b="0" i="0" u="none" strike="noStrike" kern="1200" cap="none" spc="0" normalizeH="0" baseline="0" noProof="0">
+              <a:ln>
+                <a:noFill/>
+              </a:ln>
+              <a:solidFill>
+                <a:prstClr val="white"/>
+              </a:solidFill>
+              <a:effectLst/>
+              <a:uLnTx/>
+              <a:uFillTx/>
+              <a:latin typeface="Calibri" panose="020F0502020204030204"/>
+              <a:ea typeface="+mn-ea"/>
+              <a:cs typeface="+mn-cs"/>
+            </a:endParaRPr>
+          </a:p>
+        </p:txBody>
+      </p:sp>
+      <p:sp>
+        <p:nvSpPr>
+          <p:cNvPr id="25" name="Freeform 13">
+            <a:extLst>
+              <a:ext uri="{FF2B5EF4-FFF2-40B4-BE49-F238E27FC236}">
+                <a16:creationId xmlns:a16="http://schemas.microsoft.com/office/drawing/2014/main" xmlns="" id="{E0709AF0-24F0-4486-B189-BE6386BDB198}"/>
+              </a:ext>
+            </a:extLst>
+          </p:cNvPr>
+          <p:cNvSpPr>
+            <a:spLocks noGrp="1" noRot="1" noChangeAspect="1" noMove="1" noResize="1" noEditPoints="1" noAdjustHandles="1" noChangeArrowheads="1" noChangeShapeType="1" noTextEdit="1"/>
+          </p:cNvSpPr>
+          <p:nvPr>
+            <p:extLst>
+              <p:ext uri="{386F3935-93C4-4BCD-93E2-E3B085C9AB24}">
+                <p16:designElem xmlns:p16="http://schemas.microsoft.com/office/powerpoint/2015/main" xmlns="" val="1"/>
+              </p:ext>
+            </p:extLst>
+          </p:nvPr>
+        </p:nvSpPr>
+        <p:spPr>
+          <a:xfrm>
+            <a:off x="0" y="0"/>
+            <a:ext cx="11786754" cy="6858000"/>
+          </a:xfrm>
+          <a:custGeom>
+            <a:avLst/>
+            <a:gdLst>
+              <a:gd name="connsiteX0" fmla="*/ 0 w 11786754"/>
+              <a:gd name="connsiteY0" fmla="*/ 0 h 6858000"/>
+              <a:gd name="connsiteX1" fmla="*/ 8610600 w 11786754"/>
+              <a:gd name="connsiteY1" fmla="*/ 0 h 6858000"/>
+              <a:gd name="connsiteX2" fmla="*/ 11786754 w 11786754"/>
+              <a:gd name="connsiteY2" fmla="*/ 6858000 h 6858000"/>
+              <a:gd name="connsiteX3" fmla="*/ 0 w 11786754"/>
+              <a:gd name="connsiteY3" fmla="*/ 6858000 h 6858000"/>
+            </a:gdLst>
+            <a:ahLst/>
+            <a:cxnLst>
+              <a:cxn ang="0">
+                <a:pos x="connsiteX0" y="connsiteY0"/>
+              </a:cxn>
+              <a:cxn ang="0">
+                <a:pos x="connsiteX1" y="connsiteY1"/>
+              </a:cxn>
+              <a:cxn ang="0">
+                <a:pos x="connsiteX2" y="connsiteY2"/>
+              </a:cxn>
+              <a:cxn ang="0">
+                <a:pos x="connsiteX3" y="connsiteY3"/>
+              </a:cxn>
+            </a:cxnLst>
+            <a:rect l="l" t="t" r="r" b="b"/>
+            <a:pathLst>
+              <a:path w="11786754" h="6858000">
+                <a:moveTo>
+                  <a:pt x="0" y="0"/>
+                </a:moveTo>
+                <a:lnTo>
+                  <a:pt x="8610600" y="0"/>
+                </a:lnTo>
+                <a:lnTo>
+                  <a:pt x="11786754" y="6858000"/>
+                </a:lnTo>
+                <a:lnTo>
+                  <a:pt x="0" y="6858000"/>
+                </a:lnTo>
+                <a:close/>
+              </a:path>
+            </a:pathLst>
+          </a:custGeom>
+          <a:solidFill>
+            <a:schemeClr val="bg1">
+              <a:alpha val="30000"/>
+            </a:schemeClr>
+          </a:solidFill>
+          <a:ln>
+            <a:noFill/>
+          </a:ln>
+        </p:spPr>
+        <p:style>
+          <a:lnRef idx="2">
+            <a:schemeClr val="accent1">
+              <a:shade val="50000"/>
+            </a:schemeClr>
+          </a:lnRef>
+          <a:fillRef idx="1">
+            <a:schemeClr val="accent1"/>
+          </a:fillRef>
+          <a:effectRef idx="0">
+            <a:schemeClr val="accent1"/>
+          </a:effectRef>
+          <a:fontRef idx="minor">
+            <a:schemeClr val="lt1"/>
+          </a:fontRef>
+        </p:style>
+        <p:txBody>
+          <a:bodyPr rtlCol="0" anchor="ctr"/>
+          <a:lstStyle/>
+          <a:p>
+            <a:pPr marL="0" marR="0" lvl="0" indent="0" algn="ctr" defTabSz="914400" rtl="0" eaLnBrk="1" fontAlgn="auto" latinLnBrk="0" hangingPunct="1">
+              <a:lnSpc>
+                <a:spcPct val="100000"/>
+              </a:lnSpc>
+              <a:spcBef>
+                <a:spcPts val="0"/>
+              </a:spcBef>
+              <a:spcAft>
+                <a:spcPts val="0"/>
+              </a:spcAft>
+              <a:buClrTx/>
+              <a:buSzTx/>
+              <a:buFontTx/>
+              <a:buNone/>
+              <a:tabLst/>
+              <a:defRPr/>
+            </a:pPr>
+            <a:endParaRPr kumimoji="0" lang="en-US" sz="1800" b="0" i="0" u="none" strike="noStrike" kern="1200" cap="none" spc="0" normalizeH="0" baseline="0" noProof="0">
+              <a:ln>
+                <a:noFill/>
+              </a:ln>
+              <a:solidFill>
+                <a:prstClr val="white"/>
+              </a:solidFill>
+              <a:effectLst/>
+              <a:uLnTx/>
+              <a:uFillTx/>
+              <a:latin typeface="Calibri" panose="020F0502020204030204"/>
+              <a:ea typeface="+mn-ea"/>
+              <a:cs typeface="+mn-cs"/>
+            </a:endParaRPr>
+          </a:p>
+        </p:txBody>
+      </p:sp>
+      <p:sp>
+        <p:nvSpPr>
+          <p:cNvPr id="27" name="Freeform 11">
+            <a:extLst>
+              <a:ext uri="{FF2B5EF4-FFF2-40B4-BE49-F238E27FC236}">
+                <a16:creationId xmlns:a16="http://schemas.microsoft.com/office/drawing/2014/main" xmlns="" id="{FBE3B62F-5853-4A3C-B050-6186351A7176}"/>
+              </a:ext>
+            </a:extLst>
+          </p:cNvPr>
+          <p:cNvSpPr>
+            <a:spLocks noGrp="1" noRot="1" noChangeAspect="1" noMove="1" noResize="1" noEditPoints="1" noAdjustHandles="1" noChangeArrowheads="1" noChangeShapeType="1" noTextEdit="1"/>
+          </p:cNvSpPr>
+          <p:nvPr>
+            <p:extLst>
+              <p:ext uri="{386F3935-93C4-4BCD-93E2-E3B085C9AB24}">
+                <p16:designElem xmlns:p16="http://schemas.microsoft.com/office/powerpoint/2015/main" xmlns="" val="1"/>
+              </p:ext>
+            </p:extLst>
+          </p:nvPr>
+        </p:nvSpPr>
+        <p:spPr>
+          <a:xfrm>
+            <a:off x="0" y="0"/>
+            <a:ext cx="3581400" cy="6858000"/>
+          </a:xfrm>
+          <a:custGeom>
+            <a:avLst/>
+            <a:gdLst>
+              <a:gd name="connsiteX0" fmla="*/ 0 w 3581400"/>
+              <a:gd name="connsiteY0" fmla="*/ 0 h 6858000"/>
+              <a:gd name="connsiteX1" fmla="*/ 405246 w 3581400"/>
+              <a:gd name="connsiteY1" fmla="*/ 0 h 6858000"/>
+              <a:gd name="connsiteX2" fmla="*/ 3581400 w 3581400"/>
+              <a:gd name="connsiteY2" fmla="*/ 6858000 h 6858000"/>
+              <a:gd name="connsiteX3" fmla="*/ 0 w 3581400"/>
+              <a:gd name="connsiteY3" fmla="*/ 6858000 h 6858000"/>
+            </a:gdLst>
+            <a:ahLst/>
+            <a:cxnLst>
+              <a:cxn ang="0">
+                <a:pos x="connsiteX0" y="connsiteY0"/>
+              </a:cxn>
+              <a:cxn ang="0">
+                <a:pos x="connsiteX1" y="connsiteY1"/>
+              </a:cxn>
+              <a:cxn ang="0">
+                <a:pos x="connsiteX2" y="connsiteY2"/>
+              </a:cxn>
+              <a:cxn ang="0">
+                <a:pos x="connsiteX3" y="connsiteY3"/>
+              </a:cxn>
+            </a:cxnLst>
+            <a:rect l="l" t="t" r="r" b="b"/>
+            <a:pathLst>
+              <a:path w="3581400" h="6858000">
+                <a:moveTo>
+                  <a:pt x="0" y="0"/>
+                </a:moveTo>
+                <a:lnTo>
+                  <a:pt x="405246" y="0"/>
+                </a:lnTo>
+                <a:lnTo>
+                  <a:pt x="3581400" y="6858000"/>
+                </a:lnTo>
+                <a:lnTo>
+                  <a:pt x="0" y="6858000"/>
+                </a:lnTo>
+                <a:close/>
+              </a:path>
+            </a:pathLst>
+          </a:custGeom>
+          <a:solidFill>
+            <a:schemeClr val="bg1">
+              <a:alpha val="30000"/>
+            </a:schemeClr>
+          </a:solidFill>
+          <a:ln>
+            <a:noFill/>
+          </a:ln>
+        </p:spPr>
+        <p:style>
+          <a:lnRef idx="2">
+            <a:schemeClr val="accent1">
+              <a:shade val="50000"/>
+            </a:schemeClr>
+          </a:lnRef>
+          <a:fillRef idx="1">
+            <a:schemeClr val="accent1"/>
+          </a:fillRef>
+          <a:effectRef idx="0">
+            <a:schemeClr val="accent1"/>
+          </a:effectRef>
+          <a:fontRef idx="minor">
+            <a:schemeClr val="lt1"/>
+          </a:fontRef>
+        </p:style>
+        <p:txBody>
+          <a:bodyPr wrap="square" rtlCol="0" anchor="ctr">
+            <a:noAutofit/>
+          </a:bodyPr>
+          <a:lstStyle/>
+          <a:p>
+            <a:pPr marL="0" marR="0" lvl="0" indent="0" algn="ctr" defTabSz="914400" rtl="0" eaLnBrk="1" fontAlgn="auto" latinLnBrk="0" hangingPunct="1">
+              <a:lnSpc>
+                <a:spcPct val="100000"/>
+              </a:lnSpc>
+              <a:spcBef>
+                <a:spcPts val="0"/>
+              </a:spcBef>
+              <a:spcAft>
+                <a:spcPts val="0"/>
+              </a:spcAft>
+              <a:buClrTx/>
+              <a:buSzTx/>
+              <a:buFontTx/>
+              <a:buNone/>
+              <a:tabLst/>
+              <a:defRPr/>
+            </a:pPr>
+            <a:endParaRPr kumimoji="0" lang="en-US" sz="1800" b="0" i="0" u="none" strike="noStrike" kern="1200" cap="none" spc="0" normalizeH="0" baseline="0" noProof="0">
+              <a:ln>
+                <a:noFill/>
+              </a:ln>
+              <a:solidFill>
+                <a:prstClr val="white"/>
+              </a:solidFill>
+              <a:effectLst/>
+              <a:uLnTx/>
+              <a:uFillTx/>
+              <a:latin typeface="Calibri" panose="020F0502020204030204"/>
+              <a:ea typeface="+mn-ea"/>
+              <a:cs typeface="+mn-cs"/>
+            </a:endParaRPr>
+          </a:p>
+        </p:txBody>
+      </p:sp>
+      <p:pic>
+        <p:nvPicPr>
+          <p:cNvPr id="3" name="Picture 2"/>
+          <p:cNvPicPr>
+            <a:picLocks noChangeAspect="1"/>
+          </p:cNvPicPr>
+          <p:nvPr/>
+        </p:nvPicPr>
+        <p:blipFill>
+          <a:blip r:embed="rId2">
+            <a:extLst>
+              <a:ext uri="{28A0092B-C50C-407E-A947-70E740481C1C}">
+                <a14:useLocalDpi xmlns:a14="http://schemas.microsoft.com/office/drawing/2010/main" val="0"/>
+              </a:ext>
+            </a:extLst>
+          </a:blip>
+          <a:stretch>
+            <a:fillRect/>
+          </a:stretch>
+        </p:blipFill>
+        <p:spPr>
+          <a:xfrm>
+            <a:off x="2478705" y="2409372"/>
+            <a:ext cx="6817619" cy="2522820"/>
+          </a:xfrm>
+          <a:prstGeom prst="rect">
+            <a:avLst/>
+          </a:prstGeom>
+        </p:spPr>
+      </p:pic>
+    </p:spTree>
+    <p:extLst>
+      <p:ext uri="{BB962C8B-B14F-4D97-AF65-F5344CB8AC3E}">
+        <p14:creationId xmlns:p14="http://schemas.microsoft.com/office/powerpoint/2010/main" val="1357941972"/>
       </p:ext>
     </p:extLst>
   </p:cSld>

--- a/Meeting #1 Intro to Arduino/stpeteiot - meeting #1.pptx
+++ b/Meeting #1 Intro to Arduino/stpeteiot - meeting #1.pptx
@@ -9,18 +9,21 @@
     <p:sldId id="278" r:id="rId3"/>
     <p:sldId id="257" r:id="rId4"/>
     <p:sldId id="260" r:id="rId5"/>
-    <p:sldId id="262" r:id="rId6"/>
-    <p:sldId id="263" r:id="rId7"/>
-    <p:sldId id="264" r:id="rId8"/>
-    <p:sldId id="279" r:id="rId9"/>
-    <p:sldId id="265" r:id="rId10"/>
-    <p:sldId id="266" r:id="rId11"/>
-    <p:sldId id="277" r:id="rId12"/>
-    <p:sldId id="276" r:id="rId13"/>
-    <p:sldId id="281" r:id="rId14"/>
-    <p:sldId id="267" r:id="rId15"/>
-    <p:sldId id="280" r:id="rId16"/>
-    <p:sldId id="282" r:id="rId17"/>
+    <p:sldId id="283" r:id="rId6"/>
+    <p:sldId id="262" r:id="rId7"/>
+    <p:sldId id="263" r:id="rId8"/>
+    <p:sldId id="284" r:id="rId9"/>
+    <p:sldId id="264" r:id="rId10"/>
+    <p:sldId id="279" r:id="rId11"/>
+    <p:sldId id="265" r:id="rId12"/>
+    <p:sldId id="266" r:id="rId13"/>
+    <p:sldId id="277" r:id="rId14"/>
+    <p:sldId id="276" r:id="rId15"/>
+    <p:sldId id="281" r:id="rId16"/>
+    <p:sldId id="267" r:id="rId17"/>
+    <p:sldId id="280" r:id="rId18"/>
+    <p:sldId id="282" r:id="rId19"/>
+    <p:sldId id="285" r:id="rId20"/>
   </p:sldIdLst>
   <p:sldSz cx="12192000" cy="6858000"/>
   <p:notesSz cx="6858000" cy="9144000"/>
@@ -153,7 +156,7 @@
           <p:cNvPr id="2" name="Title 1">
             <a:extLst>
               <a:ext uri="{FF2B5EF4-FFF2-40B4-BE49-F238E27FC236}">
-                <a16:creationId xmlns:a16="http://schemas.microsoft.com/office/drawing/2014/main" xmlns="" id="{81555A63-69C3-4FA6-A41A-09FD3CCC39A7}"/>
+                <a16:creationId xmlns="" xmlns:a16="http://schemas.microsoft.com/office/drawing/2014/main" id="{81555A63-69C3-4FA6-A41A-09FD3CCC39A7}"/>
               </a:ext>
             </a:extLst>
           </p:cNvPr>
@@ -190,7 +193,7 @@
           <p:cNvPr id="3" name="Subtitle 2">
             <a:extLst>
               <a:ext uri="{FF2B5EF4-FFF2-40B4-BE49-F238E27FC236}">
-                <a16:creationId xmlns:a16="http://schemas.microsoft.com/office/drawing/2014/main" xmlns="" id="{21D123A1-5C77-48BA-B277-138A233A1205}"/>
+                <a16:creationId xmlns="" xmlns:a16="http://schemas.microsoft.com/office/drawing/2014/main" id="{21D123A1-5C77-48BA-B277-138A233A1205}"/>
               </a:ext>
             </a:extLst>
           </p:cNvPr>
@@ -260,7 +263,7 @@
           <p:cNvPr id="4" name="Date Placeholder 3">
             <a:extLst>
               <a:ext uri="{FF2B5EF4-FFF2-40B4-BE49-F238E27FC236}">
-                <a16:creationId xmlns:a16="http://schemas.microsoft.com/office/drawing/2014/main" xmlns="" id="{C1C57C32-0E06-4921-A144-3421B96FEE36}"/>
+                <a16:creationId xmlns="" xmlns:a16="http://schemas.microsoft.com/office/drawing/2014/main" id="{C1C57C32-0E06-4921-A144-3421B96FEE36}"/>
               </a:ext>
             </a:extLst>
           </p:cNvPr>
@@ -278,7 +281,7 @@
           <a:p>
             <a:fld id="{96F8FDAF-70E1-4658-93D8-51FF92779D9A}" type="datetimeFigureOut">
               <a:rPr lang="en-US" smtClean="0"/>
-              <a:t>12/21/2017</a:t>
+              <a:t>1/8/2018</a:t>
             </a:fld>
             <a:endParaRPr lang="en-US"/>
           </a:p>
@@ -289,7 +292,7 @@
           <p:cNvPr id="5" name="Footer Placeholder 4">
             <a:extLst>
               <a:ext uri="{FF2B5EF4-FFF2-40B4-BE49-F238E27FC236}">
-                <a16:creationId xmlns:a16="http://schemas.microsoft.com/office/drawing/2014/main" xmlns="" id="{38B17E26-3C3A-438B-A350-5E7557221D9D}"/>
+                <a16:creationId xmlns="" xmlns:a16="http://schemas.microsoft.com/office/drawing/2014/main" id="{38B17E26-3C3A-438B-A350-5E7557221D9D}"/>
               </a:ext>
             </a:extLst>
           </p:cNvPr>
@@ -314,7 +317,7 @@
           <p:cNvPr id="6" name="Slide Number Placeholder 5">
             <a:extLst>
               <a:ext uri="{FF2B5EF4-FFF2-40B4-BE49-F238E27FC236}">
-                <a16:creationId xmlns:a16="http://schemas.microsoft.com/office/drawing/2014/main" xmlns="" id="{351C08BF-8F47-49F1-8BBC-C85B3FAA5312}"/>
+                <a16:creationId xmlns="" xmlns:a16="http://schemas.microsoft.com/office/drawing/2014/main" id="{351C08BF-8F47-49F1-8BBC-C85B3FAA5312}"/>
               </a:ext>
             </a:extLst>
           </p:cNvPr>
@@ -373,7 +376,7 @@
           <p:cNvPr id="2" name="Title 1">
             <a:extLst>
               <a:ext uri="{FF2B5EF4-FFF2-40B4-BE49-F238E27FC236}">
-                <a16:creationId xmlns:a16="http://schemas.microsoft.com/office/drawing/2014/main" xmlns="" id="{E45D3F37-C919-412F-A452-1264CC784AE0}"/>
+                <a16:creationId xmlns="" xmlns:a16="http://schemas.microsoft.com/office/drawing/2014/main" id="{E45D3F37-C919-412F-A452-1264CC784AE0}"/>
               </a:ext>
             </a:extLst>
           </p:cNvPr>
@@ -401,7 +404,7 @@
           <p:cNvPr id="3" name="Vertical Text Placeholder 2">
             <a:extLst>
               <a:ext uri="{FF2B5EF4-FFF2-40B4-BE49-F238E27FC236}">
-                <a16:creationId xmlns:a16="http://schemas.microsoft.com/office/drawing/2014/main" xmlns="" id="{1F532BA8-C2B4-4B5D-BE71-E95D4ECBC758}"/>
+                <a16:creationId xmlns="" xmlns:a16="http://schemas.microsoft.com/office/drawing/2014/main" id="{1F532BA8-C2B4-4B5D-BE71-E95D4ECBC758}"/>
               </a:ext>
             </a:extLst>
           </p:cNvPr>
@@ -458,7 +461,7 @@
           <p:cNvPr id="4" name="Date Placeholder 3">
             <a:extLst>
               <a:ext uri="{FF2B5EF4-FFF2-40B4-BE49-F238E27FC236}">
-                <a16:creationId xmlns:a16="http://schemas.microsoft.com/office/drawing/2014/main" xmlns="" id="{410F2166-4F9B-443C-B1CC-B079BF11BD5D}"/>
+                <a16:creationId xmlns="" xmlns:a16="http://schemas.microsoft.com/office/drawing/2014/main" id="{410F2166-4F9B-443C-B1CC-B079BF11BD5D}"/>
               </a:ext>
             </a:extLst>
           </p:cNvPr>
@@ -476,7 +479,7 @@
           <a:p>
             <a:fld id="{96F8FDAF-70E1-4658-93D8-51FF92779D9A}" type="datetimeFigureOut">
               <a:rPr lang="en-US" smtClean="0"/>
-              <a:t>12/21/2017</a:t>
+              <a:t>1/8/2018</a:t>
             </a:fld>
             <a:endParaRPr lang="en-US"/>
           </a:p>
@@ -487,7 +490,7 @@
           <p:cNvPr id="5" name="Footer Placeholder 4">
             <a:extLst>
               <a:ext uri="{FF2B5EF4-FFF2-40B4-BE49-F238E27FC236}">
-                <a16:creationId xmlns:a16="http://schemas.microsoft.com/office/drawing/2014/main" xmlns="" id="{2F620AB0-AF21-49E1-8302-1ADF5FA30A0A}"/>
+                <a16:creationId xmlns="" xmlns:a16="http://schemas.microsoft.com/office/drawing/2014/main" id="{2F620AB0-AF21-49E1-8302-1ADF5FA30A0A}"/>
               </a:ext>
             </a:extLst>
           </p:cNvPr>
@@ -512,7 +515,7 @@
           <p:cNvPr id="6" name="Slide Number Placeholder 5">
             <a:extLst>
               <a:ext uri="{FF2B5EF4-FFF2-40B4-BE49-F238E27FC236}">
-                <a16:creationId xmlns:a16="http://schemas.microsoft.com/office/drawing/2014/main" xmlns="" id="{36121CB4-96D4-4F2D-B6AA-3532528CD3A2}"/>
+                <a16:creationId xmlns="" xmlns:a16="http://schemas.microsoft.com/office/drawing/2014/main" id="{36121CB4-96D4-4F2D-B6AA-3532528CD3A2}"/>
               </a:ext>
             </a:extLst>
           </p:cNvPr>
@@ -571,7 +574,7 @@
           <p:cNvPr id="2" name="Vertical Title 1">
             <a:extLst>
               <a:ext uri="{FF2B5EF4-FFF2-40B4-BE49-F238E27FC236}">
-                <a16:creationId xmlns:a16="http://schemas.microsoft.com/office/drawing/2014/main" xmlns="" id="{B583F993-BB6E-4DBE-B50B-B34D094F5950}"/>
+                <a16:creationId xmlns="" xmlns:a16="http://schemas.microsoft.com/office/drawing/2014/main" id="{B583F993-BB6E-4DBE-B50B-B34D094F5950}"/>
               </a:ext>
             </a:extLst>
           </p:cNvPr>
@@ -604,7 +607,7 @@
           <p:cNvPr id="3" name="Vertical Text Placeholder 2">
             <a:extLst>
               <a:ext uri="{FF2B5EF4-FFF2-40B4-BE49-F238E27FC236}">
-                <a16:creationId xmlns:a16="http://schemas.microsoft.com/office/drawing/2014/main" xmlns="" id="{F4F70B15-CBD7-4528-8604-EE12B29276EB}"/>
+                <a16:creationId xmlns="" xmlns:a16="http://schemas.microsoft.com/office/drawing/2014/main" id="{F4F70B15-CBD7-4528-8604-EE12B29276EB}"/>
               </a:ext>
             </a:extLst>
           </p:cNvPr>
@@ -666,7 +669,7 @@
           <p:cNvPr id="4" name="Date Placeholder 3">
             <a:extLst>
               <a:ext uri="{FF2B5EF4-FFF2-40B4-BE49-F238E27FC236}">
-                <a16:creationId xmlns:a16="http://schemas.microsoft.com/office/drawing/2014/main" xmlns="" id="{191452D5-B422-4063-AA4F-A99E7A778BA0}"/>
+                <a16:creationId xmlns="" xmlns:a16="http://schemas.microsoft.com/office/drawing/2014/main" id="{191452D5-B422-4063-AA4F-A99E7A778BA0}"/>
               </a:ext>
             </a:extLst>
           </p:cNvPr>
@@ -684,7 +687,7 @@
           <a:p>
             <a:fld id="{96F8FDAF-70E1-4658-93D8-51FF92779D9A}" type="datetimeFigureOut">
               <a:rPr lang="en-US" smtClean="0"/>
-              <a:t>12/21/2017</a:t>
+              <a:t>1/8/2018</a:t>
             </a:fld>
             <a:endParaRPr lang="en-US"/>
           </a:p>
@@ -695,7 +698,7 @@
           <p:cNvPr id="5" name="Footer Placeholder 4">
             <a:extLst>
               <a:ext uri="{FF2B5EF4-FFF2-40B4-BE49-F238E27FC236}">
-                <a16:creationId xmlns:a16="http://schemas.microsoft.com/office/drawing/2014/main" xmlns="" id="{25907ABC-5414-4E73-9821-A8A98C1F22A3}"/>
+                <a16:creationId xmlns="" xmlns:a16="http://schemas.microsoft.com/office/drawing/2014/main" id="{25907ABC-5414-4E73-9821-A8A98C1F22A3}"/>
               </a:ext>
             </a:extLst>
           </p:cNvPr>
@@ -720,7 +723,7 @@
           <p:cNvPr id="6" name="Slide Number Placeholder 5">
             <a:extLst>
               <a:ext uri="{FF2B5EF4-FFF2-40B4-BE49-F238E27FC236}">
-                <a16:creationId xmlns:a16="http://schemas.microsoft.com/office/drawing/2014/main" xmlns="" id="{2890E9A0-D688-4AC7-AB26-AB842396E3CD}"/>
+                <a16:creationId xmlns="" xmlns:a16="http://schemas.microsoft.com/office/drawing/2014/main" id="{2890E9A0-D688-4AC7-AB26-AB842396E3CD}"/>
               </a:ext>
             </a:extLst>
           </p:cNvPr>
@@ -779,7 +782,7 @@
           <p:cNvPr id="2" name="Title 1">
             <a:extLst>
               <a:ext uri="{FF2B5EF4-FFF2-40B4-BE49-F238E27FC236}">
-                <a16:creationId xmlns:a16="http://schemas.microsoft.com/office/drawing/2014/main" xmlns="" id="{0B75B19F-C4B5-4EA3-96B5-38C65A568A11}"/>
+                <a16:creationId xmlns="" xmlns:a16="http://schemas.microsoft.com/office/drawing/2014/main" id="{0B75B19F-C4B5-4EA3-96B5-38C65A568A11}"/>
               </a:ext>
             </a:extLst>
           </p:cNvPr>
@@ -807,7 +810,7 @@
           <p:cNvPr id="3" name="Content Placeholder 2">
             <a:extLst>
               <a:ext uri="{FF2B5EF4-FFF2-40B4-BE49-F238E27FC236}">
-                <a16:creationId xmlns:a16="http://schemas.microsoft.com/office/drawing/2014/main" xmlns="" id="{5EF70E57-D323-4CDC-8238-19FCE1D7C673}"/>
+                <a16:creationId xmlns="" xmlns:a16="http://schemas.microsoft.com/office/drawing/2014/main" id="{5EF70E57-D323-4CDC-8238-19FCE1D7C673}"/>
               </a:ext>
             </a:extLst>
           </p:cNvPr>
@@ -864,7 +867,7 @@
           <p:cNvPr id="4" name="Date Placeholder 3">
             <a:extLst>
               <a:ext uri="{FF2B5EF4-FFF2-40B4-BE49-F238E27FC236}">
-                <a16:creationId xmlns:a16="http://schemas.microsoft.com/office/drawing/2014/main" xmlns="" id="{41325290-DD43-48F6-AF87-DC284B513242}"/>
+                <a16:creationId xmlns="" xmlns:a16="http://schemas.microsoft.com/office/drawing/2014/main" id="{41325290-DD43-48F6-AF87-DC284B513242}"/>
               </a:ext>
             </a:extLst>
           </p:cNvPr>
@@ -882,7 +885,7 @@
           <a:p>
             <a:fld id="{96F8FDAF-70E1-4658-93D8-51FF92779D9A}" type="datetimeFigureOut">
               <a:rPr lang="en-US" smtClean="0"/>
-              <a:t>12/21/2017</a:t>
+              <a:t>1/8/2018</a:t>
             </a:fld>
             <a:endParaRPr lang="en-US"/>
           </a:p>
@@ -893,7 +896,7 @@
           <p:cNvPr id="5" name="Footer Placeholder 4">
             <a:extLst>
               <a:ext uri="{FF2B5EF4-FFF2-40B4-BE49-F238E27FC236}">
-                <a16:creationId xmlns:a16="http://schemas.microsoft.com/office/drawing/2014/main" xmlns="" id="{A1851655-7684-44DB-97A2-CAD9B43B022B}"/>
+                <a16:creationId xmlns="" xmlns:a16="http://schemas.microsoft.com/office/drawing/2014/main" id="{A1851655-7684-44DB-97A2-CAD9B43B022B}"/>
               </a:ext>
             </a:extLst>
           </p:cNvPr>
@@ -918,7 +921,7 @@
           <p:cNvPr id="6" name="Slide Number Placeholder 5">
             <a:extLst>
               <a:ext uri="{FF2B5EF4-FFF2-40B4-BE49-F238E27FC236}">
-                <a16:creationId xmlns:a16="http://schemas.microsoft.com/office/drawing/2014/main" xmlns="" id="{A6B05755-01AC-406F-9384-86BFAE38269A}"/>
+                <a16:creationId xmlns="" xmlns:a16="http://schemas.microsoft.com/office/drawing/2014/main" id="{A6B05755-01AC-406F-9384-86BFAE38269A}"/>
               </a:ext>
             </a:extLst>
           </p:cNvPr>
@@ -977,7 +980,7 @@
           <p:cNvPr id="2" name="Title 1">
             <a:extLst>
               <a:ext uri="{FF2B5EF4-FFF2-40B4-BE49-F238E27FC236}">
-                <a16:creationId xmlns:a16="http://schemas.microsoft.com/office/drawing/2014/main" xmlns="" id="{419E6B2B-393B-46BD-9917-5191C6710144}"/>
+                <a16:creationId xmlns="" xmlns:a16="http://schemas.microsoft.com/office/drawing/2014/main" id="{419E6B2B-393B-46BD-9917-5191C6710144}"/>
               </a:ext>
             </a:extLst>
           </p:cNvPr>
@@ -1014,7 +1017,7 @@
           <p:cNvPr id="3" name="Text Placeholder 2">
             <a:extLst>
               <a:ext uri="{FF2B5EF4-FFF2-40B4-BE49-F238E27FC236}">
-                <a16:creationId xmlns:a16="http://schemas.microsoft.com/office/drawing/2014/main" xmlns="" id="{8EF33683-E880-4ABC-81FE-4310F283FCB8}"/>
+                <a16:creationId xmlns="" xmlns:a16="http://schemas.microsoft.com/office/drawing/2014/main" id="{8EF33683-E880-4ABC-81FE-4310F283FCB8}"/>
               </a:ext>
             </a:extLst>
           </p:cNvPr>
@@ -1139,7 +1142,7 @@
           <p:cNvPr id="4" name="Date Placeholder 3">
             <a:extLst>
               <a:ext uri="{FF2B5EF4-FFF2-40B4-BE49-F238E27FC236}">
-                <a16:creationId xmlns:a16="http://schemas.microsoft.com/office/drawing/2014/main" xmlns="" id="{B345FC5E-10AC-4F13-8F81-A1560B6C2DBD}"/>
+                <a16:creationId xmlns="" xmlns:a16="http://schemas.microsoft.com/office/drawing/2014/main" id="{B345FC5E-10AC-4F13-8F81-A1560B6C2DBD}"/>
               </a:ext>
             </a:extLst>
           </p:cNvPr>
@@ -1157,7 +1160,7 @@
           <a:p>
             <a:fld id="{96F8FDAF-70E1-4658-93D8-51FF92779D9A}" type="datetimeFigureOut">
               <a:rPr lang="en-US" smtClean="0"/>
-              <a:t>12/21/2017</a:t>
+              <a:t>1/8/2018</a:t>
             </a:fld>
             <a:endParaRPr lang="en-US"/>
           </a:p>
@@ -1168,7 +1171,7 @@
           <p:cNvPr id="5" name="Footer Placeholder 4">
             <a:extLst>
               <a:ext uri="{FF2B5EF4-FFF2-40B4-BE49-F238E27FC236}">
-                <a16:creationId xmlns:a16="http://schemas.microsoft.com/office/drawing/2014/main" xmlns="" id="{356904B2-B358-44F6-B536-25795610605D}"/>
+                <a16:creationId xmlns="" xmlns:a16="http://schemas.microsoft.com/office/drawing/2014/main" id="{356904B2-B358-44F6-B536-25795610605D}"/>
               </a:ext>
             </a:extLst>
           </p:cNvPr>
@@ -1193,7 +1196,7 @@
           <p:cNvPr id="6" name="Slide Number Placeholder 5">
             <a:extLst>
               <a:ext uri="{FF2B5EF4-FFF2-40B4-BE49-F238E27FC236}">
-                <a16:creationId xmlns:a16="http://schemas.microsoft.com/office/drawing/2014/main" xmlns="" id="{E21589FF-8E71-4AD6-AC0F-75196CD138AD}"/>
+                <a16:creationId xmlns="" xmlns:a16="http://schemas.microsoft.com/office/drawing/2014/main" id="{E21589FF-8E71-4AD6-AC0F-75196CD138AD}"/>
               </a:ext>
             </a:extLst>
           </p:cNvPr>
@@ -1252,7 +1255,7 @@
           <p:cNvPr id="2" name="Title 1">
             <a:extLst>
               <a:ext uri="{FF2B5EF4-FFF2-40B4-BE49-F238E27FC236}">
-                <a16:creationId xmlns:a16="http://schemas.microsoft.com/office/drawing/2014/main" xmlns="" id="{F29FA62F-7565-4FD1-9A02-566B7A5C58EE}"/>
+                <a16:creationId xmlns="" xmlns:a16="http://schemas.microsoft.com/office/drawing/2014/main" id="{F29FA62F-7565-4FD1-9A02-566B7A5C58EE}"/>
               </a:ext>
             </a:extLst>
           </p:cNvPr>
@@ -1280,7 +1283,7 @@
           <p:cNvPr id="3" name="Content Placeholder 2">
             <a:extLst>
               <a:ext uri="{FF2B5EF4-FFF2-40B4-BE49-F238E27FC236}">
-                <a16:creationId xmlns:a16="http://schemas.microsoft.com/office/drawing/2014/main" xmlns="" id="{ECE108B3-6356-4C1E-9A75-5C7093E384E1}"/>
+                <a16:creationId xmlns="" xmlns:a16="http://schemas.microsoft.com/office/drawing/2014/main" id="{ECE108B3-6356-4C1E-9A75-5C7093E384E1}"/>
               </a:ext>
             </a:extLst>
           </p:cNvPr>
@@ -1342,7 +1345,7 @@
           <p:cNvPr id="4" name="Content Placeholder 3">
             <a:extLst>
               <a:ext uri="{FF2B5EF4-FFF2-40B4-BE49-F238E27FC236}">
-                <a16:creationId xmlns:a16="http://schemas.microsoft.com/office/drawing/2014/main" xmlns="" id="{B8B47841-F4D1-4653-A10D-7FE8FA116A8E}"/>
+                <a16:creationId xmlns="" xmlns:a16="http://schemas.microsoft.com/office/drawing/2014/main" id="{B8B47841-F4D1-4653-A10D-7FE8FA116A8E}"/>
               </a:ext>
             </a:extLst>
           </p:cNvPr>
@@ -1404,7 +1407,7 @@
           <p:cNvPr id="5" name="Date Placeholder 4">
             <a:extLst>
               <a:ext uri="{FF2B5EF4-FFF2-40B4-BE49-F238E27FC236}">
-                <a16:creationId xmlns:a16="http://schemas.microsoft.com/office/drawing/2014/main" xmlns="" id="{0B5E1BD5-72F9-40C5-B032-B20565ECC425}"/>
+                <a16:creationId xmlns="" xmlns:a16="http://schemas.microsoft.com/office/drawing/2014/main" id="{0B5E1BD5-72F9-40C5-B032-B20565ECC425}"/>
               </a:ext>
             </a:extLst>
           </p:cNvPr>
@@ -1422,7 +1425,7 @@
           <a:p>
             <a:fld id="{96F8FDAF-70E1-4658-93D8-51FF92779D9A}" type="datetimeFigureOut">
               <a:rPr lang="en-US" smtClean="0"/>
-              <a:t>12/21/2017</a:t>
+              <a:t>1/8/2018</a:t>
             </a:fld>
             <a:endParaRPr lang="en-US"/>
           </a:p>
@@ -1433,7 +1436,7 @@
           <p:cNvPr id="6" name="Footer Placeholder 5">
             <a:extLst>
               <a:ext uri="{FF2B5EF4-FFF2-40B4-BE49-F238E27FC236}">
-                <a16:creationId xmlns:a16="http://schemas.microsoft.com/office/drawing/2014/main" xmlns="" id="{105736AD-1405-4DD4-8485-7C0B2FAA377A}"/>
+                <a16:creationId xmlns="" xmlns:a16="http://schemas.microsoft.com/office/drawing/2014/main" id="{105736AD-1405-4DD4-8485-7C0B2FAA377A}"/>
               </a:ext>
             </a:extLst>
           </p:cNvPr>
@@ -1458,7 +1461,7 @@
           <p:cNvPr id="7" name="Slide Number Placeholder 6">
             <a:extLst>
               <a:ext uri="{FF2B5EF4-FFF2-40B4-BE49-F238E27FC236}">
-                <a16:creationId xmlns:a16="http://schemas.microsoft.com/office/drawing/2014/main" xmlns="" id="{BF957EB7-DBFC-4F59-961A-92482EBB4424}"/>
+                <a16:creationId xmlns="" xmlns:a16="http://schemas.microsoft.com/office/drawing/2014/main" id="{BF957EB7-DBFC-4F59-961A-92482EBB4424}"/>
               </a:ext>
             </a:extLst>
           </p:cNvPr>
@@ -1517,7 +1520,7 @@
           <p:cNvPr id="2" name="Title 1">
             <a:extLst>
               <a:ext uri="{FF2B5EF4-FFF2-40B4-BE49-F238E27FC236}">
-                <a16:creationId xmlns:a16="http://schemas.microsoft.com/office/drawing/2014/main" xmlns="" id="{B8FDF365-9746-4BE8-B97D-6D8401231049}"/>
+                <a16:creationId xmlns="" xmlns:a16="http://schemas.microsoft.com/office/drawing/2014/main" id="{B8FDF365-9746-4BE8-B97D-6D8401231049}"/>
               </a:ext>
             </a:extLst>
           </p:cNvPr>
@@ -1550,7 +1553,7 @@
           <p:cNvPr id="3" name="Text Placeholder 2">
             <a:extLst>
               <a:ext uri="{FF2B5EF4-FFF2-40B4-BE49-F238E27FC236}">
-                <a16:creationId xmlns:a16="http://schemas.microsoft.com/office/drawing/2014/main" xmlns="" id="{554FEDA4-7274-4B00-9C77-AB7838B4CA95}"/>
+                <a16:creationId xmlns="" xmlns:a16="http://schemas.microsoft.com/office/drawing/2014/main" id="{554FEDA4-7274-4B00-9C77-AB7838B4CA95}"/>
               </a:ext>
             </a:extLst>
           </p:cNvPr>
@@ -1621,7 +1624,7 @@
           <p:cNvPr id="4" name="Content Placeholder 3">
             <a:extLst>
               <a:ext uri="{FF2B5EF4-FFF2-40B4-BE49-F238E27FC236}">
-                <a16:creationId xmlns:a16="http://schemas.microsoft.com/office/drawing/2014/main" xmlns="" id="{8E759D05-E5B1-435F-B565-2825656CC145}"/>
+                <a16:creationId xmlns="" xmlns:a16="http://schemas.microsoft.com/office/drawing/2014/main" id="{8E759D05-E5B1-435F-B565-2825656CC145}"/>
               </a:ext>
             </a:extLst>
           </p:cNvPr>
@@ -1683,7 +1686,7 @@
           <p:cNvPr id="5" name="Text Placeholder 4">
             <a:extLst>
               <a:ext uri="{FF2B5EF4-FFF2-40B4-BE49-F238E27FC236}">
-                <a16:creationId xmlns:a16="http://schemas.microsoft.com/office/drawing/2014/main" xmlns="" id="{11768715-484D-44EF-ABCC-161FC65237B5}"/>
+                <a16:creationId xmlns="" xmlns:a16="http://schemas.microsoft.com/office/drawing/2014/main" id="{11768715-484D-44EF-ABCC-161FC65237B5}"/>
               </a:ext>
             </a:extLst>
           </p:cNvPr>
@@ -1754,7 +1757,7 @@
           <p:cNvPr id="6" name="Content Placeholder 5">
             <a:extLst>
               <a:ext uri="{FF2B5EF4-FFF2-40B4-BE49-F238E27FC236}">
-                <a16:creationId xmlns:a16="http://schemas.microsoft.com/office/drawing/2014/main" xmlns="" id="{D7DE7B3B-520B-4C0F-8B6D-E6354FC4FA2F}"/>
+                <a16:creationId xmlns="" xmlns:a16="http://schemas.microsoft.com/office/drawing/2014/main" id="{D7DE7B3B-520B-4C0F-8B6D-E6354FC4FA2F}"/>
               </a:ext>
             </a:extLst>
           </p:cNvPr>
@@ -1816,7 +1819,7 @@
           <p:cNvPr id="7" name="Date Placeholder 6">
             <a:extLst>
               <a:ext uri="{FF2B5EF4-FFF2-40B4-BE49-F238E27FC236}">
-                <a16:creationId xmlns:a16="http://schemas.microsoft.com/office/drawing/2014/main" xmlns="" id="{21A544CA-964D-46CC-86E5-F684EE105400}"/>
+                <a16:creationId xmlns="" xmlns:a16="http://schemas.microsoft.com/office/drawing/2014/main" id="{21A544CA-964D-46CC-86E5-F684EE105400}"/>
               </a:ext>
             </a:extLst>
           </p:cNvPr>
@@ -1834,7 +1837,7 @@
           <a:p>
             <a:fld id="{96F8FDAF-70E1-4658-93D8-51FF92779D9A}" type="datetimeFigureOut">
               <a:rPr lang="en-US" smtClean="0"/>
-              <a:t>12/21/2017</a:t>
+              <a:t>1/8/2018</a:t>
             </a:fld>
             <a:endParaRPr lang="en-US"/>
           </a:p>
@@ -1845,7 +1848,7 @@
           <p:cNvPr id="8" name="Footer Placeholder 7">
             <a:extLst>
               <a:ext uri="{FF2B5EF4-FFF2-40B4-BE49-F238E27FC236}">
-                <a16:creationId xmlns:a16="http://schemas.microsoft.com/office/drawing/2014/main" xmlns="" id="{99045DAA-2FB8-48C7-9C58-33774B3C707D}"/>
+                <a16:creationId xmlns="" xmlns:a16="http://schemas.microsoft.com/office/drawing/2014/main" id="{99045DAA-2FB8-48C7-9C58-33774B3C707D}"/>
               </a:ext>
             </a:extLst>
           </p:cNvPr>
@@ -1870,7 +1873,7 @@
           <p:cNvPr id="9" name="Slide Number Placeholder 8">
             <a:extLst>
               <a:ext uri="{FF2B5EF4-FFF2-40B4-BE49-F238E27FC236}">
-                <a16:creationId xmlns:a16="http://schemas.microsoft.com/office/drawing/2014/main" xmlns="" id="{7F9A62C1-B25D-445A-A34D-F06693242693}"/>
+                <a16:creationId xmlns="" xmlns:a16="http://schemas.microsoft.com/office/drawing/2014/main" id="{7F9A62C1-B25D-445A-A34D-F06693242693}"/>
               </a:ext>
             </a:extLst>
           </p:cNvPr>
@@ -1929,7 +1932,7 @@
           <p:cNvPr id="2" name="Title 1">
             <a:extLst>
               <a:ext uri="{FF2B5EF4-FFF2-40B4-BE49-F238E27FC236}">
-                <a16:creationId xmlns:a16="http://schemas.microsoft.com/office/drawing/2014/main" xmlns="" id="{8C937246-2F1B-4CA5-8339-83FF80CC6F65}"/>
+                <a16:creationId xmlns="" xmlns:a16="http://schemas.microsoft.com/office/drawing/2014/main" id="{8C937246-2F1B-4CA5-8339-83FF80CC6F65}"/>
               </a:ext>
             </a:extLst>
           </p:cNvPr>
@@ -1957,7 +1960,7 @@
           <p:cNvPr id="3" name="Date Placeholder 2">
             <a:extLst>
               <a:ext uri="{FF2B5EF4-FFF2-40B4-BE49-F238E27FC236}">
-                <a16:creationId xmlns:a16="http://schemas.microsoft.com/office/drawing/2014/main" xmlns="" id="{AA1127E0-1261-4BDD-9136-8C74CA015746}"/>
+                <a16:creationId xmlns="" xmlns:a16="http://schemas.microsoft.com/office/drawing/2014/main" id="{AA1127E0-1261-4BDD-9136-8C74CA015746}"/>
               </a:ext>
             </a:extLst>
           </p:cNvPr>
@@ -1975,7 +1978,7 @@
           <a:p>
             <a:fld id="{96F8FDAF-70E1-4658-93D8-51FF92779D9A}" type="datetimeFigureOut">
               <a:rPr lang="en-US" smtClean="0"/>
-              <a:t>12/21/2017</a:t>
+              <a:t>1/8/2018</a:t>
             </a:fld>
             <a:endParaRPr lang="en-US"/>
           </a:p>
@@ -1986,7 +1989,7 @@
           <p:cNvPr id="4" name="Footer Placeholder 3">
             <a:extLst>
               <a:ext uri="{FF2B5EF4-FFF2-40B4-BE49-F238E27FC236}">
-                <a16:creationId xmlns:a16="http://schemas.microsoft.com/office/drawing/2014/main" xmlns="" id="{81953EE3-7AC0-4B90-AF21-28C51ACFC7D4}"/>
+                <a16:creationId xmlns="" xmlns:a16="http://schemas.microsoft.com/office/drawing/2014/main" id="{81953EE3-7AC0-4B90-AF21-28C51ACFC7D4}"/>
               </a:ext>
             </a:extLst>
           </p:cNvPr>
@@ -2011,7 +2014,7 @@
           <p:cNvPr id="5" name="Slide Number Placeholder 4">
             <a:extLst>
               <a:ext uri="{FF2B5EF4-FFF2-40B4-BE49-F238E27FC236}">
-                <a16:creationId xmlns:a16="http://schemas.microsoft.com/office/drawing/2014/main" xmlns="" id="{9FE58A81-F76F-4B35-AB3F-DB6F8BDD197E}"/>
+                <a16:creationId xmlns="" xmlns:a16="http://schemas.microsoft.com/office/drawing/2014/main" id="{9FE58A81-F76F-4B35-AB3F-DB6F8BDD197E}"/>
               </a:ext>
             </a:extLst>
           </p:cNvPr>
@@ -2070,7 +2073,7 @@
           <p:cNvPr id="2" name="Date Placeholder 1">
             <a:extLst>
               <a:ext uri="{FF2B5EF4-FFF2-40B4-BE49-F238E27FC236}">
-                <a16:creationId xmlns:a16="http://schemas.microsoft.com/office/drawing/2014/main" xmlns="" id="{F7C55795-1AA3-4CBE-960A-CA6C2FEBE942}"/>
+                <a16:creationId xmlns="" xmlns:a16="http://schemas.microsoft.com/office/drawing/2014/main" id="{F7C55795-1AA3-4CBE-960A-CA6C2FEBE942}"/>
               </a:ext>
             </a:extLst>
           </p:cNvPr>
@@ -2088,7 +2091,7 @@
           <a:p>
             <a:fld id="{96F8FDAF-70E1-4658-93D8-51FF92779D9A}" type="datetimeFigureOut">
               <a:rPr lang="en-US" smtClean="0"/>
-              <a:t>12/21/2017</a:t>
+              <a:t>1/8/2018</a:t>
             </a:fld>
             <a:endParaRPr lang="en-US"/>
           </a:p>
@@ -2099,7 +2102,7 @@
           <p:cNvPr id="3" name="Footer Placeholder 2">
             <a:extLst>
               <a:ext uri="{FF2B5EF4-FFF2-40B4-BE49-F238E27FC236}">
-                <a16:creationId xmlns:a16="http://schemas.microsoft.com/office/drawing/2014/main" xmlns="" id="{7235FA61-BD05-47C2-AA63-5C18C9AF2A7F}"/>
+                <a16:creationId xmlns="" xmlns:a16="http://schemas.microsoft.com/office/drawing/2014/main" id="{7235FA61-BD05-47C2-AA63-5C18C9AF2A7F}"/>
               </a:ext>
             </a:extLst>
           </p:cNvPr>
@@ -2124,7 +2127,7 @@
           <p:cNvPr id="4" name="Slide Number Placeholder 3">
             <a:extLst>
               <a:ext uri="{FF2B5EF4-FFF2-40B4-BE49-F238E27FC236}">
-                <a16:creationId xmlns:a16="http://schemas.microsoft.com/office/drawing/2014/main" xmlns="" id="{4E7E0DA1-9BD2-4904-817B-F3C413982411}"/>
+                <a16:creationId xmlns="" xmlns:a16="http://schemas.microsoft.com/office/drawing/2014/main" id="{4E7E0DA1-9BD2-4904-817B-F3C413982411}"/>
               </a:ext>
             </a:extLst>
           </p:cNvPr>
@@ -2183,7 +2186,7 @@
           <p:cNvPr id="2" name="Title 1">
             <a:extLst>
               <a:ext uri="{FF2B5EF4-FFF2-40B4-BE49-F238E27FC236}">
-                <a16:creationId xmlns:a16="http://schemas.microsoft.com/office/drawing/2014/main" xmlns="" id="{DE06548A-07DA-4B39-854B-ABCA8A776BCD}"/>
+                <a16:creationId xmlns="" xmlns:a16="http://schemas.microsoft.com/office/drawing/2014/main" id="{DE06548A-07DA-4B39-854B-ABCA8A776BCD}"/>
               </a:ext>
             </a:extLst>
           </p:cNvPr>
@@ -2220,7 +2223,7 @@
           <p:cNvPr id="3" name="Content Placeholder 2">
             <a:extLst>
               <a:ext uri="{FF2B5EF4-FFF2-40B4-BE49-F238E27FC236}">
-                <a16:creationId xmlns:a16="http://schemas.microsoft.com/office/drawing/2014/main" xmlns="" id="{8AD91F98-486C-4397-9B3E-FA66C71E41B9}"/>
+                <a16:creationId xmlns="" xmlns:a16="http://schemas.microsoft.com/office/drawing/2014/main" id="{8AD91F98-486C-4397-9B3E-FA66C71E41B9}"/>
               </a:ext>
             </a:extLst>
           </p:cNvPr>
@@ -2310,7 +2313,7 @@
           <p:cNvPr id="4" name="Text Placeholder 3">
             <a:extLst>
               <a:ext uri="{FF2B5EF4-FFF2-40B4-BE49-F238E27FC236}">
-                <a16:creationId xmlns:a16="http://schemas.microsoft.com/office/drawing/2014/main" xmlns="" id="{7729D843-C50E-40C2-B1D7-80C30B588CB6}"/>
+                <a16:creationId xmlns="" xmlns:a16="http://schemas.microsoft.com/office/drawing/2014/main" id="{7729D843-C50E-40C2-B1D7-80C30B588CB6}"/>
               </a:ext>
             </a:extLst>
           </p:cNvPr>
@@ -2381,7 +2384,7 @@
           <p:cNvPr id="5" name="Date Placeholder 4">
             <a:extLst>
               <a:ext uri="{FF2B5EF4-FFF2-40B4-BE49-F238E27FC236}">
-                <a16:creationId xmlns:a16="http://schemas.microsoft.com/office/drawing/2014/main" xmlns="" id="{32537BE7-7D77-4A75-A96F-59FB2CF03344}"/>
+                <a16:creationId xmlns="" xmlns:a16="http://schemas.microsoft.com/office/drawing/2014/main" id="{32537BE7-7D77-4A75-A96F-59FB2CF03344}"/>
               </a:ext>
             </a:extLst>
           </p:cNvPr>
@@ -2399,7 +2402,7 @@
           <a:p>
             <a:fld id="{96F8FDAF-70E1-4658-93D8-51FF92779D9A}" type="datetimeFigureOut">
               <a:rPr lang="en-US" smtClean="0"/>
-              <a:t>12/21/2017</a:t>
+              <a:t>1/8/2018</a:t>
             </a:fld>
             <a:endParaRPr lang="en-US"/>
           </a:p>
@@ -2410,7 +2413,7 @@
           <p:cNvPr id="6" name="Footer Placeholder 5">
             <a:extLst>
               <a:ext uri="{FF2B5EF4-FFF2-40B4-BE49-F238E27FC236}">
-                <a16:creationId xmlns:a16="http://schemas.microsoft.com/office/drawing/2014/main" xmlns="" id="{B80FB7E4-4260-4BA3-B002-A3864DC76853}"/>
+                <a16:creationId xmlns="" xmlns:a16="http://schemas.microsoft.com/office/drawing/2014/main" id="{B80FB7E4-4260-4BA3-B002-A3864DC76853}"/>
               </a:ext>
             </a:extLst>
           </p:cNvPr>
@@ -2435,7 +2438,7 @@
           <p:cNvPr id="7" name="Slide Number Placeholder 6">
             <a:extLst>
               <a:ext uri="{FF2B5EF4-FFF2-40B4-BE49-F238E27FC236}">
-                <a16:creationId xmlns:a16="http://schemas.microsoft.com/office/drawing/2014/main" xmlns="" id="{8967F5E0-D04F-4A27-B26B-4ADAB8CDCEC4}"/>
+                <a16:creationId xmlns="" xmlns:a16="http://schemas.microsoft.com/office/drawing/2014/main" id="{8967F5E0-D04F-4A27-B26B-4ADAB8CDCEC4}"/>
               </a:ext>
             </a:extLst>
           </p:cNvPr>
@@ -2494,7 +2497,7 @@
           <p:cNvPr id="2" name="Title 1">
             <a:extLst>
               <a:ext uri="{FF2B5EF4-FFF2-40B4-BE49-F238E27FC236}">
-                <a16:creationId xmlns:a16="http://schemas.microsoft.com/office/drawing/2014/main" xmlns="" id="{2FA23FC2-F954-4886-8D76-B169898D631C}"/>
+                <a16:creationId xmlns="" xmlns:a16="http://schemas.microsoft.com/office/drawing/2014/main" id="{2FA23FC2-F954-4886-8D76-B169898D631C}"/>
               </a:ext>
             </a:extLst>
           </p:cNvPr>
@@ -2531,7 +2534,7 @@
           <p:cNvPr id="3" name="Picture Placeholder 2">
             <a:extLst>
               <a:ext uri="{FF2B5EF4-FFF2-40B4-BE49-F238E27FC236}">
-                <a16:creationId xmlns:a16="http://schemas.microsoft.com/office/drawing/2014/main" xmlns="" id="{F9C727F8-1854-4A8D-B02E-2FFB3BFA350F}"/>
+                <a16:creationId xmlns="" xmlns:a16="http://schemas.microsoft.com/office/drawing/2014/main" id="{F9C727F8-1854-4A8D-B02E-2FFB3BFA350F}"/>
               </a:ext>
             </a:extLst>
           </p:cNvPr>
@@ -2598,7 +2601,7 @@
           <p:cNvPr id="4" name="Text Placeholder 3">
             <a:extLst>
               <a:ext uri="{FF2B5EF4-FFF2-40B4-BE49-F238E27FC236}">
-                <a16:creationId xmlns:a16="http://schemas.microsoft.com/office/drawing/2014/main" xmlns="" id="{D860AF71-817C-4B0B-BCA0-1E41ABBFA4FD}"/>
+                <a16:creationId xmlns="" xmlns:a16="http://schemas.microsoft.com/office/drawing/2014/main" id="{D860AF71-817C-4B0B-BCA0-1E41ABBFA4FD}"/>
               </a:ext>
             </a:extLst>
           </p:cNvPr>
@@ -2669,7 +2672,7 @@
           <p:cNvPr id="5" name="Date Placeholder 4">
             <a:extLst>
               <a:ext uri="{FF2B5EF4-FFF2-40B4-BE49-F238E27FC236}">
-                <a16:creationId xmlns:a16="http://schemas.microsoft.com/office/drawing/2014/main" xmlns="" id="{44E7BAB2-983A-4ED0-B12A-FD886F20DF8D}"/>
+                <a16:creationId xmlns="" xmlns:a16="http://schemas.microsoft.com/office/drawing/2014/main" id="{44E7BAB2-983A-4ED0-B12A-FD886F20DF8D}"/>
               </a:ext>
             </a:extLst>
           </p:cNvPr>
@@ -2687,7 +2690,7 @@
           <a:p>
             <a:fld id="{96F8FDAF-70E1-4658-93D8-51FF92779D9A}" type="datetimeFigureOut">
               <a:rPr lang="en-US" smtClean="0"/>
-              <a:t>12/21/2017</a:t>
+              <a:t>1/8/2018</a:t>
             </a:fld>
             <a:endParaRPr lang="en-US"/>
           </a:p>
@@ -2698,7 +2701,7 @@
           <p:cNvPr id="6" name="Footer Placeholder 5">
             <a:extLst>
               <a:ext uri="{FF2B5EF4-FFF2-40B4-BE49-F238E27FC236}">
-                <a16:creationId xmlns:a16="http://schemas.microsoft.com/office/drawing/2014/main" xmlns="" id="{3BE090A9-96F5-4FED-A7E4-FDD121FE1972}"/>
+                <a16:creationId xmlns="" xmlns:a16="http://schemas.microsoft.com/office/drawing/2014/main" id="{3BE090A9-96F5-4FED-A7E4-FDD121FE1972}"/>
               </a:ext>
             </a:extLst>
           </p:cNvPr>
@@ -2723,7 +2726,7 @@
           <p:cNvPr id="7" name="Slide Number Placeholder 6">
             <a:extLst>
               <a:ext uri="{FF2B5EF4-FFF2-40B4-BE49-F238E27FC236}">
-                <a16:creationId xmlns:a16="http://schemas.microsoft.com/office/drawing/2014/main" xmlns="" id="{B255F445-E4AF-497A-8D51-6B48B9E0D7F9}"/>
+                <a16:creationId xmlns="" xmlns:a16="http://schemas.microsoft.com/office/drawing/2014/main" id="{B255F445-E4AF-497A-8D51-6B48B9E0D7F9}"/>
               </a:ext>
             </a:extLst>
           </p:cNvPr>
@@ -2787,7 +2790,7 @@
           <p:cNvPr id="2" name="Title Placeholder 1">
             <a:extLst>
               <a:ext uri="{FF2B5EF4-FFF2-40B4-BE49-F238E27FC236}">
-                <a16:creationId xmlns:a16="http://schemas.microsoft.com/office/drawing/2014/main" xmlns="" id="{C9843254-4CC3-437E-947E-DD3EB3E19D5F}"/>
+                <a16:creationId xmlns="" xmlns:a16="http://schemas.microsoft.com/office/drawing/2014/main" id="{C9843254-4CC3-437E-947E-DD3EB3E19D5F}"/>
               </a:ext>
             </a:extLst>
           </p:cNvPr>
@@ -2825,7 +2828,7 @@
           <p:cNvPr id="3" name="Text Placeholder 2">
             <a:extLst>
               <a:ext uri="{FF2B5EF4-FFF2-40B4-BE49-F238E27FC236}">
-                <a16:creationId xmlns:a16="http://schemas.microsoft.com/office/drawing/2014/main" xmlns="" id="{4999E38E-203C-416A-BE72-C1040CA2A01E}"/>
+                <a16:creationId xmlns="" xmlns:a16="http://schemas.microsoft.com/office/drawing/2014/main" id="{4999E38E-203C-416A-BE72-C1040CA2A01E}"/>
               </a:ext>
             </a:extLst>
           </p:cNvPr>
@@ -2892,7 +2895,7 @@
           <p:cNvPr id="4" name="Date Placeholder 3">
             <a:extLst>
               <a:ext uri="{FF2B5EF4-FFF2-40B4-BE49-F238E27FC236}">
-                <a16:creationId xmlns:a16="http://schemas.microsoft.com/office/drawing/2014/main" xmlns="" id="{7A9BE643-DE00-4490-BCA0-3199716C3D65}"/>
+                <a16:creationId xmlns="" xmlns:a16="http://schemas.microsoft.com/office/drawing/2014/main" id="{7A9BE643-DE00-4490-BCA0-3199716C3D65}"/>
               </a:ext>
             </a:extLst>
           </p:cNvPr>
@@ -2928,7 +2931,7 @@
           <a:p>
             <a:fld id="{96F8FDAF-70E1-4658-93D8-51FF92779D9A}" type="datetimeFigureOut">
               <a:rPr lang="en-US" smtClean="0"/>
-              <a:t>12/21/2017</a:t>
+              <a:t>1/8/2018</a:t>
             </a:fld>
             <a:endParaRPr lang="en-US"/>
           </a:p>
@@ -2939,7 +2942,7 @@
           <p:cNvPr id="5" name="Footer Placeholder 4">
             <a:extLst>
               <a:ext uri="{FF2B5EF4-FFF2-40B4-BE49-F238E27FC236}">
-                <a16:creationId xmlns:a16="http://schemas.microsoft.com/office/drawing/2014/main" xmlns="" id="{9C9515A2-BC45-40E6-8DBF-3B71AF8F4AE5}"/>
+                <a16:creationId xmlns="" xmlns:a16="http://schemas.microsoft.com/office/drawing/2014/main" id="{9C9515A2-BC45-40E6-8DBF-3B71AF8F4AE5}"/>
               </a:ext>
             </a:extLst>
           </p:cNvPr>
@@ -2982,7 +2985,7 @@
           <p:cNvPr id="6" name="Slide Number Placeholder 5">
             <a:extLst>
               <a:ext uri="{FF2B5EF4-FFF2-40B4-BE49-F238E27FC236}">
-                <a16:creationId xmlns:a16="http://schemas.microsoft.com/office/drawing/2014/main" xmlns="" id="{8DA9C5EE-7439-47F0-8DA6-63CB2FDF3C97}"/>
+                <a16:creationId xmlns="" xmlns:a16="http://schemas.microsoft.com/office/drawing/2014/main" id="{8DA9C5EE-7439-47F0-8DA6-63CB2FDF3C97}"/>
               </a:ext>
             </a:extLst>
           </p:cNvPr>
@@ -3361,7 +3364,7 @@
           <p:cNvPr id="23" name="Rectangle 22">
             <a:extLst>
               <a:ext uri="{FF2B5EF4-FFF2-40B4-BE49-F238E27FC236}">
-                <a16:creationId xmlns:a16="http://schemas.microsoft.com/office/drawing/2014/main" xmlns="" id="{EE1FC7B4-E4A7-4452-B413-1A623E3A7230}"/>
+                <a16:creationId xmlns="" xmlns:a16="http://schemas.microsoft.com/office/drawing/2014/main" id="{EE1FC7B4-E4A7-4452-B413-1A623E3A7230}"/>
               </a:ext>
             </a:extLst>
           </p:cNvPr>
@@ -3371,7 +3374,7 @@
           <p:nvPr>
             <p:extLst>
               <p:ext uri="{386F3935-93C4-4BCD-93E2-E3B085C9AB24}">
-                <p16:designElem xmlns:p16="http://schemas.microsoft.com/office/powerpoint/2015/main" xmlns="" val="1"/>
+                <p16:designElem xmlns="" xmlns:p16="http://schemas.microsoft.com/office/powerpoint/2015/main" val="1"/>
               </p:ext>
             </p:extLst>
           </p:nvPr>
@@ -3452,7 +3455,7 @@
           <p:cNvPr id="25" name="Freeform 13">
             <a:extLst>
               <a:ext uri="{FF2B5EF4-FFF2-40B4-BE49-F238E27FC236}">
-                <a16:creationId xmlns:a16="http://schemas.microsoft.com/office/drawing/2014/main" xmlns="" id="{E0709AF0-24F0-4486-B189-BE6386BDB198}"/>
+                <a16:creationId xmlns="" xmlns:a16="http://schemas.microsoft.com/office/drawing/2014/main" id="{E0709AF0-24F0-4486-B189-BE6386BDB198}"/>
               </a:ext>
             </a:extLst>
           </p:cNvPr>
@@ -3462,7 +3465,7 @@
           <p:nvPr>
             <p:extLst>
               <p:ext uri="{386F3935-93C4-4BCD-93E2-E3B085C9AB24}">
-                <p16:designElem xmlns:p16="http://schemas.microsoft.com/office/powerpoint/2015/main" xmlns="" val="1"/>
+                <p16:designElem xmlns="" xmlns:p16="http://schemas.microsoft.com/office/powerpoint/2015/main" val="1"/>
               </p:ext>
             </p:extLst>
           </p:nvPr>
@@ -3586,7 +3589,7 @@
           <p:cNvPr id="27" name="Freeform 11">
             <a:extLst>
               <a:ext uri="{FF2B5EF4-FFF2-40B4-BE49-F238E27FC236}">
-                <a16:creationId xmlns:a16="http://schemas.microsoft.com/office/drawing/2014/main" xmlns="" id="{FBE3B62F-5853-4A3C-B050-6186351A7176}"/>
+                <a16:creationId xmlns="" xmlns:a16="http://schemas.microsoft.com/office/drawing/2014/main" id="{FBE3B62F-5853-4A3C-B050-6186351A7176}"/>
               </a:ext>
             </a:extLst>
           </p:cNvPr>
@@ -3596,7 +3599,7 @@
           <p:nvPr>
             <p:extLst>
               <p:ext uri="{386F3935-93C4-4BCD-93E2-E3B085C9AB24}">
-                <p16:designElem xmlns:p16="http://schemas.microsoft.com/office/powerpoint/2015/main" xmlns="" val="1"/>
+                <p16:designElem xmlns="" xmlns:p16="http://schemas.microsoft.com/office/powerpoint/2015/main" val="1"/>
               </p:ext>
             </p:extLst>
           </p:nvPr>
@@ -3722,7 +3725,7 @@
           <p:cNvPr id="15" name="Title 1">
             <a:extLst>
               <a:ext uri="{FF2B5EF4-FFF2-40B4-BE49-F238E27FC236}">
-                <a16:creationId xmlns:a16="http://schemas.microsoft.com/office/drawing/2014/main" xmlns="" id="{48EC109C-56A4-422C-9F35-8567F8D624CE}"/>
+                <a16:creationId xmlns="" xmlns:a16="http://schemas.microsoft.com/office/drawing/2014/main" id="{48EC109C-56A4-422C-9F35-8567F8D624CE}"/>
               </a:ext>
             </a:extLst>
           </p:cNvPr>
@@ -3779,7 +3782,7 @@
           <p:cNvPr id="16" name="Picture 15">
             <a:extLst>
               <a:ext uri="{FF2B5EF4-FFF2-40B4-BE49-F238E27FC236}">
-                <a16:creationId xmlns:a16="http://schemas.microsoft.com/office/drawing/2014/main" xmlns="" id="{F6726E6B-363C-4E50-8446-79407E2AEB25}"/>
+                <a16:creationId xmlns="" xmlns:a16="http://schemas.microsoft.com/office/drawing/2014/main" id="{F6726E6B-363C-4E50-8446-79407E2AEB25}"/>
               </a:ext>
             </a:extLst>
           </p:cNvPr>
@@ -3815,7 +3818,7 @@
           <p:cNvPr id="19" name="TextBox 18">
             <a:extLst>
               <a:ext uri="{FF2B5EF4-FFF2-40B4-BE49-F238E27FC236}">
-                <a16:creationId xmlns:a16="http://schemas.microsoft.com/office/drawing/2014/main" xmlns="" id="{0853C66F-B064-4E12-9E48-5D11B374C147}"/>
+                <a16:creationId xmlns="" xmlns:a16="http://schemas.microsoft.com/office/drawing/2014/main" id="{0853C66F-B064-4E12-9E48-5D11B374C147}"/>
               </a:ext>
             </a:extLst>
           </p:cNvPr>
@@ -3870,6 +3873,240 @@
 </file>
 
 <file path=ppt/slides/slide10.xml><?xml version="1.0" encoding="utf-8"?>
+<p:sld xmlns:a="http://schemas.openxmlformats.org/drawingml/2006/main" xmlns:r="http://schemas.openxmlformats.org/officeDocument/2006/relationships" xmlns:p="http://schemas.openxmlformats.org/presentationml/2006/main">
+  <p:cSld>
+    <p:bg>
+      <p:bgPr>
+        <a:solidFill>
+          <a:schemeClr val="bg1"/>
+        </a:solidFill>
+        <a:effectLst/>
+      </p:bgPr>
+    </p:bg>
+    <p:spTree>
+      <p:nvGrpSpPr>
+        <p:cNvPr id="1" name=""/>
+        <p:cNvGrpSpPr/>
+        <p:nvPr/>
+      </p:nvGrpSpPr>
+      <p:grpSpPr>
+        <a:xfrm>
+          <a:off x="0" y="0"/>
+          <a:ext cx="0" cy="0"/>
+          <a:chOff x="0" y="0"/>
+          <a:chExt cx="0" cy="0"/>
+        </a:xfrm>
+      </p:grpSpPr>
+      <p:sp>
+        <p:nvSpPr>
+          <p:cNvPr id="37" name="Rectangle 36">
+            <a:extLst>
+              <a:ext uri="{FF2B5EF4-FFF2-40B4-BE49-F238E27FC236}">
+                <a16:creationId xmlns="" xmlns:a16="http://schemas.microsoft.com/office/drawing/2014/main" id="{047C8CCB-F95D-4249-92DD-651249D3535A}"/>
+              </a:ext>
+            </a:extLst>
+          </p:cNvPr>
+          <p:cNvSpPr>
+            <a:spLocks noGrp="1" noRot="1" noChangeAspect="1" noMove="1" noResize="1" noEditPoints="1" noAdjustHandles="1" noChangeArrowheads="1" noChangeShapeType="1" noTextEdit="1"/>
+          </p:cNvSpPr>
+          <p:nvPr>
+            <p:extLst>
+              <p:ext uri="{386F3935-93C4-4BCD-93E2-E3B085C9AB24}">
+                <p16:designElem xmlns="" xmlns:p16="http://schemas.microsoft.com/office/powerpoint/2015/main" val="1"/>
+              </p:ext>
+            </p:extLst>
+          </p:nvPr>
+        </p:nvSpPr>
+        <p:spPr>
+          <a:xfrm>
+            <a:off x="0" y="0"/>
+            <a:ext cx="2013557" cy="6858000"/>
+          </a:xfrm>
+          <a:prstGeom prst="rect">
+            <a:avLst/>
+          </a:prstGeom>
+          <a:solidFill>
+            <a:schemeClr val="tx1">
+              <a:lumMod val="50000"/>
+              <a:lumOff val="50000"/>
+            </a:schemeClr>
+          </a:solidFill>
+          <a:ln>
+            <a:noFill/>
+          </a:ln>
+        </p:spPr>
+        <p:style>
+          <a:lnRef idx="2">
+            <a:schemeClr val="accent1">
+              <a:shade val="50000"/>
+            </a:schemeClr>
+          </a:lnRef>
+          <a:fillRef idx="1">
+            <a:schemeClr val="accent1"/>
+          </a:fillRef>
+          <a:effectRef idx="0">
+            <a:schemeClr val="accent1"/>
+          </a:effectRef>
+          <a:fontRef idx="minor">
+            <a:schemeClr val="lt1"/>
+          </a:fontRef>
+        </p:style>
+        <p:txBody>
+          <a:bodyPr rtlCol="0" anchor="ctr"/>
+          <a:lstStyle/>
+          <a:p>
+            <a:pPr algn="ctr"/>
+            <a:endParaRPr lang="en-US"/>
+          </a:p>
+        </p:txBody>
+      </p:sp>
+      <p:pic>
+        <p:nvPicPr>
+          <p:cNvPr id="12" name="Picture 11">
+            <a:extLst>
+              <a:ext uri="{FF2B5EF4-FFF2-40B4-BE49-F238E27FC236}">
+                <a16:creationId xmlns="" xmlns:a16="http://schemas.microsoft.com/office/drawing/2014/main" id="{3662C678-3A42-4DDB-A85F-E2A0478E9E3D}"/>
+              </a:ext>
+            </a:extLst>
+          </p:cNvPr>
+          <p:cNvPicPr>
+            <a:picLocks noChangeAspect="1"/>
+          </p:cNvPicPr>
+          <p:nvPr/>
+        </p:nvPicPr>
+        <p:blipFill>
+          <a:blip r:embed="rId2">
+            <a:extLst>
+              <a:ext uri="{28A0092B-C50C-407E-A947-70E740481C1C}">
+                <a14:useLocalDpi xmlns:a14="http://schemas.microsoft.com/office/drawing/2010/main" val="0"/>
+              </a:ext>
+            </a:extLst>
+          </a:blip>
+          <a:stretch>
+            <a:fillRect/>
+          </a:stretch>
+        </p:blipFill>
+        <p:spPr>
+          <a:xfrm>
+            <a:off x="4038600" y="1390649"/>
+            <a:ext cx="7188199" cy="4073312"/>
+          </a:xfrm>
+          <a:prstGeom prst="rect">
+            <a:avLst/>
+          </a:prstGeom>
+        </p:spPr>
+      </p:pic>
+      <p:sp>
+        <p:nvSpPr>
+          <p:cNvPr id="2" name="Title 1">
+            <a:extLst>
+              <a:ext uri="{FF2B5EF4-FFF2-40B4-BE49-F238E27FC236}">
+                <a16:creationId xmlns="" xmlns:a16="http://schemas.microsoft.com/office/drawing/2014/main" id="{A5F6196D-B07E-499E-92C0-6953CE9F25D4}"/>
+              </a:ext>
+            </a:extLst>
+          </p:cNvPr>
+          <p:cNvSpPr>
+            <a:spLocks noGrp="1"/>
+          </p:cNvSpPr>
+          <p:nvPr>
+            <p:ph type="title"/>
+          </p:nvPr>
+        </p:nvSpPr>
+        <p:spPr>
+          <a:xfrm>
+            <a:off x="640080" y="2074363"/>
+            <a:ext cx="2752354" cy="2709275"/>
+          </a:xfrm>
+          <a:prstGeom prst="ellipse">
+            <a:avLst/>
+          </a:prstGeom>
+          <a:solidFill>
+            <a:schemeClr val="tx1">
+              <a:lumMod val="85000"/>
+              <a:lumOff val="15000"/>
+            </a:schemeClr>
+          </a:solidFill>
+          <a:ln w="174625" cmpd="thinThick">
+            <a:solidFill>
+              <a:schemeClr val="tx1">
+                <a:lumMod val="85000"/>
+                <a:lumOff val="15000"/>
+              </a:schemeClr>
+            </a:solidFill>
+          </a:ln>
+        </p:spPr>
+        <p:txBody>
+          <a:bodyPr vert="horz" lIns="91440" tIns="45720" rIns="91440" bIns="45720" rtlCol="0" anchor="ctr">
+            <a:normAutofit/>
+          </a:bodyPr>
+          <a:lstStyle/>
+          <a:p>
+            <a:pPr algn="ctr"/>
+            <a:r>
+              <a:rPr lang="en-US" sz="2600" b="1" kern="1200" dirty="0">
+                <a:solidFill>
+                  <a:schemeClr val="bg1"/>
+                </a:solidFill>
+                <a:latin typeface="+mj-lt"/>
+                <a:ea typeface="+mj-ea"/>
+                <a:cs typeface="+mj-cs"/>
+              </a:rPr>
+              <a:t>The magic of C programming</a:t>
+            </a:r>
+          </a:p>
+        </p:txBody>
+      </p:sp>
+      <p:sp>
+        <p:nvSpPr>
+          <p:cNvPr id="3" name="TextBox 2"/>
+          <p:cNvSpPr txBox="1"/>
+          <p:nvPr/>
+        </p:nvSpPr>
+        <p:spPr>
+          <a:xfrm>
+            <a:off x="5632990" y="6079412"/>
+            <a:ext cx="2797493" cy="392994"/>
+          </a:xfrm>
+          <a:prstGeom prst="rect">
+            <a:avLst/>
+          </a:prstGeom>
+          <a:noFill/>
+        </p:spPr>
+        <p:txBody>
+          <a:bodyPr wrap="square" rtlCol="0">
+            <a:spAutoFit/>
+          </a:bodyPr>
+          <a:lstStyle/>
+          <a:p>
+            <a:r>
+              <a:rPr lang="en-US" dirty="0" smtClean="0"/>
+              <a:t>Image from Dartmouth.edu</a:t>
+            </a:r>
+            <a:endParaRPr lang="en-US" dirty="0"/>
+          </a:p>
+        </p:txBody>
+      </p:sp>
+    </p:spTree>
+    <p:extLst>
+      <p:ext uri="{BB962C8B-B14F-4D97-AF65-F5344CB8AC3E}">
+        <p14:creationId xmlns:p14="http://schemas.microsoft.com/office/powerpoint/2010/main" val="1223365468"/>
+      </p:ext>
+    </p:extLst>
+  </p:cSld>
+  <p:clrMapOvr>
+    <a:masterClrMapping/>
+  </p:clrMapOvr>
+  <p:timing>
+    <p:tnLst>
+      <p:par>
+        <p:cTn id="1" dur="indefinite" restart="never" nodeType="tmRoot"/>
+      </p:par>
+    </p:tnLst>
+  </p:timing>
+</p:sld>
+</file>
+
+<file path=ppt/slides/slide11.xml><?xml version="1.0" encoding="utf-8"?>
 <p:sld xmlns:a="http://schemas.openxmlformats.org/drawingml/2006/main" xmlns:r="http://schemas.openxmlformats.org/officeDocument/2006/relationships" xmlns:p="http://schemas.openxmlformats.org/presentationml/2006/main">
   <p:cSld>
     <p:bg>
@@ -3902,7 +4139,7 @@
           <p:cNvPr id="23" name="Rectangle 22">
             <a:extLst>
               <a:ext uri="{FF2B5EF4-FFF2-40B4-BE49-F238E27FC236}">
-                <a16:creationId xmlns:a16="http://schemas.microsoft.com/office/drawing/2014/main" xmlns="" id="{EE1FC7B4-E4A7-4452-B413-1A623E3A7230}"/>
+                <a16:creationId xmlns="" xmlns:a16="http://schemas.microsoft.com/office/drawing/2014/main" id="{EE1FC7B4-E4A7-4452-B413-1A623E3A7230}"/>
               </a:ext>
             </a:extLst>
           </p:cNvPr>
@@ -3912,7 +4149,7 @@
           <p:nvPr>
             <p:extLst>
               <p:ext uri="{386F3935-93C4-4BCD-93E2-E3B085C9AB24}">
-                <p16:designElem xmlns:p16="http://schemas.microsoft.com/office/powerpoint/2015/main" xmlns="" val="1"/>
+                <p16:designElem xmlns="" xmlns:p16="http://schemas.microsoft.com/office/powerpoint/2015/main" val="1"/>
               </p:ext>
             </p:extLst>
           </p:nvPr>
@@ -3993,7 +4230,7 @@
           <p:cNvPr id="25" name="Freeform 13">
             <a:extLst>
               <a:ext uri="{FF2B5EF4-FFF2-40B4-BE49-F238E27FC236}">
-                <a16:creationId xmlns:a16="http://schemas.microsoft.com/office/drawing/2014/main" xmlns="" id="{E0709AF0-24F0-4486-B189-BE6386BDB198}"/>
+                <a16:creationId xmlns="" xmlns:a16="http://schemas.microsoft.com/office/drawing/2014/main" id="{E0709AF0-24F0-4486-B189-BE6386BDB198}"/>
               </a:ext>
             </a:extLst>
           </p:cNvPr>
@@ -4003,7 +4240,7 @@
           <p:nvPr>
             <p:extLst>
               <p:ext uri="{386F3935-93C4-4BCD-93E2-E3B085C9AB24}">
-                <p16:designElem xmlns:p16="http://schemas.microsoft.com/office/powerpoint/2015/main" xmlns="" val="1"/>
+                <p16:designElem xmlns="" xmlns:p16="http://schemas.microsoft.com/office/powerpoint/2015/main" val="1"/>
               </p:ext>
             </p:extLst>
           </p:nvPr>
@@ -4127,7 +4364,7 @@
           <p:cNvPr id="27" name="Freeform 11">
             <a:extLst>
               <a:ext uri="{FF2B5EF4-FFF2-40B4-BE49-F238E27FC236}">
-                <a16:creationId xmlns:a16="http://schemas.microsoft.com/office/drawing/2014/main" xmlns="" id="{FBE3B62F-5853-4A3C-B050-6186351A7176}"/>
+                <a16:creationId xmlns="" xmlns:a16="http://schemas.microsoft.com/office/drawing/2014/main" id="{FBE3B62F-5853-4A3C-B050-6186351A7176}"/>
               </a:ext>
             </a:extLst>
           </p:cNvPr>
@@ -4137,7 +4374,7 @@
           <p:nvPr>
             <p:extLst>
               <p:ext uri="{386F3935-93C4-4BCD-93E2-E3B085C9AB24}">
-                <p16:designElem xmlns:p16="http://schemas.microsoft.com/office/powerpoint/2015/main" xmlns="" val="1"/>
+                <p16:designElem xmlns="" xmlns:p16="http://schemas.microsoft.com/office/powerpoint/2015/main" val="1"/>
               </p:ext>
             </p:extLst>
           </p:nvPr>
@@ -4263,7 +4500,7 @@
           <p:cNvPr id="2" name="Title 1">
             <a:extLst>
               <a:ext uri="{FF2B5EF4-FFF2-40B4-BE49-F238E27FC236}">
-                <a16:creationId xmlns:a16="http://schemas.microsoft.com/office/drawing/2014/main" xmlns="" id="{A5F6196D-B07E-499E-92C0-6953CE9F25D4}"/>
+                <a16:creationId xmlns="" xmlns:a16="http://schemas.microsoft.com/office/drawing/2014/main" id="{A5F6196D-B07E-499E-92C0-6953CE9F25D4}"/>
               </a:ext>
             </a:extLst>
           </p:cNvPr>
@@ -4289,118 +4526,223 @@
             <a:pPr algn="ctr"/>
             <a:r>
               <a:rPr lang="en-US" b="1" dirty="0"/>
-              <a:t>Programming</a:t>
-            </a:r>
-          </a:p>
-        </p:txBody>
-      </p:sp>
-      <p:sp>
-        <p:nvSpPr>
-          <p:cNvPr id="17" name="Content Placeholder 16">
-            <a:extLst>
-              <a:ext uri="{FF2B5EF4-FFF2-40B4-BE49-F238E27FC236}">
-                <a16:creationId xmlns:a16="http://schemas.microsoft.com/office/drawing/2014/main" xmlns="" id="{5FDBA27F-9676-4EE6-B75A-C35B42A0CD81}"/>
-              </a:ext>
-            </a:extLst>
-          </p:cNvPr>
-          <p:cNvSpPr>
-            <a:spLocks noGrp="1"/>
-          </p:cNvSpPr>
-          <p:nvPr>
-            <p:ph idx="1"/>
-          </p:nvPr>
+              <a:t>Arduino Flow</a:t>
+            </a:r>
+          </a:p>
+        </p:txBody>
+      </p:sp>
+      <p:sp>
+        <p:nvSpPr>
+          <p:cNvPr id="6" name="Rectangle: Rounded Corners 5">
+            <a:extLst>
+              <a:ext uri="{FF2B5EF4-FFF2-40B4-BE49-F238E27FC236}">
+                <a16:creationId xmlns="" xmlns:a16="http://schemas.microsoft.com/office/drawing/2014/main" id="{348BBD1B-8203-4617-9EDA-48AE0E47DF76}"/>
+              </a:ext>
+            </a:extLst>
+          </p:cNvPr>
+          <p:cNvSpPr/>
+          <p:nvPr/>
         </p:nvSpPr>
         <p:spPr>
           <a:xfrm>
-            <a:off x="838199" y="2191807"/>
-            <a:ext cx="10091057" cy="3985155"/>
+            <a:off x="833002" y="962585"/>
+            <a:ext cx="3318083" cy="847284"/>
           </a:xfrm>
+          <a:prstGeom prst="roundRect">
+            <a:avLst/>
+          </a:prstGeom>
         </p:spPr>
-        <p:txBody>
-          <a:bodyPr>
-            <a:normAutofit/>
-          </a:bodyPr>
+        <p:style>
+          <a:lnRef idx="2">
+            <a:schemeClr val="accent1">
+              <a:shade val="50000"/>
+            </a:schemeClr>
+          </a:lnRef>
+          <a:fillRef idx="1">
+            <a:schemeClr val="accent1"/>
+          </a:fillRef>
+          <a:effectRef idx="0">
+            <a:schemeClr val="accent1"/>
+          </a:effectRef>
+          <a:fontRef idx="minor">
+            <a:schemeClr val="lt1"/>
+          </a:fontRef>
+        </p:style>
+        <p:txBody>
+          <a:bodyPr rtlCol="0" anchor="ctr"/>
           <a:lstStyle/>
           <a:p>
-            <a:r>
-              <a:rPr lang="en-US" dirty="0"/>
-              <a:t>Data and Datatypes</a:t>
-            </a:r>
-          </a:p>
-          <a:p>
-            <a:pPr lvl="1"/>
-            <a:r>
-              <a:rPr lang="en-US" dirty="0"/>
-              <a:t>void</a:t>
-            </a:r>
-          </a:p>
-          <a:p>
-            <a:pPr lvl="1"/>
-            <a:r>
-              <a:rPr lang="en-US" dirty="0" err="1"/>
-              <a:t>boolean</a:t>
-            </a:r>
-            <a:r>
-              <a:rPr lang="en-US" dirty="0"/>
-              <a:t>	(1 byte)</a:t>
-            </a:r>
-          </a:p>
-          <a:p>
-            <a:pPr lvl="1"/>
-            <a:r>
-              <a:rPr lang="en-US" dirty="0"/>
-              <a:t>char	(1 byte)</a:t>
-            </a:r>
-          </a:p>
-          <a:p>
-            <a:pPr lvl="1"/>
-            <a:r>
-              <a:rPr lang="en-US" dirty="0" err="1"/>
-              <a:t>int</a:t>
-            </a:r>
-            <a:r>
-              <a:rPr lang="en-US" dirty="0"/>
-              <a:t>	(2 bytes)</a:t>
-            </a:r>
-          </a:p>
-          <a:p>
-            <a:pPr lvl="1"/>
-            <a:r>
-              <a:rPr lang="en-US" dirty="0"/>
-              <a:t>float	(4 bytes)</a:t>
-            </a:r>
-          </a:p>
-          <a:p>
-            <a:pPr lvl="1"/>
-            <a:r>
-              <a:rPr lang="en-US" dirty="0"/>
-              <a:t>…</a:t>
-            </a:r>
-            <a:r>
-              <a:rPr lang="en-US" dirty="0" err="1"/>
-              <a:t>etc</a:t>
-            </a:r>
-            <a:endParaRPr lang="en-US" dirty="0"/>
-          </a:p>
-          <a:p>
-            <a:pPr lvl="1"/>
-            <a:endParaRPr lang="en-US" dirty="0"/>
-          </a:p>
-          <a:p>
-            <a:pPr lvl="1"/>
-            <a:r>
-              <a:rPr lang="en-US" dirty="0"/>
-              <a:t>Find more at https://playground.arduino.cc/Code/DatatypePractices</a:t>
-            </a:r>
+            <a:pPr algn="ctr"/>
+            <a:r>
+              <a:rPr lang="en-US" sz="4800" dirty="0"/>
+              <a:t>SETUP</a:t>
+            </a:r>
+          </a:p>
+        </p:txBody>
+      </p:sp>
+      <p:sp>
+        <p:nvSpPr>
+          <p:cNvPr id="7" name="Oval 6">
+            <a:extLst>
+              <a:ext uri="{FF2B5EF4-FFF2-40B4-BE49-F238E27FC236}">
+                <a16:creationId xmlns="" xmlns:a16="http://schemas.microsoft.com/office/drawing/2014/main" id="{9E30F67D-38DA-4986-A4D1-A456887144BB}"/>
+              </a:ext>
+            </a:extLst>
+          </p:cNvPr>
+          <p:cNvSpPr/>
+          <p:nvPr/>
+        </p:nvSpPr>
+        <p:spPr>
+          <a:xfrm>
+            <a:off x="1262743" y="3614169"/>
+            <a:ext cx="2318657" cy="2365829"/>
+          </a:xfrm>
+          <a:prstGeom prst="ellipse">
+            <a:avLst/>
+          </a:prstGeom>
+        </p:spPr>
+        <p:style>
+          <a:lnRef idx="2">
+            <a:schemeClr val="accent1">
+              <a:shade val="50000"/>
+            </a:schemeClr>
+          </a:lnRef>
+          <a:fillRef idx="1">
+            <a:schemeClr val="accent1"/>
+          </a:fillRef>
+          <a:effectRef idx="0">
+            <a:schemeClr val="accent1"/>
+          </a:effectRef>
+          <a:fontRef idx="minor">
+            <a:schemeClr val="lt1"/>
+          </a:fontRef>
+        </p:style>
+        <p:txBody>
+          <a:bodyPr rtlCol="0" anchor="ctr"/>
+          <a:lstStyle/>
+          <a:p>
+            <a:pPr algn="ctr"/>
+            <a:r>
+              <a:rPr lang="en-US" sz="4800" dirty="0"/>
+              <a:t>LOOP</a:t>
+            </a:r>
+          </a:p>
+        </p:txBody>
+      </p:sp>
+      <p:sp>
+        <p:nvSpPr>
+          <p:cNvPr id="9" name="Arrow: Down 8">
+            <a:extLst>
+              <a:ext uri="{FF2B5EF4-FFF2-40B4-BE49-F238E27FC236}">
+                <a16:creationId xmlns="" xmlns:a16="http://schemas.microsoft.com/office/drawing/2014/main" id="{8A17C3B5-CF74-4098-8C11-74B40035EFC9}"/>
+              </a:ext>
+            </a:extLst>
+          </p:cNvPr>
+          <p:cNvSpPr/>
+          <p:nvPr/>
+        </p:nvSpPr>
+        <p:spPr>
+          <a:xfrm>
+            <a:off x="2119084" y="2124541"/>
+            <a:ext cx="566057" cy="1197681"/>
+          </a:xfrm>
+          <a:prstGeom prst="downArrow">
+            <a:avLst/>
+          </a:prstGeom>
+          <a:solidFill>
+            <a:schemeClr val="tx2"/>
+          </a:solidFill>
+        </p:spPr>
+        <p:style>
+          <a:lnRef idx="2">
+            <a:schemeClr val="accent1">
+              <a:shade val="50000"/>
+            </a:schemeClr>
+          </a:lnRef>
+          <a:fillRef idx="1">
+            <a:schemeClr val="accent1"/>
+          </a:fillRef>
+          <a:effectRef idx="0">
+            <a:schemeClr val="accent1"/>
+          </a:effectRef>
+          <a:fontRef idx="minor">
+            <a:schemeClr val="lt1"/>
+          </a:fontRef>
+        </p:style>
+        <p:txBody>
+          <a:bodyPr rtlCol="0" anchor="ctr"/>
+          <a:lstStyle/>
+          <a:p>
+            <a:pPr algn="ctr"/>
+            <a:endParaRPr lang="en-US"/>
+          </a:p>
+        </p:txBody>
+      </p:sp>
+      <p:sp>
+        <p:nvSpPr>
+          <p:cNvPr id="10" name="Arrow: Curved Down 9">
+            <a:extLst>
+              <a:ext uri="{FF2B5EF4-FFF2-40B4-BE49-F238E27FC236}">
+                <a16:creationId xmlns="" xmlns:a16="http://schemas.microsoft.com/office/drawing/2014/main" id="{74A3BC1D-7B83-49EE-A272-1A306A21C212}"/>
+              </a:ext>
+            </a:extLst>
+          </p:cNvPr>
+          <p:cNvSpPr/>
+          <p:nvPr/>
+        </p:nvSpPr>
+        <p:spPr>
+          <a:xfrm rot="4476570">
+            <a:off x="3459738" y="3692541"/>
+            <a:ext cx="1835788" cy="1187762"/>
+          </a:xfrm>
+          <a:prstGeom prst="curvedDownArrow">
+            <a:avLst>
+              <a:gd name="adj1" fmla="val 25000"/>
+              <a:gd name="adj2" fmla="val 77279"/>
+              <a:gd name="adj3" fmla="val 29368"/>
+            </a:avLst>
+          </a:prstGeom>
+          <a:solidFill>
+            <a:schemeClr val="tx1">
+              <a:lumMod val="95000"/>
+            </a:schemeClr>
+          </a:solidFill>
+        </p:spPr>
+        <p:style>
+          <a:lnRef idx="2">
+            <a:schemeClr val="accent1">
+              <a:shade val="50000"/>
+            </a:schemeClr>
+          </a:lnRef>
+          <a:fillRef idx="1">
+            <a:schemeClr val="accent1"/>
+          </a:fillRef>
+          <a:effectRef idx="0">
+            <a:schemeClr val="accent1"/>
+          </a:effectRef>
+          <a:fontRef idx="minor">
+            <a:schemeClr val="lt1"/>
+          </a:fontRef>
+        </p:style>
+        <p:txBody>
+          <a:bodyPr rtlCol="0" anchor="ctr"/>
+          <a:lstStyle/>
+          <a:p>
+            <a:pPr algn="ctr"/>
+            <a:endParaRPr lang="en-US">
+              <a:solidFill>
+                <a:schemeClr val="tx1"/>
+              </a:solidFill>
+            </a:endParaRPr>
           </a:p>
         </p:txBody>
       </p:sp>
       <p:pic>
         <p:nvPicPr>
-          <p:cNvPr id="4" name="Picture 3">
-            <a:extLst>
-              <a:ext uri="{FF2B5EF4-FFF2-40B4-BE49-F238E27FC236}">
-                <a16:creationId xmlns:a16="http://schemas.microsoft.com/office/drawing/2014/main" xmlns="" id="{FE51A791-092C-46BF-BA73-8B592ED3B993}"/>
+          <p:cNvPr id="20" name="Content Placeholder 3" descr="A screenshot of a cell phone&#10;&#10;Description generated with very high confidence">
+            <a:extLst>
+              <a:ext uri="{FF2B5EF4-FFF2-40B4-BE49-F238E27FC236}">
+                <a16:creationId xmlns="" xmlns:a16="http://schemas.microsoft.com/office/drawing/2014/main" id="{05026929-FB3B-4BBD-BBBF-FB807922AB53}"/>
               </a:ext>
             </a:extLst>
           </p:cNvPr>
@@ -4408,6 +4750,43 @@
             <a:picLocks noChangeAspect="1"/>
           </p:cNvPicPr>
           <p:nvPr/>
+        </p:nvPicPr>
+        <p:blipFill rotWithShape="1">
+          <a:blip r:embed="rId2">
+            <a:extLst>
+              <a:ext uri="{28A0092B-C50C-407E-A947-70E740481C1C}">
+                <a14:useLocalDpi xmlns:a14="http://schemas.microsoft.com/office/drawing/2010/main" val="0"/>
+              </a:ext>
+            </a:extLst>
+          </a:blip>
+          <a:srcRect l="-541" t="20211" r="28146" b="46310"/>
+          <a:stretch/>
+        </p:blipFill>
+        <p:spPr>
+          <a:xfrm>
+            <a:off x="5227617" y="1783112"/>
+            <a:ext cx="6226958" cy="3503924"/>
+          </a:xfrm>
+          <a:prstGeom prst="rect">
+            <a:avLst/>
+          </a:prstGeom>
+        </p:spPr>
+      </p:pic>
+      <p:pic>
+        <p:nvPicPr>
+          <p:cNvPr id="19" name="Content Placeholder 3" descr="A screenshot of a cell phone&#10;&#10;Description generated with very high confidence">
+            <a:extLst>
+              <a:ext uri="{FF2B5EF4-FFF2-40B4-BE49-F238E27FC236}">
+                <a16:creationId xmlns="" xmlns:a16="http://schemas.microsoft.com/office/drawing/2014/main" id="{D7BB76B8-96B8-4391-AFD6-5BCAADB313A8}"/>
+              </a:ext>
+            </a:extLst>
+          </p:cNvPr>
+          <p:cNvPicPr>
+            <a:picLocks noGrp="1" noChangeAspect="1"/>
+          </p:cNvPicPr>
+          <p:nvPr>
+            <p:ph idx="1"/>
+          </p:nvPr>
         </p:nvPicPr>
         <p:blipFill>
           <a:blip r:embed="rId2">
@@ -4423,48 +4802,15 @@
         </p:blipFill>
         <p:spPr>
           <a:xfrm>
-            <a:off x="6146139" y="2412925"/>
-            <a:ext cx="4057650" cy="2028825"/>
+            <a:off x="9144000" y="3306477"/>
+            <a:ext cx="2657834" cy="3233971"/>
           </a:xfrm>
-          <a:prstGeom prst="rect">
-            <a:avLst/>
-          </a:prstGeom>
         </p:spPr>
       </p:pic>
-      <p:sp>
-        <p:nvSpPr>
-          <p:cNvPr id="3" name="TextBox 2"/>
-          <p:cNvSpPr txBox="1"/>
-          <p:nvPr/>
-        </p:nvSpPr>
-        <p:spPr>
-          <a:xfrm>
-            <a:off x="7002465" y="4872404"/>
-            <a:ext cx="2481703" cy="392994"/>
-          </a:xfrm>
-          <a:prstGeom prst="rect">
-            <a:avLst/>
-          </a:prstGeom>
-          <a:noFill/>
-        </p:spPr>
-        <p:txBody>
-          <a:bodyPr wrap="square" rtlCol="0">
-            <a:spAutoFit/>
-          </a:bodyPr>
-          <a:lstStyle/>
-          <a:p>
-            <a:r>
-              <a:rPr lang="en-US" dirty="0" smtClean="0"/>
-              <a:t>Image from Quora.com</a:t>
-            </a:r>
-            <a:endParaRPr lang="en-US" dirty="0"/>
-          </a:p>
-        </p:txBody>
-      </p:sp>
     </p:spTree>
     <p:extLst>
       <p:ext uri="{BB962C8B-B14F-4D97-AF65-F5344CB8AC3E}">
-        <p14:creationId xmlns:p14="http://schemas.microsoft.com/office/powerpoint/2010/main" val="1438997195"/>
+        <p14:creationId xmlns:p14="http://schemas.microsoft.com/office/powerpoint/2010/main" val="755600464"/>
       </p:ext>
     </p:extLst>
   </p:cSld>
@@ -4481,7 +4827,7 @@
 </p:sld>
 </file>
 
-<file path=ppt/slides/slide11.xml><?xml version="1.0" encoding="utf-8"?>
+<file path=ppt/slides/slide12.xml><?xml version="1.0" encoding="utf-8"?>
 <p:sld xmlns:a="http://schemas.openxmlformats.org/drawingml/2006/main" xmlns:r="http://schemas.openxmlformats.org/officeDocument/2006/relationships" xmlns:p="http://schemas.openxmlformats.org/presentationml/2006/main">
   <p:cSld>
     <p:bg>
@@ -4514,7 +4860,7 @@
           <p:cNvPr id="23" name="Rectangle 22">
             <a:extLst>
               <a:ext uri="{FF2B5EF4-FFF2-40B4-BE49-F238E27FC236}">
-                <a16:creationId xmlns:a16="http://schemas.microsoft.com/office/drawing/2014/main" xmlns="" id="{EE1FC7B4-E4A7-4452-B413-1A623E3A7230}"/>
+                <a16:creationId xmlns="" xmlns:a16="http://schemas.microsoft.com/office/drawing/2014/main" id="{EE1FC7B4-E4A7-4452-B413-1A623E3A7230}"/>
               </a:ext>
             </a:extLst>
           </p:cNvPr>
@@ -4524,7 +4870,7 @@
           <p:nvPr>
             <p:extLst>
               <p:ext uri="{386F3935-93C4-4BCD-93E2-E3B085C9AB24}">
-                <p16:designElem xmlns:p16="http://schemas.microsoft.com/office/powerpoint/2015/main" xmlns="" val="1"/>
+                <p16:designElem xmlns="" xmlns:p16="http://schemas.microsoft.com/office/powerpoint/2015/main" val="1"/>
               </p:ext>
             </p:extLst>
           </p:nvPr>
@@ -4605,7 +4951,7 @@
           <p:cNvPr id="25" name="Freeform 13">
             <a:extLst>
               <a:ext uri="{FF2B5EF4-FFF2-40B4-BE49-F238E27FC236}">
-                <a16:creationId xmlns:a16="http://schemas.microsoft.com/office/drawing/2014/main" xmlns="" id="{E0709AF0-24F0-4486-B189-BE6386BDB198}"/>
+                <a16:creationId xmlns="" xmlns:a16="http://schemas.microsoft.com/office/drawing/2014/main" id="{E0709AF0-24F0-4486-B189-BE6386BDB198}"/>
               </a:ext>
             </a:extLst>
           </p:cNvPr>
@@ -4615,7 +4961,7 @@
           <p:nvPr>
             <p:extLst>
               <p:ext uri="{386F3935-93C4-4BCD-93E2-E3B085C9AB24}">
-                <p16:designElem xmlns:p16="http://schemas.microsoft.com/office/powerpoint/2015/main" xmlns="" val="1"/>
+                <p16:designElem xmlns="" xmlns:p16="http://schemas.microsoft.com/office/powerpoint/2015/main" val="1"/>
               </p:ext>
             </p:extLst>
           </p:nvPr>
@@ -4739,7 +5085,7 @@
           <p:cNvPr id="27" name="Freeform 11">
             <a:extLst>
               <a:ext uri="{FF2B5EF4-FFF2-40B4-BE49-F238E27FC236}">
-                <a16:creationId xmlns:a16="http://schemas.microsoft.com/office/drawing/2014/main" xmlns="" id="{FBE3B62F-5853-4A3C-B050-6186351A7176}"/>
+                <a16:creationId xmlns="" xmlns:a16="http://schemas.microsoft.com/office/drawing/2014/main" id="{FBE3B62F-5853-4A3C-B050-6186351A7176}"/>
               </a:ext>
             </a:extLst>
           </p:cNvPr>
@@ -4749,7 +5095,7 @@
           <p:nvPr>
             <p:extLst>
               <p:ext uri="{386F3935-93C4-4BCD-93E2-E3B085C9AB24}">
-                <p16:designElem xmlns:p16="http://schemas.microsoft.com/office/powerpoint/2015/main" xmlns="" val="1"/>
+                <p16:designElem xmlns="" xmlns:p16="http://schemas.microsoft.com/office/powerpoint/2015/main" val="1"/>
               </p:ext>
             </p:extLst>
           </p:nvPr>
@@ -4875,7 +5221,7 @@
           <p:cNvPr id="2" name="Title 1">
             <a:extLst>
               <a:ext uri="{FF2B5EF4-FFF2-40B4-BE49-F238E27FC236}">
-                <a16:creationId xmlns:a16="http://schemas.microsoft.com/office/drawing/2014/main" xmlns="" id="{A5F6196D-B07E-499E-92C0-6953CE9F25D4}"/>
+                <a16:creationId xmlns="" xmlns:a16="http://schemas.microsoft.com/office/drawing/2014/main" id="{A5F6196D-B07E-499E-92C0-6953CE9F25D4}"/>
               </a:ext>
             </a:extLst>
           </p:cNvPr>
@@ -4911,7 +5257,619 @@
           <p:cNvPr id="17" name="Content Placeholder 16">
             <a:extLst>
               <a:ext uri="{FF2B5EF4-FFF2-40B4-BE49-F238E27FC236}">
-                <a16:creationId xmlns:a16="http://schemas.microsoft.com/office/drawing/2014/main" xmlns="" id="{5FDBA27F-9676-4EE6-B75A-C35B42A0CD81}"/>
+                <a16:creationId xmlns="" xmlns:a16="http://schemas.microsoft.com/office/drawing/2014/main" id="{5FDBA27F-9676-4EE6-B75A-C35B42A0CD81}"/>
+              </a:ext>
+            </a:extLst>
+          </p:cNvPr>
+          <p:cNvSpPr>
+            <a:spLocks noGrp="1"/>
+          </p:cNvSpPr>
+          <p:nvPr>
+            <p:ph idx="1"/>
+          </p:nvPr>
+        </p:nvSpPr>
+        <p:spPr>
+          <a:xfrm>
+            <a:off x="838199" y="2191807"/>
+            <a:ext cx="10091057" cy="3985155"/>
+          </a:xfrm>
+        </p:spPr>
+        <p:txBody>
+          <a:bodyPr>
+            <a:normAutofit/>
+          </a:bodyPr>
+          <a:lstStyle/>
+          <a:p>
+            <a:r>
+              <a:rPr lang="en-US" dirty="0"/>
+              <a:t>Data and Datatypes</a:t>
+            </a:r>
+          </a:p>
+          <a:p>
+            <a:pPr lvl="1"/>
+            <a:r>
+              <a:rPr lang="en-US" dirty="0"/>
+              <a:t>void</a:t>
+            </a:r>
+          </a:p>
+          <a:p>
+            <a:pPr lvl="1"/>
+            <a:r>
+              <a:rPr lang="en-US" dirty="0" err="1"/>
+              <a:t>boolean</a:t>
+            </a:r>
+            <a:r>
+              <a:rPr lang="en-US" dirty="0"/>
+              <a:t>	(1 byte)</a:t>
+            </a:r>
+          </a:p>
+          <a:p>
+            <a:pPr lvl="1"/>
+            <a:r>
+              <a:rPr lang="en-US" dirty="0"/>
+              <a:t>char	(1 byte)</a:t>
+            </a:r>
+          </a:p>
+          <a:p>
+            <a:pPr lvl="1"/>
+            <a:r>
+              <a:rPr lang="en-US" dirty="0" err="1"/>
+              <a:t>int</a:t>
+            </a:r>
+            <a:r>
+              <a:rPr lang="en-US" dirty="0"/>
+              <a:t>	(2 bytes)</a:t>
+            </a:r>
+          </a:p>
+          <a:p>
+            <a:pPr lvl="1"/>
+            <a:r>
+              <a:rPr lang="en-US" dirty="0"/>
+              <a:t>float	(4 bytes)</a:t>
+            </a:r>
+          </a:p>
+          <a:p>
+            <a:pPr lvl="1"/>
+            <a:r>
+              <a:rPr lang="en-US" dirty="0"/>
+              <a:t>…</a:t>
+            </a:r>
+            <a:r>
+              <a:rPr lang="en-US" dirty="0" err="1"/>
+              <a:t>etc</a:t>
+            </a:r>
+            <a:endParaRPr lang="en-US" dirty="0"/>
+          </a:p>
+          <a:p>
+            <a:pPr lvl="1"/>
+            <a:endParaRPr lang="en-US" dirty="0"/>
+          </a:p>
+          <a:p>
+            <a:pPr lvl="1"/>
+            <a:r>
+              <a:rPr lang="en-US" dirty="0"/>
+              <a:t>Find more at https://playground.arduino.cc/Code/DatatypePractices</a:t>
+            </a:r>
+          </a:p>
+        </p:txBody>
+      </p:sp>
+      <p:pic>
+        <p:nvPicPr>
+          <p:cNvPr id="4" name="Picture 3">
+            <a:extLst>
+              <a:ext uri="{FF2B5EF4-FFF2-40B4-BE49-F238E27FC236}">
+                <a16:creationId xmlns="" xmlns:a16="http://schemas.microsoft.com/office/drawing/2014/main" id="{FE51A791-092C-46BF-BA73-8B592ED3B993}"/>
+              </a:ext>
+            </a:extLst>
+          </p:cNvPr>
+          <p:cNvPicPr>
+            <a:picLocks noChangeAspect="1"/>
+          </p:cNvPicPr>
+          <p:nvPr/>
+        </p:nvPicPr>
+        <p:blipFill>
+          <a:blip r:embed="rId2">
+            <a:extLst>
+              <a:ext uri="{28A0092B-C50C-407E-A947-70E740481C1C}">
+                <a14:useLocalDpi xmlns:a14="http://schemas.microsoft.com/office/drawing/2010/main" val="0"/>
+              </a:ext>
+            </a:extLst>
+          </a:blip>
+          <a:stretch>
+            <a:fillRect/>
+          </a:stretch>
+        </p:blipFill>
+        <p:spPr>
+          <a:xfrm>
+            <a:off x="6146139" y="2412925"/>
+            <a:ext cx="4057650" cy="2028825"/>
+          </a:xfrm>
+          <a:prstGeom prst="rect">
+            <a:avLst/>
+          </a:prstGeom>
+        </p:spPr>
+      </p:pic>
+      <p:sp>
+        <p:nvSpPr>
+          <p:cNvPr id="3" name="TextBox 2"/>
+          <p:cNvSpPr txBox="1"/>
+          <p:nvPr/>
+        </p:nvSpPr>
+        <p:spPr>
+          <a:xfrm>
+            <a:off x="7002465" y="4872404"/>
+            <a:ext cx="2481703" cy="392994"/>
+          </a:xfrm>
+          <a:prstGeom prst="rect">
+            <a:avLst/>
+          </a:prstGeom>
+          <a:noFill/>
+        </p:spPr>
+        <p:txBody>
+          <a:bodyPr wrap="square" rtlCol="0">
+            <a:spAutoFit/>
+          </a:bodyPr>
+          <a:lstStyle/>
+          <a:p>
+            <a:r>
+              <a:rPr lang="en-US" dirty="0" smtClean="0"/>
+              <a:t>Image from Quora.com</a:t>
+            </a:r>
+            <a:endParaRPr lang="en-US" dirty="0"/>
+          </a:p>
+        </p:txBody>
+      </p:sp>
+    </p:spTree>
+    <p:extLst>
+      <p:ext uri="{BB962C8B-B14F-4D97-AF65-F5344CB8AC3E}">
+        <p14:creationId xmlns:p14="http://schemas.microsoft.com/office/powerpoint/2010/main" val="1438997195"/>
+      </p:ext>
+    </p:extLst>
+  </p:cSld>
+  <p:clrMapOvr>
+    <a:overrideClrMapping bg1="dk1" tx1="lt1" bg2="dk2" tx2="lt2" accent1="accent1" accent2="accent2" accent3="accent3" accent4="accent4" accent5="accent5" accent6="accent6" hlink="hlink" folHlink="folHlink"/>
+  </p:clrMapOvr>
+  <p:timing>
+    <p:tnLst>
+      <p:par>
+        <p:cTn id="1" dur="indefinite" restart="never" nodeType="tmRoot"/>
+      </p:par>
+    </p:tnLst>
+  </p:timing>
+</p:sld>
+</file>
+
+<file path=ppt/slides/slide13.xml><?xml version="1.0" encoding="utf-8"?>
+<p:sld xmlns:a="http://schemas.openxmlformats.org/drawingml/2006/main" xmlns:r="http://schemas.openxmlformats.org/officeDocument/2006/relationships" xmlns:p="http://schemas.openxmlformats.org/presentationml/2006/main">
+  <p:cSld>
+    <p:bg>
+      <p:bgPr>
+        <a:solidFill>
+          <a:schemeClr val="bg1">
+            <a:tint val="95000"/>
+            <a:satMod val="170000"/>
+          </a:schemeClr>
+        </a:solidFill>
+        <a:effectLst/>
+      </p:bgPr>
+    </p:bg>
+    <p:spTree>
+      <p:nvGrpSpPr>
+        <p:cNvPr id="1" name=""/>
+        <p:cNvGrpSpPr/>
+        <p:nvPr/>
+      </p:nvGrpSpPr>
+      <p:grpSpPr>
+        <a:xfrm>
+          <a:off x="0" y="0"/>
+          <a:ext cx="0" cy="0"/>
+          <a:chOff x="0" y="0"/>
+          <a:chExt cx="0" cy="0"/>
+        </a:xfrm>
+      </p:grpSpPr>
+      <p:sp>
+        <p:nvSpPr>
+          <p:cNvPr id="23" name="Rectangle 22">
+            <a:extLst>
+              <a:ext uri="{FF2B5EF4-FFF2-40B4-BE49-F238E27FC236}">
+                <a16:creationId xmlns="" xmlns:a16="http://schemas.microsoft.com/office/drawing/2014/main" id="{EE1FC7B4-E4A7-4452-B413-1A623E3A7230}"/>
+              </a:ext>
+            </a:extLst>
+          </p:cNvPr>
+          <p:cNvSpPr>
+            <a:spLocks noGrp="1" noRot="1" noChangeAspect="1" noMove="1" noResize="1" noEditPoints="1" noAdjustHandles="1" noChangeArrowheads="1" noChangeShapeType="1" noTextEdit="1"/>
+          </p:cNvSpPr>
+          <p:nvPr>
+            <p:extLst>
+              <p:ext uri="{386F3935-93C4-4BCD-93E2-E3B085C9AB24}">
+                <p16:designElem xmlns="" xmlns:p16="http://schemas.microsoft.com/office/powerpoint/2015/main" val="1"/>
+              </p:ext>
+            </p:extLst>
+          </p:nvPr>
+        </p:nvSpPr>
+        <p:spPr>
+          <a:xfrm>
+            <a:off x="0" y="-3324"/>
+            <a:ext cx="12192000" cy="6861324"/>
+          </a:xfrm>
+          <a:prstGeom prst="rect">
+            <a:avLst/>
+          </a:prstGeom>
+          <a:solidFill>
+            <a:schemeClr val="bg1">
+              <a:alpha val="9000"/>
+            </a:schemeClr>
+          </a:solidFill>
+          <a:ln>
+            <a:noFill/>
+          </a:ln>
+        </p:spPr>
+        <p:style>
+          <a:lnRef idx="2">
+            <a:schemeClr val="accent1">
+              <a:shade val="50000"/>
+            </a:schemeClr>
+          </a:lnRef>
+          <a:fillRef idx="1">
+            <a:schemeClr val="accent1"/>
+          </a:fillRef>
+          <a:effectRef idx="0">
+            <a:schemeClr val="accent1"/>
+          </a:effectRef>
+          <a:fontRef idx="minor">
+            <a:schemeClr val="lt1"/>
+          </a:fontRef>
+        </p:style>
+        <p:txBody>
+          <a:bodyPr rtlCol="0" anchor="ctr"/>
+          <a:lstStyle/>
+          <a:p>
+            <a:pPr marL="0" marR="0" lvl="0" indent="0" algn="ctr" defTabSz="914400" rtl="0" eaLnBrk="1" fontAlgn="auto" latinLnBrk="0" hangingPunct="1">
+              <a:lnSpc>
+                <a:spcPct val="100000"/>
+              </a:lnSpc>
+              <a:spcBef>
+                <a:spcPts val="0"/>
+              </a:spcBef>
+              <a:spcAft>
+                <a:spcPts val="0"/>
+              </a:spcAft>
+              <a:buClrTx/>
+              <a:buSzTx/>
+              <a:buFontTx/>
+              <a:buNone/>
+              <a:tabLst/>
+              <a:defRPr/>
+            </a:pPr>
+            <a:endParaRPr kumimoji="0" lang="en-US" sz="1800" b="0" i="0" u="none" strike="noStrike" kern="1200" cap="none" spc="0" normalizeH="0" baseline="0" noProof="0">
+              <a:ln>
+                <a:noFill/>
+              </a:ln>
+              <a:solidFill>
+                <a:prstClr val="white"/>
+              </a:solidFill>
+              <a:effectLst/>
+              <a:uLnTx/>
+              <a:uFillTx/>
+              <a:latin typeface="Calibri" panose="020F0502020204030204"/>
+              <a:ea typeface="+mn-ea"/>
+              <a:cs typeface="+mn-cs"/>
+            </a:endParaRPr>
+          </a:p>
+        </p:txBody>
+      </p:sp>
+      <p:sp>
+        <p:nvSpPr>
+          <p:cNvPr id="25" name="Freeform 13">
+            <a:extLst>
+              <a:ext uri="{FF2B5EF4-FFF2-40B4-BE49-F238E27FC236}">
+                <a16:creationId xmlns="" xmlns:a16="http://schemas.microsoft.com/office/drawing/2014/main" id="{E0709AF0-24F0-4486-B189-BE6386BDB198}"/>
+              </a:ext>
+            </a:extLst>
+          </p:cNvPr>
+          <p:cNvSpPr>
+            <a:spLocks noGrp="1" noRot="1" noChangeAspect="1" noMove="1" noResize="1" noEditPoints="1" noAdjustHandles="1" noChangeArrowheads="1" noChangeShapeType="1" noTextEdit="1"/>
+          </p:cNvSpPr>
+          <p:nvPr>
+            <p:extLst>
+              <p:ext uri="{386F3935-93C4-4BCD-93E2-E3B085C9AB24}">
+                <p16:designElem xmlns="" xmlns:p16="http://schemas.microsoft.com/office/powerpoint/2015/main" val="1"/>
+              </p:ext>
+            </p:extLst>
+          </p:nvPr>
+        </p:nvSpPr>
+        <p:spPr>
+          <a:xfrm>
+            <a:off x="0" y="0"/>
+            <a:ext cx="11786754" cy="6858000"/>
+          </a:xfrm>
+          <a:custGeom>
+            <a:avLst/>
+            <a:gdLst>
+              <a:gd name="connsiteX0" fmla="*/ 0 w 11786754"/>
+              <a:gd name="connsiteY0" fmla="*/ 0 h 6858000"/>
+              <a:gd name="connsiteX1" fmla="*/ 8610600 w 11786754"/>
+              <a:gd name="connsiteY1" fmla="*/ 0 h 6858000"/>
+              <a:gd name="connsiteX2" fmla="*/ 11786754 w 11786754"/>
+              <a:gd name="connsiteY2" fmla="*/ 6858000 h 6858000"/>
+              <a:gd name="connsiteX3" fmla="*/ 0 w 11786754"/>
+              <a:gd name="connsiteY3" fmla="*/ 6858000 h 6858000"/>
+            </a:gdLst>
+            <a:ahLst/>
+            <a:cxnLst>
+              <a:cxn ang="0">
+                <a:pos x="connsiteX0" y="connsiteY0"/>
+              </a:cxn>
+              <a:cxn ang="0">
+                <a:pos x="connsiteX1" y="connsiteY1"/>
+              </a:cxn>
+              <a:cxn ang="0">
+                <a:pos x="connsiteX2" y="connsiteY2"/>
+              </a:cxn>
+              <a:cxn ang="0">
+                <a:pos x="connsiteX3" y="connsiteY3"/>
+              </a:cxn>
+            </a:cxnLst>
+            <a:rect l="l" t="t" r="r" b="b"/>
+            <a:pathLst>
+              <a:path w="11786754" h="6858000">
+                <a:moveTo>
+                  <a:pt x="0" y="0"/>
+                </a:moveTo>
+                <a:lnTo>
+                  <a:pt x="8610600" y="0"/>
+                </a:lnTo>
+                <a:lnTo>
+                  <a:pt x="11786754" y="6858000"/>
+                </a:lnTo>
+                <a:lnTo>
+                  <a:pt x="0" y="6858000"/>
+                </a:lnTo>
+                <a:close/>
+              </a:path>
+            </a:pathLst>
+          </a:custGeom>
+          <a:solidFill>
+            <a:schemeClr val="bg1">
+              <a:alpha val="30000"/>
+            </a:schemeClr>
+          </a:solidFill>
+          <a:ln>
+            <a:noFill/>
+          </a:ln>
+        </p:spPr>
+        <p:style>
+          <a:lnRef idx="2">
+            <a:schemeClr val="accent1">
+              <a:shade val="50000"/>
+            </a:schemeClr>
+          </a:lnRef>
+          <a:fillRef idx="1">
+            <a:schemeClr val="accent1"/>
+          </a:fillRef>
+          <a:effectRef idx="0">
+            <a:schemeClr val="accent1"/>
+          </a:effectRef>
+          <a:fontRef idx="minor">
+            <a:schemeClr val="lt1"/>
+          </a:fontRef>
+        </p:style>
+        <p:txBody>
+          <a:bodyPr rtlCol="0" anchor="ctr"/>
+          <a:lstStyle/>
+          <a:p>
+            <a:pPr marL="0" marR="0" lvl="0" indent="0" algn="ctr" defTabSz="914400" rtl="0" eaLnBrk="1" fontAlgn="auto" latinLnBrk="0" hangingPunct="1">
+              <a:lnSpc>
+                <a:spcPct val="100000"/>
+              </a:lnSpc>
+              <a:spcBef>
+                <a:spcPts val="0"/>
+              </a:spcBef>
+              <a:spcAft>
+                <a:spcPts val="0"/>
+              </a:spcAft>
+              <a:buClrTx/>
+              <a:buSzTx/>
+              <a:buFontTx/>
+              <a:buNone/>
+              <a:tabLst/>
+              <a:defRPr/>
+            </a:pPr>
+            <a:endParaRPr kumimoji="0" lang="en-US" sz="1800" b="0" i="0" u="none" strike="noStrike" kern="1200" cap="none" spc="0" normalizeH="0" baseline="0" noProof="0">
+              <a:ln>
+                <a:noFill/>
+              </a:ln>
+              <a:solidFill>
+                <a:prstClr val="white"/>
+              </a:solidFill>
+              <a:effectLst/>
+              <a:uLnTx/>
+              <a:uFillTx/>
+              <a:latin typeface="Calibri" panose="020F0502020204030204"/>
+              <a:ea typeface="+mn-ea"/>
+              <a:cs typeface="+mn-cs"/>
+            </a:endParaRPr>
+          </a:p>
+        </p:txBody>
+      </p:sp>
+      <p:sp>
+        <p:nvSpPr>
+          <p:cNvPr id="27" name="Freeform 11">
+            <a:extLst>
+              <a:ext uri="{FF2B5EF4-FFF2-40B4-BE49-F238E27FC236}">
+                <a16:creationId xmlns="" xmlns:a16="http://schemas.microsoft.com/office/drawing/2014/main" id="{FBE3B62F-5853-4A3C-B050-6186351A7176}"/>
+              </a:ext>
+            </a:extLst>
+          </p:cNvPr>
+          <p:cNvSpPr>
+            <a:spLocks noGrp="1" noRot="1" noChangeAspect="1" noMove="1" noResize="1" noEditPoints="1" noAdjustHandles="1" noChangeArrowheads="1" noChangeShapeType="1" noTextEdit="1"/>
+          </p:cNvSpPr>
+          <p:nvPr>
+            <p:extLst>
+              <p:ext uri="{386F3935-93C4-4BCD-93E2-E3B085C9AB24}">
+                <p16:designElem xmlns="" xmlns:p16="http://schemas.microsoft.com/office/powerpoint/2015/main" val="1"/>
+              </p:ext>
+            </p:extLst>
+          </p:nvPr>
+        </p:nvSpPr>
+        <p:spPr>
+          <a:xfrm>
+            <a:off x="0" y="0"/>
+            <a:ext cx="3581400" cy="6858000"/>
+          </a:xfrm>
+          <a:custGeom>
+            <a:avLst/>
+            <a:gdLst>
+              <a:gd name="connsiteX0" fmla="*/ 0 w 3581400"/>
+              <a:gd name="connsiteY0" fmla="*/ 0 h 6858000"/>
+              <a:gd name="connsiteX1" fmla="*/ 405246 w 3581400"/>
+              <a:gd name="connsiteY1" fmla="*/ 0 h 6858000"/>
+              <a:gd name="connsiteX2" fmla="*/ 3581400 w 3581400"/>
+              <a:gd name="connsiteY2" fmla="*/ 6858000 h 6858000"/>
+              <a:gd name="connsiteX3" fmla="*/ 0 w 3581400"/>
+              <a:gd name="connsiteY3" fmla="*/ 6858000 h 6858000"/>
+            </a:gdLst>
+            <a:ahLst/>
+            <a:cxnLst>
+              <a:cxn ang="0">
+                <a:pos x="connsiteX0" y="connsiteY0"/>
+              </a:cxn>
+              <a:cxn ang="0">
+                <a:pos x="connsiteX1" y="connsiteY1"/>
+              </a:cxn>
+              <a:cxn ang="0">
+                <a:pos x="connsiteX2" y="connsiteY2"/>
+              </a:cxn>
+              <a:cxn ang="0">
+                <a:pos x="connsiteX3" y="connsiteY3"/>
+              </a:cxn>
+            </a:cxnLst>
+            <a:rect l="l" t="t" r="r" b="b"/>
+            <a:pathLst>
+              <a:path w="3581400" h="6858000">
+                <a:moveTo>
+                  <a:pt x="0" y="0"/>
+                </a:moveTo>
+                <a:lnTo>
+                  <a:pt x="405246" y="0"/>
+                </a:lnTo>
+                <a:lnTo>
+                  <a:pt x="3581400" y="6858000"/>
+                </a:lnTo>
+                <a:lnTo>
+                  <a:pt x="0" y="6858000"/>
+                </a:lnTo>
+                <a:close/>
+              </a:path>
+            </a:pathLst>
+          </a:custGeom>
+          <a:solidFill>
+            <a:schemeClr val="bg1">
+              <a:alpha val="30000"/>
+            </a:schemeClr>
+          </a:solidFill>
+          <a:ln>
+            <a:noFill/>
+          </a:ln>
+        </p:spPr>
+        <p:style>
+          <a:lnRef idx="2">
+            <a:schemeClr val="accent1">
+              <a:shade val="50000"/>
+            </a:schemeClr>
+          </a:lnRef>
+          <a:fillRef idx="1">
+            <a:schemeClr val="accent1"/>
+          </a:fillRef>
+          <a:effectRef idx="0">
+            <a:schemeClr val="accent1"/>
+          </a:effectRef>
+          <a:fontRef idx="minor">
+            <a:schemeClr val="lt1"/>
+          </a:fontRef>
+        </p:style>
+        <p:txBody>
+          <a:bodyPr wrap="square" rtlCol="0" anchor="ctr">
+            <a:noAutofit/>
+          </a:bodyPr>
+          <a:lstStyle/>
+          <a:p>
+            <a:pPr marL="0" marR="0" lvl="0" indent="0" algn="ctr" defTabSz="914400" rtl="0" eaLnBrk="1" fontAlgn="auto" latinLnBrk="0" hangingPunct="1">
+              <a:lnSpc>
+                <a:spcPct val="100000"/>
+              </a:lnSpc>
+              <a:spcBef>
+                <a:spcPts val="0"/>
+              </a:spcBef>
+              <a:spcAft>
+                <a:spcPts val="0"/>
+              </a:spcAft>
+              <a:buClrTx/>
+              <a:buSzTx/>
+              <a:buFontTx/>
+              <a:buNone/>
+              <a:tabLst/>
+              <a:defRPr/>
+            </a:pPr>
+            <a:endParaRPr kumimoji="0" lang="en-US" sz="1800" b="0" i="0" u="none" strike="noStrike" kern="1200" cap="none" spc="0" normalizeH="0" baseline="0" noProof="0">
+              <a:ln>
+                <a:noFill/>
+              </a:ln>
+              <a:solidFill>
+                <a:prstClr val="white"/>
+              </a:solidFill>
+              <a:effectLst/>
+              <a:uLnTx/>
+              <a:uFillTx/>
+              <a:latin typeface="Calibri" panose="020F0502020204030204"/>
+              <a:ea typeface="+mn-ea"/>
+              <a:cs typeface="+mn-cs"/>
+            </a:endParaRPr>
+          </a:p>
+        </p:txBody>
+      </p:sp>
+      <p:sp>
+        <p:nvSpPr>
+          <p:cNvPr id="2" name="Title 1">
+            <a:extLst>
+              <a:ext uri="{FF2B5EF4-FFF2-40B4-BE49-F238E27FC236}">
+                <a16:creationId xmlns="" xmlns:a16="http://schemas.microsoft.com/office/drawing/2014/main" id="{A5F6196D-B07E-499E-92C0-6953CE9F25D4}"/>
+              </a:ext>
+            </a:extLst>
+          </p:cNvPr>
+          <p:cNvSpPr>
+            <a:spLocks noGrp="1"/>
+          </p:cNvSpPr>
+          <p:nvPr>
+            <p:ph type="title"/>
+          </p:nvPr>
+        </p:nvSpPr>
+        <p:spPr>
+          <a:xfrm>
+            <a:off x="833002" y="448253"/>
+            <a:ext cx="10520702" cy="1325563"/>
+          </a:xfrm>
+        </p:spPr>
+        <p:txBody>
+          <a:bodyPr>
+            <a:normAutofit/>
+          </a:bodyPr>
+          <a:lstStyle/>
+          <a:p>
+            <a:pPr algn="ctr"/>
+            <a:r>
+              <a:rPr lang="en-US" b="1" dirty="0"/>
+              <a:t>Programming</a:t>
+            </a:r>
+          </a:p>
+        </p:txBody>
+      </p:sp>
+      <p:sp>
+        <p:nvSpPr>
+          <p:cNvPr id="17" name="Content Placeholder 16">
+            <a:extLst>
+              <a:ext uri="{FF2B5EF4-FFF2-40B4-BE49-F238E27FC236}">
+                <a16:creationId xmlns="" xmlns:a16="http://schemas.microsoft.com/office/drawing/2014/main" id="{5FDBA27F-9676-4EE6-B75A-C35B42A0CD81}"/>
               </a:ext>
             </a:extLst>
           </p:cNvPr>
@@ -5006,7 +5964,7 @@
           <p:cNvPr id="7" name="Content Placeholder 16">
             <a:extLst>
               <a:ext uri="{FF2B5EF4-FFF2-40B4-BE49-F238E27FC236}">
-                <a16:creationId xmlns:a16="http://schemas.microsoft.com/office/drawing/2014/main" xmlns="" id="{2EB59021-5213-4CC4-A172-D96F2D2AFEFC}"/>
+                <a16:creationId xmlns="" xmlns:a16="http://schemas.microsoft.com/office/drawing/2014/main" id="{2EB59021-5213-4CC4-A172-D96F2D2AFEFC}"/>
               </a:ext>
             </a:extLst>
           </p:cNvPr>
@@ -5237,7 +6195,7 @@
 </p:sld>
 </file>
 
-<file path=ppt/slides/slide12.xml><?xml version="1.0" encoding="utf-8"?>
+<file path=ppt/slides/slide14.xml><?xml version="1.0" encoding="utf-8"?>
 <p:sld xmlns:a="http://schemas.openxmlformats.org/drawingml/2006/main" xmlns:r="http://schemas.openxmlformats.org/officeDocument/2006/relationships" xmlns:p="http://schemas.openxmlformats.org/presentationml/2006/main">
   <p:cSld>
     <p:bg>
@@ -5270,7 +6228,7 @@
           <p:cNvPr id="23" name="Rectangle 22">
             <a:extLst>
               <a:ext uri="{FF2B5EF4-FFF2-40B4-BE49-F238E27FC236}">
-                <a16:creationId xmlns:a16="http://schemas.microsoft.com/office/drawing/2014/main" xmlns="" id="{EE1FC7B4-E4A7-4452-B413-1A623E3A7230}"/>
+                <a16:creationId xmlns="" xmlns:a16="http://schemas.microsoft.com/office/drawing/2014/main" id="{EE1FC7B4-E4A7-4452-B413-1A623E3A7230}"/>
               </a:ext>
             </a:extLst>
           </p:cNvPr>
@@ -5280,7 +6238,7 @@
           <p:nvPr>
             <p:extLst>
               <p:ext uri="{386F3935-93C4-4BCD-93E2-E3B085C9AB24}">
-                <p16:designElem xmlns:p16="http://schemas.microsoft.com/office/powerpoint/2015/main" xmlns="" val="1"/>
+                <p16:designElem xmlns="" xmlns:p16="http://schemas.microsoft.com/office/powerpoint/2015/main" val="1"/>
               </p:ext>
             </p:extLst>
           </p:nvPr>
@@ -5361,7 +6319,7 @@
           <p:cNvPr id="25" name="Freeform 13">
             <a:extLst>
               <a:ext uri="{FF2B5EF4-FFF2-40B4-BE49-F238E27FC236}">
-                <a16:creationId xmlns:a16="http://schemas.microsoft.com/office/drawing/2014/main" xmlns="" id="{E0709AF0-24F0-4486-B189-BE6386BDB198}"/>
+                <a16:creationId xmlns="" xmlns:a16="http://schemas.microsoft.com/office/drawing/2014/main" id="{E0709AF0-24F0-4486-B189-BE6386BDB198}"/>
               </a:ext>
             </a:extLst>
           </p:cNvPr>
@@ -5371,7 +6329,7 @@
           <p:nvPr>
             <p:extLst>
               <p:ext uri="{386F3935-93C4-4BCD-93E2-E3B085C9AB24}">
-                <p16:designElem xmlns:p16="http://schemas.microsoft.com/office/powerpoint/2015/main" xmlns="" val="1"/>
+                <p16:designElem xmlns="" xmlns:p16="http://schemas.microsoft.com/office/powerpoint/2015/main" val="1"/>
               </p:ext>
             </p:extLst>
           </p:nvPr>
@@ -5495,7 +6453,7 @@
           <p:cNvPr id="27" name="Freeform 11">
             <a:extLst>
               <a:ext uri="{FF2B5EF4-FFF2-40B4-BE49-F238E27FC236}">
-                <a16:creationId xmlns:a16="http://schemas.microsoft.com/office/drawing/2014/main" xmlns="" id="{FBE3B62F-5853-4A3C-B050-6186351A7176}"/>
+                <a16:creationId xmlns="" xmlns:a16="http://schemas.microsoft.com/office/drawing/2014/main" id="{FBE3B62F-5853-4A3C-B050-6186351A7176}"/>
               </a:ext>
             </a:extLst>
           </p:cNvPr>
@@ -5505,7 +6463,7 @@
           <p:nvPr>
             <p:extLst>
               <p:ext uri="{386F3935-93C4-4BCD-93E2-E3B085C9AB24}">
-                <p16:designElem xmlns:p16="http://schemas.microsoft.com/office/powerpoint/2015/main" xmlns="" val="1"/>
+                <p16:designElem xmlns="" xmlns:p16="http://schemas.microsoft.com/office/powerpoint/2015/main" val="1"/>
               </p:ext>
             </p:extLst>
           </p:nvPr>
@@ -5631,7 +6589,7 @@
           <p:cNvPr id="2" name="Title 1">
             <a:extLst>
               <a:ext uri="{FF2B5EF4-FFF2-40B4-BE49-F238E27FC236}">
-                <a16:creationId xmlns:a16="http://schemas.microsoft.com/office/drawing/2014/main" xmlns="" id="{A5F6196D-B07E-499E-92C0-6953CE9F25D4}"/>
+                <a16:creationId xmlns="" xmlns:a16="http://schemas.microsoft.com/office/drawing/2014/main" id="{A5F6196D-B07E-499E-92C0-6953CE9F25D4}"/>
               </a:ext>
             </a:extLst>
           </p:cNvPr>
@@ -5667,7 +6625,7 @@
           <p:cNvPr id="17" name="Content Placeholder 16">
             <a:extLst>
               <a:ext uri="{FF2B5EF4-FFF2-40B4-BE49-F238E27FC236}">
-                <a16:creationId xmlns:a16="http://schemas.microsoft.com/office/drawing/2014/main" xmlns="" id="{5FDBA27F-9676-4EE6-B75A-C35B42A0CD81}"/>
+                <a16:creationId xmlns="" xmlns:a16="http://schemas.microsoft.com/office/drawing/2014/main" id="{5FDBA27F-9676-4EE6-B75A-C35B42A0CD81}"/>
               </a:ext>
             </a:extLst>
           </p:cNvPr>
@@ -5795,7 +6753,7 @@
 </p:sld>
 </file>
 
-<file path=ppt/slides/slide13.xml><?xml version="1.0" encoding="utf-8"?>
+<file path=ppt/slides/slide15.xml><?xml version="1.0" encoding="utf-8"?>
 <p:sld xmlns:a="http://schemas.openxmlformats.org/drawingml/2006/main" xmlns:r="http://schemas.openxmlformats.org/officeDocument/2006/relationships" xmlns:p="http://schemas.openxmlformats.org/presentationml/2006/main">
   <p:cSld>
     <p:bg>
@@ -5828,7 +6786,7 @@
           <p:cNvPr id="23" name="Rectangle 22">
             <a:extLst>
               <a:ext uri="{FF2B5EF4-FFF2-40B4-BE49-F238E27FC236}">
-                <a16:creationId xmlns:a16="http://schemas.microsoft.com/office/drawing/2014/main" xmlns="" id="{EE1FC7B4-E4A7-4452-B413-1A623E3A7230}"/>
+                <a16:creationId xmlns="" xmlns:a16="http://schemas.microsoft.com/office/drawing/2014/main" id="{EE1FC7B4-E4A7-4452-B413-1A623E3A7230}"/>
               </a:ext>
             </a:extLst>
           </p:cNvPr>
@@ -5838,7 +6796,7 @@
           <p:nvPr>
             <p:extLst>
               <p:ext uri="{386F3935-93C4-4BCD-93E2-E3B085C9AB24}">
-                <p16:designElem xmlns:p16="http://schemas.microsoft.com/office/powerpoint/2015/main" xmlns="" val="1"/>
+                <p16:designElem xmlns="" xmlns:p16="http://schemas.microsoft.com/office/powerpoint/2015/main" val="1"/>
               </p:ext>
             </p:extLst>
           </p:nvPr>
@@ -5919,7 +6877,7 @@
           <p:cNvPr id="25" name="Freeform 13">
             <a:extLst>
               <a:ext uri="{FF2B5EF4-FFF2-40B4-BE49-F238E27FC236}">
-                <a16:creationId xmlns:a16="http://schemas.microsoft.com/office/drawing/2014/main" xmlns="" id="{E0709AF0-24F0-4486-B189-BE6386BDB198}"/>
+                <a16:creationId xmlns="" xmlns:a16="http://schemas.microsoft.com/office/drawing/2014/main" id="{E0709AF0-24F0-4486-B189-BE6386BDB198}"/>
               </a:ext>
             </a:extLst>
           </p:cNvPr>
@@ -5929,7 +6887,7 @@
           <p:nvPr>
             <p:extLst>
               <p:ext uri="{386F3935-93C4-4BCD-93E2-E3B085C9AB24}">
-                <p16:designElem xmlns:p16="http://schemas.microsoft.com/office/powerpoint/2015/main" xmlns="" val="1"/>
+                <p16:designElem xmlns="" xmlns:p16="http://schemas.microsoft.com/office/powerpoint/2015/main" val="1"/>
               </p:ext>
             </p:extLst>
           </p:nvPr>
@@ -6053,7 +7011,7 @@
           <p:cNvPr id="27" name="Freeform 11">
             <a:extLst>
               <a:ext uri="{FF2B5EF4-FFF2-40B4-BE49-F238E27FC236}">
-                <a16:creationId xmlns:a16="http://schemas.microsoft.com/office/drawing/2014/main" xmlns="" id="{FBE3B62F-5853-4A3C-B050-6186351A7176}"/>
+                <a16:creationId xmlns="" xmlns:a16="http://schemas.microsoft.com/office/drawing/2014/main" id="{FBE3B62F-5853-4A3C-B050-6186351A7176}"/>
               </a:ext>
             </a:extLst>
           </p:cNvPr>
@@ -6063,7 +7021,7 @@
           <p:nvPr>
             <p:extLst>
               <p:ext uri="{386F3935-93C4-4BCD-93E2-E3B085C9AB24}">
-                <p16:designElem xmlns:p16="http://schemas.microsoft.com/office/powerpoint/2015/main" xmlns="" val="1"/>
+                <p16:designElem xmlns="" xmlns:p16="http://schemas.microsoft.com/office/powerpoint/2015/main" val="1"/>
               </p:ext>
             </p:extLst>
           </p:nvPr>
@@ -6189,7 +7147,7 @@
           <p:cNvPr id="2" name="Title 1">
             <a:extLst>
               <a:ext uri="{FF2B5EF4-FFF2-40B4-BE49-F238E27FC236}">
-                <a16:creationId xmlns:a16="http://schemas.microsoft.com/office/drawing/2014/main" xmlns="" id="{A5F6196D-B07E-499E-92C0-6953CE9F25D4}"/>
+                <a16:creationId xmlns="" xmlns:a16="http://schemas.microsoft.com/office/drawing/2014/main" id="{A5F6196D-B07E-499E-92C0-6953CE9F25D4}"/>
               </a:ext>
             </a:extLst>
           </p:cNvPr>
@@ -6214,7 +7172,7 @@
           <a:p>
             <a:pPr algn="ctr"/>
             <a:r>
-              <a:rPr lang="en-US" b="1" smtClean="0"/>
+              <a:rPr lang="en-US" b="1" dirty="0" smtClean="0"/>
               <a:t>Comments</a:t>
             </a:r>
             <a:endParaRPr lang="en-US" b="1" dirty="0"/>
@@ -6270,7 +7228,7 @@
 </p:sld>
 </file>
 
-<file path=ppt/slides/slide14.xml><?xml version="1.0" encoding="utf-8"?>
+<file path=ppt/slides/slide16.xml><?xml version="1.0" encoding="utf-8"?>
 <p:sld xmlns:a="http://schemas.openxmlformats.org/drawingml/2006/main" xmlns:r="http://schemas.openxmlformats.org/officeDocument/2006/relationships" xmlns:p="http://schemas.openxmlformats.org/presentationml/2006/main">
   <p:cSld>
     <p:bg>
@@ -6303,7 +7261,7 @@
           <p:cNvPr id="23" name="Rectangle 22">
             <a:extLst>
               <a:ext uri="{FF2B5EF4-FFF2-40B4-BE49-F238E27FC236}">
-                <a16:creationId xmlns:a16="http://schemas.microsoft.com/office/drawing/2014/main" xmlns="" id="{EE1FC7B4-E4A7-4452-B413-1A623E3A7230}"/>
+                <a16:creationId xmlns="" xmlns:a16="http://schemas.microsoft.com/office/drawing/2014/main" id="{EE1FC7B4-E4A7-4452-B413-1A623E3A7230}"/>
               </a:ext>
             </a:extLst>
           </p:cNvPr>
@@ -6313,7 +7271,7 @@
           <p:nvPr>
             <p:extLst>
               <p:ext uri="{386F3935-93C4-4BCD-93E2-E3B085C9AB24}">
-                <p16:designElem xmlns:p16="http://schemas.microsoft.com/office/powerpoint/2015/main" xmlns="" val="1"/>
+                <p16:designElem xmlns="" xmlns:p16="http://schemas.microsoft.com/office/powerpoint/2015/main" val="1"/>
               </p:ext>
             </p:extLst>
           </p:nvPr>
@@ -6394,7 +7352,7 @@
           <p:cNvPr id="25" name="Freeform 13">
             <a:extLst>
               <a:ext uri="{FF2B5EF4-FFF2-40B4-BE49-F238E27FC236}">
-                <a16:creationId xmlns:a16="http://schemas.microsoft.com/office/drawing/2014/main" xmlns="" id="{E0709AF0-24F0-4486-B189-BE6386BDB198}"/>
+                <a16:creationId xmlns="" xmlns:a16="http://schemas.microsoft.com/office/drawing/2014/main" id="{E0709AF0-24F0-4486-B189-BE6386BDB198}"/>
               </a:ext>
             </a:extLst>
           </p:cNvPr>
@@ -6404,7 +7362,7 @@
           <p:nvPr>
             <p:extLst>
               <p:ext uri="{386F3935-93C4-4BCD-93E2-E3B085C9AB24}">
-                <p16:designElem xmlns:p16="http://schemas.microsoft.com/office/powerpoint/2015/main" xmlns="" val="1"/>
+                <p16:designElem xmlns="" xmlns:p16="http://schemas.microsoft.com/office/powerpoint/2015/main" val="1"/>
               </p:ext>
             </p:extLst>
           </p:nvPr>
@@ -6528,7 +7486,7 @@
           <p:cNvPr id="27" name="Freeform 11">
             <a:extLst>
               <a:ext uri="{FF2B5EF4-FFF2-40B4-BE49-F238E27FC236}">
-                <a16:creationId xmlns:a16="http://schemas.microsoft.com/office/drawing/2014/main" xmlns="" id="{FBE3B62F-5853-4A3C-B050-6186351A7176}"/>
+                <a16:creationId xmlns="" xmlns:a16="http://schemas.microsoft.com/office/drawing/2014/main" id="{FBE3B62F-5853-4A3C-B050-6186351A7176}"/>
               </a:ext>
             </a:extLst>
           </p:cNvPr>
@@ -6538,7 +7496,7 @@
           <p:nvPr>
             <p:extLst>
               <p:ext uri="{386F3935-93C4-4BCD-93E2-E3B085C9AB24}">
-                <p16:designElem xmlns:p16="http://schemas.microsoft.com/office/powerpoint/2015/main" xmlns="" val="1"/>
+                <p16:designElem xmlns="" xmlns:p16="http://schemas.microsoft.com/office/powerpoint/2015/main" val="1"/>
               </p:ext>
             </p:extLst>
           </p:nvPr>
@@ -6709,7 +7667,7 @@
 </p:sld>
 </file>
 
-<file path=ppt/slides/slide15.xml><?xml version="1.0" encoding="utf-8"?>
+<file path=ppt/slides/slide17.xml><?xml version="1.0" encoding="utf-8"?>
 <p:sld xmlns:a="http://schemas.openxmlformats.org/drawingml/2006/main" xmlns:r="http://schemas.openxmlformats.org/officeDocument/2006/relationships" xmlns:p="http://schemas.openxmlformats.org/presentationml/2006/main">
   <p:cSld>
     <p:bg>
@@ -6742,7 +7700,7 @@
           <p:cNvPr id="23" name="Rectangle 22">
             <a:extLst>
               <a:ext uri="{FF2B5EF4-FFF2-40B4-BE49-F238E27FC236}">
-                <a16:creationId xmlns:a16="http://schemas.microsoft.com/office/drawing/2014/main" xmlns="" id="{EE1FC7B4-E4A7-4452-B413-1A623E3A7230}"/>
+                <a16:creationId xmlns="" xmlns:a16="http://schemas.microsoft.com/office/drawing/2014/main" id="{EE1FC7B4-E4A7-4452-B413-1A623E3A7230}"/>
               </a:ext>
             </a:extLst>
           </p:cNvPr>
@@ -6752,7 +7710,7 @@
           <p:nvPr>
             <p:extLst>
               <p:ext uri="{386F3935-93C4-4BCD-93E2-E3B085C9AB24}">
-                <p16:designElem xmlns:p16="http://schemas.microsoft.com/office/powerpoint/2015/main" xmlns="" val="1"/>
+                <p16:designElem xmlns="" xmlns:p16="http://schemas.microsoft.com/office/powerpoint/2015/main" val="1"/>
               </p:ext>
             </p:extLst>
           </p:nvPr>
@@ -6833,7 +7791,7 @@
           <p:cNvPr id="25" name="Freeform 13">
             <a:extLst>
               <a:ext uri="{FF2B5EF4-FFF2-40B4-BE49-F238E27FC236}">
-                <a16:creationId xmlns:a16="http://schemas.microsoft.com/office/drawing/2014/main" xmlns="" id="{E0709AF0-24F0-4486-B189-BE6386BDB198}"/>
+                <a16:creationId xmlns="" xmlns:a16="http://schemas.microsoft.com/office/drawing/2014/main" id="{E0709AF0-24F0-4486-B189-BE6386BDB198}"/>
               </a:ext>
             </a:extLst>
           </p:cNvPr>
@@ -6843,7 +7801,7 @@
           <p:nvPr>
             <p:extLst>
               <p:ext uri="{386F3935-93C4-4BCD-93E2-E3B085C9AB24}">
-                <p16:designElem xmlns:p16="http://schemas.microsoft.com/office/powerpoint/2015/main" xmlns="" val="1"/>
+                <p16:designElem xmlns="" xmlns:p16="http://schemas.microsoft.com/office/powerpoint/2015/main" val="1"/>
               </p:ext>
             </p:extLst>
           </p:nvPr>
@@ -6967,7 +7925,7 @@
           <p:cNvPr id="27" name="Freeform 11">
             <a:extLst>
               <a:ext uri="{FF2B5EF4-FFF2-40B4-BE49-F238E27FC236}">
-                <a16:creationId xmlns:a16="http://schemas.microsoft.com/office/drawing/2014/main" xmlns="" id="{FBE3B62F-5853-4A3C-B050-6186351A7176}"/>
+                <a16:creationId xmlns="" xmlns:a16="http://schemas.microsoft.com/office/drawing/2014/main" id="{FBE3B62F-5853-4A3C-B050-6186351A7176}"/>
               </a:ext>
             </a:extLst>
           </p:cNvPr>
@@ -6977,7 +7935,7 @@
           <p:nvPr>
             <p:extLst>
               <p:ext uri="{386F3935-93C4-4BCD-93E2-E3B085C9AB24}">
-                <p16:designElem xmlns:p16="http://schemas.microsoft.com/office/powerpoint/2015/main" xmlns="" val="1"/>
+                <p16:designElem xmlns="" xmlns:p16="http://schemas.microsoft.com/office/powerpoint/2015/main" val="1"/>
               </p:ext>
             </p:extLst>
           </p:nvPr>
@@ -7148,7 +8106,7 @@
 </p:sld>
 </file>
 
-<file path=ppt/slides/slide16.xml><?xml version="1.0" encoding="utf-8"?>
+<file path=ppt/slides/slide18.xml><?xml version="1.0" encoding="utf-8"?>
 <p:sld xmlns:a="http://schemas.openxmlformats.org/drawingml/2006/main" xmlns:r="http://schemas.openxmlformats.org/officeDocument/2006/relationships" xmlns:p="http://schemas.openxmlformats.org/presentationml/2006/main">
   <p:cSld>
     <p:bg>
@@ -7181,7 +8139,7 @@
           <p:cNvPr id="23" name="Rectangle 22">
             <a:extLst>
               <a:ext uri="{FF2B5EF4-FFF2-40B4-BE49-F238E27FC236}">
-                <a16:creationId xmlns:a16="http://schemas.microsoft.com/office/drawing/2014/main" xmlns="" id="{EE1FC7B4-E4A7-4452-B413-1A623E3A7230}"/>
+                <a16:creationId xmlns="" xmlns:a16="http://schemas.microsoft.com/office/drawing/2014/main" id="{EE1FC7B4-E4A7-4452-B413-1A623E3A7230}"/>
               </a:ext>
             </a:extLst>
           </p:cNvPr>
@@ -7191,7 +8149,7 @@
           <p:nvPr>
             <p:extLst>
               <p:ext uri="{386F3935-93C4-4BCD-93E2-E3B085C9AB24}">
-                <p16:designElem xmlns:p16="http://schemas.microsoft.com/office/powerpoint/2015/main" xmlns="" val="1"/>
+                <p16:designElem xmlns="" xmlns:p16="http://schemas.microsoft.com/office/powerpoint/2015/main" val="1"/>
               </p:ext>
             </p:extLst>
           </p:nvPr>
@@ -7272,7 +8230,7 @@
           <p:cNvPr id="25" name="Freeform 13">
             <a:extLst>
               <a:ext uri="{FF2B5EF4-FFF2-40B4-BE49-F238E27FC236}">
-                <a16:creationId xmlns:a16="http://schemas.microsoft.com/office/drawing/2014/main" xmlns="" id="{E0709AF0-24F0-4486-B189-BE6386BDB198}"/>
+                <a16:creationId xmlns="" xmlns:a16="http://schemas.microsoft.com/office/drawing/2014/main" id="{E0709AF0-24F0-4486-B189-BE6386BDB198}"/>
               </a:ext>
             </a:extLst>
           </p:cNvPr>
@@ -7282,7 +8240,7 @@
           <p:nvPr>
             <p:extLst>
               <p:ext uri="{386F3935-93C4-4BCD-93E2-E3B085C9AB24}">
-                <p16:designElem xmlns:p16="http://schemas.microsoft.com/office/powerpoint/2015/main" xmlns="" val="1"/>
+                <p16:designElem xmlns="" xmlns:p16="http://schemas.microsoft.com/office/powerpoint/2015/main" val="1"/>
               </p:ext>
             </p:extLst>
           </p:nvPr>
@@ -7406,7 +8364,7 @@
           <p:cNvPr id="27" name="Freeform 11">
             <a:extLst>
               <a:ext uri="{FF2B5EF4-FFF2-40B4-BE49-F238E27FC236}">
-                <a16:creationId xmlns:a16="http://schemas.microsoft.com/office/drawing/2014/main" xmlns="" id="{FBE3B62F-5853-4A3C-B050-6186351A7176}"/>
+                <a16:creationId xmlns="" xmlns:a16="http://schemas.microsoft.com/office/drawing/2014/main" id="{FBE3B62F-5853-4A3C-B050-6186351A7176}"/>
               </a:ext>
             </a:extLst>
           </p:cNvPr>
@@ -7416,7 +8374,7 @@
           <p:nvPr>
             <p:extLst>
               <p:ext uri="{386F3935-93C4-4BCD-93E2-E3B085C9AB24}">
-                <p16:designElem xmlns:p16="http://schemas.microsoft.com/office/powerpoint/2015/main" xmlns="" val="1"/>
+                <p16:designElem xmlns="" xmlns:p16="http://schemas.microsoft.com/office/powerpoint/2015/main" val="1"/>
               </p:ext>
             </p:extLst>
           </p:nvPr>
@@ -7587,7 +8545,7 @@
 </p:sld>
 </file>
 
-<file path=ppt/slides/slide2.xml><?xml version="1.0" encoding="utf-8"?>
+<file path=ppt/slides/slide19.xml><?xml version="1.0" encoding="utf-8"?>
 <p:sld xmlns:a="http://schemas.openxmlformats.org/drawingml/2006/main" xmlns:r="http://schemas.openxmlformats.org/officeDocument/2006/relationships" xmlns:p="http://schemas.openxmlformats.org/presentationml/2006/main">
   <p:cSld>
     <p:bg>
@@ -7620,7 +8578,7 @@
           <p:cNvPr id="23" name="Rectangle 22">
             <a:extLst>
               <a:ext uri="{FF2B5EF4-FFF2-40B4-BE49-F238E27FC236}">
-                <a16:creationId xmlns:a16="http://schemas.microsoft.com/office/drawing/2014/main" xmlns="" id="{EE1FC7B4-E4A7-4452-B413-1A623E3A7230}"/>
+                <a16:creationId xmlns="" xmlns:a16="http://schemas.microsoft.com/office/drawing/2014/main" id="{EE1FC7B4-E4A7-4452-B413-1A623E3A7230}"/>
               </a:ext>
             </a:extLst>
           </p:cNvPr>
@@ -7630,7 +8588,7 @@
           <p:nvPr>
             <p:extLst>
               <p:ext uri="{386F3935-93C4-4BCD-93E2-E3B085C9AB24}">
-                <p16:designElem xmlns:p16="http://schemas.microsoft.com/office/powerpoint/2015/main" xmlns="" val="1"/>
+                <p16:designElem xmlns="" xmlns:p16="http://schemas.microsoft.com/office/powerpoint/2015/main" val="1"/>
               </p:ext>
             </p:extLst>
           </p:nvPr>
@@ -7711,7 +8669,7 @@
           <p:cNvPr id="25" name="Freeform 13">
             <a:extLst>
               <a:ext uri="{FF2B5EF4-FFF2-40B4-BE49-F238E27FC236}">
-                <a16:creationId xmlns:a16="http://schemas.microsoft.com/office/drawing/2014/main" xmlns="" id="{E0709AF0-24F0-4486-B189-BE6386BDB198}"/>
+                <a16:creationId xmlns="" xmlns:a16="http://schemas.microsoft.com/office/drawing/2014/main" id="{E0709AF0-24F0-4486-B189-BE6386BDB198}"/>
               </a:ext>
             </a:extLst>
           </p:cNvPr>
@@ -7721,7 +8679,7 @@
           <p:nvPr>
             <p:extLst>
               <p:ext uri="{386F3935-93C4-4BCD-93E2-E3B085C9AB24}">
-                <p16:designElem xmlns:p16="http://schemas.microsoft.com/office/powerpoint/2015/main" xmlns="" val="1"/>
+                <p16:designElem xmlns="" xmlns:p16="http://schemas.microsoft.com/office/powerpoint/2015/main" val="1"/>
               </p:ext>
             </p:extLst>
           </p:nvPr>
@@ -7845,7 +8803,7 @@
           <p:cNvPr id="27" name="Freeform 11">
             <a:extLst>
               <a:ext uri="{FF2B5EF4-FFF2-40B4-BE49-F238E27FC236}">
-                <a16:creationId xmlns:a16="http://schemas.microsoft.com/office/drawing/2014/main" xmlns="" id="{FBE3B62F-5853-4A3C-B050-6186351A7176}"/>
+                <a16:creationId xmlns="" xmlns:a16="http://schemas.microsoft.com/office/drawing/2014/main" id="{FBE3B62F-5853-4A3C-B050-6186351A7176}"/>
               </a:ext>
             </a:extLst>
           </p:cNvPr>
@@ -7855,7 +8813,7 @@
           <p:nvPr>
             <p:extLst>
               <p:ext uri="{386F3935-93C4-4BCD-93E2-E3B085C9AB24}">
-                <p16:designElem xmlns:p16="http://schemas.microsoft.com/office/powerpoint/2015/main" xmlns="" val="1"/>
+                <p16:designElem xmlns="" xmlns:p16="http://schemas.microsoft.com/office/powerpoint/2015/main" val="1"/>
               </p:ext>
             </p:extLst>
           </p:nvPr>
@@ -7978,104 +8936,51 @@
       </p:sp>
       <p:sp>
         <p:nvSpPr>
-          <p:cNvPr id="15" name="Title 1">
-            <a:extLst>
-              <a:ext uri="{FF2B5EF4-FFF2-40B4-BE49-F238E27FC236}">
-                <a16:creationId xmlns:a16="http://schemas.microsoft.com/office/drawing/2014/main" xmlns="" id="{48EC109C-56A4-422C-9F35-8567F8D624CE}"/>
-              </a:ext>
-            </a:extLst>
-          </p:cNvPr>
-          <p:cNvSpPr txBox="1">
-            <a:spLocks/>
-          </p:cNvSpPr>
-          <p:nvPr/>
+          <p:cNvPr id="7" name="Title 1">
+            <a:extLst>
+              <a:ext uri="{FF2B5EF4-FFF2-40B4-BE49-F238E27FC236}">
+                <a16:creationId xmlns="" xmlns:a16="http://schemas.microsoft.com/office/drawing/2014/main" id="{A5F6196D-B07E-499E-92C0-6953CE9F25D4}"/>
+              </a:ext>
+            </a:extLst>
+          </p:cNvPr>
+          <p:cNvSpPr>
+            <a:spLocks noGrp="1"/>
+          </p:cNvSpPr>
+          <p:nvPr>
+            <p:ph type="title"/>
+          </p:nvPr>
         </p:nvSpPr>
         <p:spPr>
           <a:xfrm>
-            <a:off x="1235241" y="818654"/>
-            <a:ext cx="9144000" cy="1026645"/>
+            <a:off x="833002" y="704007"/>
+            <a:ext cx="10520702" cy="814055"/>
           </a:xfrm>
-          <a:prstGeom prst="rect">
-            <a:avLst/>
-          </a:prstGeom>
         </p:spPr>
         <p:txBody>
-          <a:bodyPr vert="horz" lIns="91440" tIns="45720" rIns="91440" bIns="45720" rtlCol="0" anchor="ctr">
-            <a:noAutofit/>
+          <a:bodyPr>
+            <a:normAutofit/>
           </a:bodyPr>
-          <a:lstStyle>
-            <a:lvl1pPr algn="l" defTabSz="914400" rtl="0" eaLnBrk="1" latinLnBrk="0" hangingPunct="1">
-              <a:lnSpc>
-                <a:spcPct val="90000"/>
-              </a:lnSpc>
-              <a:spcBef>
-                <a:spcPct val="0"/>
-              </a:spcBef>
-              <a:buNone/>
-              <a:defRPr sz="4400" kern="1200">
-                <a:solidFill>
-                  <a:schemeClr val="tx1"/>
-                </a:solidFill>
-                <a:latin typeface="+mj-lt"/>
-                <a:ea typeface="+mj-ea"/>
-                <a:cs typeface="+mj-cs"/>
-              </a:defRPr>
-            </a:lvl1pPr>
-          </a:lstStyle>
-          <a:p>
-            <a:pPr marL="0" marR="0" lvl="0" indent="0" algn="ctr" defTabSz="914400" rtl="0" eaLnBrk="1" fontAlgn="auto" latinLnBrk="0" hangingPunct="1">
-              <a:lnSpc>
-                <a:spcPct val="90000"/>
-              </a:lnSpc>
-              <a:spcBef>
-                <a:spcPct val="0"/>
-              </a:spcBef>
-              <a:spcAft>
-                <a:spcPts val="0"/>
-              </a:spcAft>
-              <a:buClrTx/>
-              <a:buSzTx/>
-              <a:buFontTx/>
-              <a:buNone/>
-              <a:tabLst/>
-              <a:defRPr/>
-            </a:pPr>
-            <a:r>
-              <a:rPr kumimoji="0" lang="en-US" sz="9600" b="1" i="0" u="none" strike="noStrike" kern="1200" cap="none" spc="0" normalizeH="0" baseline="0" noProof="0" dirty="0">
-                <a:ln>
-                  <a:noFill/>
-                </a:ln>
-                <a:solidFill>
-                  <a:prstClr val="white"/>
-                </a:solidFill>
-                <a:effectLst/>
-                <a:uLnTx/>
-                <a:uFillTx/>
-                <a:latin typeface="Calibri" panose="020F0502020204030204"/>
-                <a:ea typeface="+mj-ea"/>
-                <a:cs typeface="+mj-cs"/>
-              </a:rPr>
-              <a:t>St. Pete IoT</a:t>
-            </a:r>
+          <a:lstStyle/>
+          <a:p>
+            <a:pPr algn="ctr"/>
+            <a:r>
+              <a:rPr lang="en-US" b="1" dirty="0" smtClean="0"/>
+              <a:t>Sample Projects</a:t>
+            </a:r>
+            <a:endParaRPr lang="en-US" b="1" dirty="0"/>
           </a:p>
         </p:txBody>
       </p:sp>
       <p:pic>
         <p:nvPicPr>
-          <p:cNvPr id="16" name="Picture 15">
-            <a:extLst>
-              <a:ext uri="{FF2B5EF4-FFF2-40B4-BE49-F238E27FC236}">
-                <a16:creationId xmlns:a16="http://schemas.microsoft.com/office/drawing/2014/main" xmlns="" id="{F6726E6B-363C-4E50-8446-79407E2AEB25}"/>
-              </a:ext>
-            </a:extLst>
-          </p:cNvPr>
+          <p:cNvPr id="5" name="Picture 4"/>
           <p:cNvPicPr>
             <a:picLocks noChangeAspect="1"/>
           </p:cNvPicPr>
           <p:nvPr/>
         </p:nvPicPr>
         <p:blipFill>
-          <a:blip r:embed="rId2" cstate="print">
+          <a:blip r:embed="rId2">
             <a:extLst>
               <a:ext uri="{28A0092B-C50C-407E-A947-70E740481C1C}">
                 <a14:useLocalDpi xmlns:a14="http://schemas.microsoft.com/office/drawing/2010/main" val="0"/>
@@ -8088,147 +8993,168 @@
         </p:blipFill>
         <p:spPr>
           <a:xfrm>
-            <a:off x="3257202" y="3173935"/>
-            <a:ext cx="5098181" cy="1565490"/>
+            <a:off x="276740" y="1886465"/>
+            <a:ext cx="4039887" cy="2271842"/>
           </a:xfrm>
           <a:prstGeom prst="rect">
             <a:avLst/>
           </a:prstGeom>
         </p:spPr>
       </p:pic>
-      <p:sp>
-        <p:nvSpPr>
-          <p:cNvPr id="19" name="TextBox 18">
-            <a:extLst>
-              <a:ext uri="{FF2B5EF4-FFF2-40B4-BE49-F238E27FC236}">
-                <a16:creationId xmlns:a16="http://schemas.microsoft.com/office/drawing/2014/main" xmlns="" id="{0853C66F-B064-4E12-9E48-5D11B374C147}"/>
-              </a:ext>
-            </a:extLst>
-          </p:cNvPr>
-          <p:cNvSpPr txBox="1"/>
+      <p:pic>
+        <p:nvPicPr>
+          <p:cNvPr id="6" name="Picture 5"/>
+          <p:cNvPicPr>
+            <a:picLocks noChangeAspect="1"/>
+          </p:cNvPicPr>
           <p:nvPr/>
-        </p:nvSpPr>
+        </p:nvPicPr>
+        <p:blipFill>
+          <a:blip r:embed="rId3">
+            <a:extLst>
+              <a:ext uri="{28A0092B-C50C-407E-A947-70E740481C1C}">
+                <a14:useLocalDpi xmlns:a14="http://schemas.microsoft.com/office/drawing/2010/main" val="0"/>
+              </a:ext>
+            </a:extLst>
+          </a:blip>
+          <a:stretch>
+            <a:fillRect/>
+          </a:stretch>
+        </p:blipFill>
         <p:spPr>
           <a:xfrm>
-            <a:off x="3798005" y="2196700"/>
-            <a:ext cx="4018471" cy="707886"/>
-          </a:xfrm>
-          <a:prstGeom prst="rect">
-            <a:avLst/>
-          </a:prstGeom>
-          <a:noFill/>
-        </p:spPr>
-        <p:txBody>
-          <a:bodyPr wrap="square" rtlCol="0">
-            <a:spAutoFit/>
-          </a:bodyPr>
-          <a:lstStyle/>
-          <a:p>
-            <a:pPr marL="0" marR="0" lvl="0" indent="0" algn="l" defTabSz="914400" rtl="0" eaLnBrk="1" fontAlgn="auto" latinLnBrk="0" hangingPunct="1">
-              <a:lnSpc>
-                <a:spcPct val="100000"/>
-              </a:lnSpc>
-              <a:spcBef>
-                <a:spcPts val="0"/>
-              </a:spcBef>
-              <a:spcAft>
-                <a:spcPts val="0"/>
-              </a:spcAft>
-              <a:buClrTx/>
-              <a:buSzTx/>
-              <a:buFontTx/>
-              <a:buNone/>
-              <a:tabLst/>
-              <a:defRPr/>
-            </a:pPr>
-            <a:r>
-              <a:rPr kumimoji="0" lang="en-US" sz="4000" b="0" i="0" u="none" strike="noStrike" kern="1200" cap="none" spc="0" normalizeH="0" baseline="0" noProof="0" dirty="0">
-                <a:ln>
-                  <a:noFill/>
-                </a:ln>
-                <a:solidFill>
-                  <a:srgbClr val="D6168A"/>
-                </a:solidFill>
-                <a:effectLst/>
-                <a:uLnTx/>
-                <a:uFillTx/>
-                <a:latin typeface="Calibri" panose="020F0502020204030204"/>
-                <a:ea typeface="+mn-ea"/>
-                <a:cs typeface="+mn-cs"/>
-              </a:rPr>
-              <a:t>Brought to you by</a:t>
-            </a:r>
-          </a:p>
-        </p:txBody>
-      </p:sp>
-      <p:sp>
-        <p:nvSpPr>
-          <p:cNvPr id="7" name="Rectangle 6">
-            <a:extLst>
-              <a:ext uri="{FF2B5EF4-FFF2-40B4-BE49-F238E27FC236}">
-                <a16:creationId xmlns:a16="http://schemas.microsoft.com/office/drawing/2014/main" xmlns="" id="{7605F2D1-1EC6-46B5-9601-DA1C25DA0B7A}"/>
-              </a:ext>
-            </a:extLst>
-          </p:cNvPr>
-          <p:cNvSpPr/>
-          <p:nvPr/>
-        </p:nvSpPr>
-        <p:spPr>
-          <a:xfrm>
-            <a:off x="3499077" y="5433094"/>
-            <a:ext cx="4616328" cy="646331"/>
+            <a:off x="4691225" y="1887624"/>
+            <a:ext cx="3026032" cy="2269524"/>
           </a:xfrm>
           <a:prstGeom prst="rect">
             <a:avLst/>
           </a:prstGeom>
         </p:spPr>
-        <p:txBody>
-          <a:bodyPr wrap="none">
-            <a:spAutoFit/>
-          </a:bodyPr>
-          <a:lstStyle/>
-          <a:p>
-            <a:pPr marL="0" marR="0" lvl="0" indent="0" algn="l" defTabSz="914400" rtl="0" eaLnBrk="1" fontAlgn="auto" latinLnBrk="0" hangingPunct="1">
-              <a:lnSpc>
-                <a:spcPct val="100000"/>
-              </a:lnSpc>
-              <a:spcBef>
-                <a:spcPts val="0"/>
-              </a:spcBef>
-              <a:spcAft>
-                <a:spcPts val="0"/>
-              </a:spcAft>
-              <a:buClrTx/>
-              <a:buSzTx/>
-              <a:buFontTx/>
-              <a:buNone/>
-              <a:tabLst/>
-              <a:defRPr/>
-            </a:pPr>
-            <a:r>
-              <a:rPr kumimoji="0" lang="en-US" sz="3600" b="0" i="0" u="none" strike="noStrike" kern="1200" cap="none" spc="0" normalizeH="0" baseline="0" noProof="0" dirty="0">
-                <a:ln>
-                  <a:noFill/>
-                </a:ln>
-                <a:solidFill>
-                  <a:srgbClr val="D6168A"/>
-                </a:solidFill>
-                <a:effectLst/>
-                <a:uLnTx/>
-                <a:uFillTx/>
-                <a:latin typeface="Calibri" panose="020F0502020204030204"/>
-                <a:ea typeface="+mn-ea"/>
-                <a:cs typeface="+mn-cs"/>
-              </a:rPr>
-              <a:t>Nicolas Mejia (FW Nick)</a:t>
-            </a:r>
-          </a:p>
-        </p:txBody>
-      </p:sp>
+      </p:pic>
+      <p:pic>
+        <p:nvPicPr>
+          <p:cNvPr id="10" name="Picture 9"/>
+          <p:cNvPicPr>
+            <a:picLocks noChangeAspect="1"/>
+          </p:cNvPicPr>
+          <p:nvPr/>
+        </p:nvPicPr>
+        <p:blipFill>
+          <a:blip r:embed="rId4">
+            <a:extLst>
+              <a:ext uri="{28A0092B-C50C-407E-A947-70E740481C1C}">
+                <a14:useLocalDpi xmlns:a14="http://schemas.microsoft.com/office/drawing/2010/main" val="0"/>
+              </a:ext>
+            </a:extLst>
+          </a:blip>
+          <a:stretch>
+            <a:fillRect/>
+          </a:stretch>
+        </p:blipFill>
+        <p:spPr>
+          <a:xfrm>
+            <a:off x="8688483" y="4357370"/>
+            <a:ext cx="3098271" cy="2323703"/>
+          </a:xfrm>
+          <a:prstGeom prst="rect">
+            <a:avLst/>
+          </a:prstGeom>
+        </p:spPr>
+      </p:pic>
+      <p:pic>
+        <p:nvPicPr>
+          <p:cNvPr id="11" name="Picture 10"/>
+          <p:cNvPicPr>
+            <a:picLocks noChangeAspect="1"/>
+          </p:cNvPicPr>
+          <p:nvPr/>
+        </p:nvPicPr>
+        <p:blipFill>
+          <a:blip r:embed="rId5">
+            <a:extLst>
+              <a:ext uri="{28A0092B-C50C-407E-A947-70E740481C1C}">
+                <a14:useLocalDpi xmlns:a14="http://schemas.microsoft.com/office/drawing/2010/main" val="0"/>
+              </a:ext>
+            </a:extLst>
+          </a:blip>
+          <a:stretch>
+            <a:fillRect/>
+          </a:stretch>
+        </p:blipFill>
+        <p:spPr>
+          <a:xfrm>
+            <a:off x="287284" y="4357371"/>
+            <a:ext cx="3762776" cy="2301565"/>
+          </a:xfrm>
+          <a:prstGeom prst="rect">
+            <a:avLst/>
+          </a:prstGeom>
+        </p:spPr>
+      </p:pic>
+      <p:pic>
+        <p:nvPicPr>
+          <p:cNvPr id="12" name="Picture 11"/>
+          <p:cNvPicPr>
+            <a:picLocks noChangeAspect="1"/>
+          </p:cNvPicPr>
+          <p:nvPr/>
+        </p:nvPicPr>
+        <p:blipFill>
+          <a:blip r:embed="rId6" cstate="print">
+            <a:extLst>
+              <a:ext uri="{28A0092B-C50C-407E-A947-70E740481C1C}">
+                <a14:useLocalDpi xmlns:a14="http://schemas.microsoft.com/office/drawing/2010/main" val="0"/>
+              </a:ext>
+            </a:extLst>
+          </a:blip>
+          <a:stretch>
+            <a:fillRect/>
+          </a:stretch>
+        </p:blipFill>
+        <p:spPr>
+          <a:xfrm>
+            <a:off x="4355571" y="4357370"/>
+            <a:ext cx="4091671" cy="2301565"/>
+          </a:xfrm>
+          <a:prstGeom prst="rect">
+            <a:avLst/>
+          </a:prstGeom>
+        </p:spPr>
+      </p:pic>
+      <p:pic>
+        <p:nvPicPr>
+          <p:cNvPr id="13" name="Picture 12"/>
+          <p:cNvPicPr>
+            <a:picLocks noChangeAspect="1"/>
+          </p:cNvPicPr>
+          <p:nvPr/>
+        </p:nvPicPr>
+        <p:blipFill>
+          <a:blip r:embed="rId7" cstate="print">
+            <a:extLst>
+              <a:ext uri="{28A0092B-C50C-407E-A947-70E740481C1C}">
+                <a14:useLocalDpi xmlns:a14="http://schemas.microsoft.com/office/drawing/2010/main" val="0"/>
+              </a:ext>
+            </a:extLst>
+          </a:blip>
+          <a:stretch>
+            <a:fillRect/>
+          </a:stretch>
+        </p:blipFill>
+        <p:spPr>
+          <a:xfrm>
+            <a:off x="8416662" y="1886465"/>
+            <a:ext cx="3370092" cy="2293978"/>
+          </a:xfrm>
+          <a:prstGeom prst="rect">
+            <a:avLst/>
+          </a:prstGeom>
+        </p:spPr>
+      </p:pic>
     </p:spTree>
     <p:extLst>
       <p:ext uri="{BB962C8B-B14F-4D97-AF65-F5344CB8AC3E}">
-        <p14:creationId xmlns:p14="http://schemas.microsoft.com/office/powerpoint/2010/main" val="4294835528"/>
+        <p14:creationId xmlns:p14="http://schemas.microsoft.com/office/powerpoint/2010/main" val="1188666805"/>
       </p:ext>
     </p:extLst>
   </p:cSld>
@@ -8245,7 +9171,7 @@
 </p:sld>
 </file>
 
-<file path=ppt/slides/slide3.xml><?xml version="1.0" encoding="utf-8"?>
+<file path=ppt/slides/slide2.xml><?xml version="1.0" encoding="utf-8"?>
 <p:sld xmlns:a="http://schemas.openxmlformats.org/drawingml/2006/main" xmlns:r="http://schemas.openxmlformats.org/officeDocument/2006/relationships" xmlns:p="http://schemas.openxmlformats.org/presentationml/2006/main">
   <p:cSld>
     <p:bg>
@@ -8278,7 +9204,7 @@
           <p:cNvPr id="23" name="Rectangle 22">
             <a:extLst>
               <a:ext uri="{FF2B5EF4-FFF2-40B4-BE49-F238E27FC236}">
-                <a16:creationId xmlns:a16="http://schemas.microsoft.com/office/drawing/2014/main" xmlns="" id="{EE1FC7B4-E4A7-4452-B413-1A623E3A7230}"/>
+                <a16:creationId xmlns="" xmlns:a16="http://schemas.microsoft.com/office/drawing/2014/main" id="{EE1FC7B4-E4A7-4452-B413-1A623E3A7230}"/>
               </a:ext>
             </a:extLst>
           </p:cNvPr>
@@ -8288,7 +9214,7 @@
           <p:nvPr>
             <p:extLst>
               <p:ext uri="{386F3935-93C4-4BCD-93E2-E3B085C9AB24}">
-                <p16:designElem xmlns:p16="http://schemas.microsoft.com/office/powerpoint/2015/main" xmlns="" val="1"/>
+                <p16:designElem xmlns="" xmlns:p16="http://schemas.microsoft.com/office/powerpoint/2015/main" val="1"/>
               </p:ext>
             </p:extLst>
           </p:nvPr>
@@ -8330,8 +9256,37 @@
           <a:bodyPr rtlCol="0" anchor="ctr"/>
           <a:lstStyle/>
           <a:p>
-            <a:pPr algn="ctr"/>
-            <a:endParaRPr lang="en-US"/>
+            <a:pPr marL="0" marR="0" lvl="0" indent="0" algn="ctr" defTabSz="914400" rtl="0" eaLnBrk="1" fontAlgn="auto" latinLnBrk="0" hangingPunct="1">
+              <a:lnSpc>
+                <a:spcPct val="100000"/>
+              </a:lnSpc>
+              <a:spcBef>
+                <a:spcPts val="0"/>
+              </a:spcBef>
+              <a:spcAft>
+                <a:spcPts val="0"/>
+              </a:spcAft>
+              <a:buClrTx/>
+              <a:buSzTx/>
+              <a:buFontTx/>
+              <a:buNone/>
+              <a:tabLst/>
+              <a:defRPr/>
+            </a:pPr>
+            <a:endParaRPr kumimoji="0" lang="en-US" sz="1800" b="0" i="0" u="none" strike="noStrike" kern="1200" cap="none" spc="0" normalizeH="0" baseline="0" noProof="0">
+              <a:ln>
+                <a:noFill/>
+              </a:ln>
+              <a:solidFill>
+                <a:prstClr val="white"/>
+              </a:solidFill>
+              <a:effectLst/>
+              <a:uLnTx/>
+              <a:uFillTx/>
+              <a:latin typeface="Calibri" panose="020F0502020204030204"/>
+              <a:ea typeface="+mn-ea"/>
+              <a:cs typeface="+mn-cs"/>
+            </a:endParaRPr>
           </a:p>
         </p:txBody>
       </p:sp>
@@ -8340,7 +9295,7 @@
           <p:cNvPr id="25" name="Freeform 13">
             <a:extLst>
               <a:ext uri="{FF2B5EF4-FFF2-40B4-BE49-F238E27FC236}">
-                <a16:creationId xmlns:a16="http://schemas.microsoft.com/office/drawing/2014/main" xmlns="" id="{E0709AF0-24F0-4486-B189-BE6386BDB198}"/>
+                <a16:creationId xmlns="" xmlns:a16="http://schemas.microsoft.com/office/drawing/2014/main" id="{E0709AF0-24F0-4486-B189-BE6386BDB198}"/>
               </a:ext>
             </a:extLst>
           </p:cNvPr>
@@ -8350,7 +9305,7 @@
           <p:nvPr>
             <p:extLst>
               <p:ext uri="{386F3935-93C4-4BCD-93E2-E3B085C9AB24}">
-                <p16:designElem xmlns:p16="http://schemas.microsoft.com/office/powerpoint/2015/main" xmlns="" val="1"/>
+                <p16:designElem xmlns="" xmlns:p16="http://schemas.microsoft.com/office/powerpoint/2015/main" val="1"/>
               </p:ext>
             </p:extLst>
           </p:nvPr>
@@ -8435,8 +9390,37 @@
           <a:bodyPr rtlCol="0" anchor="ctr"/>
           <a:lstStyle/>
           <a:p>
-            <a:pPr algn="ctr"/>
-            <a:endParaRPr lang="en-US"/>
+            <a:pPr marL="0" marR="0" lvl="0" indent="0" algn="ctr" defTabSz="914400" rtl="0" eaLnBrk="1" fontAlgn="auto" latinLnBrk="0" hangingPunct="1">
+              <a:lnSpc>
+                <a:spcPct val="100000"/>
+              </a:lnSpc>
+              <a:spcBef>
+                <a:spcPts val="0"/>
+              </a:spcBef>
+              <a:spcAft>
+                <a:spcPts val="0"/>
+              </a:spcAft>
+              <a:buClrTx/>
+              <a:buSzTx/>
+              <a:buFontTx/>
+              <a:buNone/>
+              <a:tabLst/>
+              <a:defRPr/>
+            </a:pPr>
+            <a:endParaRPr kumimoji="0" lang="en-US" sz="1800" b="0" i="0" u="none" strike="noStrike" kern="1200" cap="none" spc="0" normalizeH="0" baseline="0" noProof="0">
+              <a:ln>
+                <a:noFill/>
+              </a:ln>
+              <a:solidFill>
+                <a:prstClr val="white"/>
+              </a:solidFill>
+              <a:effectLst/>
+              <a:uLnTx/>
+              <a:uFillTx/>
+              <a:latin typeface="Calibri" panose="020F0502020204030204"/>
+              <a:ea typeface="+mn-ea"/>
+              <a:cs typeface="+mn-cs"/>
+            </a:endParaRPr>
           </a:p>
         </p:txBody>
       </p:sp>
@@ -8445,7 +9429,7 @@
           <p:cNvPr id="27" name="Freeform 11">
             <a:extLst>
               <a:ext uri="{FF2B5EF4-FFF2-40B4-BE49-F238E27FC236}">
-                <a16:creationId xmlns:a16="http://schemas.microsoft.com/office/drawing/2014/main" xmlns="" id="{FBE3B62F-5853-4A3C-B050-6186351A7176}"/>
+                <a16:creationId xmlns="" xmlns:a16="http://schemas.microsoft.com/office/drawing/2014/main" id="{FBE3B62F-5853-4A3C-B050-6186351A7176}"/>
               </a:ext>
             </a:extLst>
           </p:cNvPr>
@@ -8455,7 +9439,7 @@
           <p:nvPr>
             <p:extLst>
               <p:ext uri="{386F3935-93C4-4BCD-93E2-E3B085C9AB24}">
-                <p16:designElem xmlns:p16="http://schemas.microsoft.com/office/powerpoint/2015/main" xmlns="" val="1"/>
+                <p16:designElem xmlns="" xmlns:p16="http://schemas.microsoft.com/office/powerpoint/2015/main" val="1"/>
               </p:ext>
             </p:extLst>
           </p:nvPr>
@@ -8542,17 +9526,130 @@
           </a:bodyPr>
           <a:lstStyle/>
           <a:p>
-            <a:pPr algn="ctr"/>
-            <a:endParaRPr lang="en-US"/>
+            <a:pPr marL="0" marR="0" lvl="0" indent="0" algn="ctr" defTabSz="914400" rtl="0" eaLnBrk="1" fontAlgn="auto" latinLnBrk="0" hangingPunct="1">
+              <a:lnSpc>
+                <a:spcPct val="100000"/>
+              </a:lnSpc>
+              <a:spcBef>
+                <a:spcPts val="0"/>
+              </a:spcBef>
+              <a:spcAft>
+                <a:spcPts val="0"/>
+              </a:spcAft>
+              <a:buClrTx/>
+              <a:buSzTx/>
+              <a:buFontTx/>
+              <a:buNone/>
+              <a:tabLst/>
+              <a:defRPr/>
+            </a:pPr>
+            <a:endParaRPr kumimoji="0" lang="en-US" sz="1800" b="0" i="0" u="none" strike="noStrike" kern="1200" cap="none" spc="0" normalizeH="0" baseline="0" noProof="0">
+              <a:ln>
+                <a:noFill/>
+              </a:ln>
+              <a:solidFill>
+                <a:prstClr val="white"/>
+              </a:solidFill>
+              <a:effectLst/>
+              <a:uLnTx/>
+              <a:uFillTx/>
+              <a:latin typeface="Calibri" panose="020F0502020204030204"/>
+              <a:ea typeface="+mn-ea"/>
+              <a:cs typeface="+mn-cs"/>
+            </a:endParaRPr>
+          </a:p>
+        </p:txBody>
+      </p:sp>
+      <p:sp>
+        <p:nvSpPr>
+          <p:cNvPr id="15" name="Title 1">
+            <a:extLst>
+              <a:ext uri="{FF2B5EF4-FFF2-40B4-BE49-F238E27FC236}">
+                <a16:creationId xmlns="" xmlns:a16="http://schemas.microsoft.com/office/drawing/2014/main" id="{48EC109C-56A4-422C-9F35-8567F8D624CE}"/>
+              </a:ext>
+            </a:extLst>
+          </p:cNvPr>
+          <p:cNvSpPr txBox="1">
+            <a:spLocks/>
+          </p:cNvSpPr>
+          <p:nvPr/>
+        </p:nvSpPr>
+        <p:spPr>
+          <a:xfrm>
+            <a:off x="1235241" y="818654"/>
+            <a:ext cx="9144000" cy="1026645"/>
+          </a:xfrm>
+          <a:prstGeom prst="rect">
+            <a:avLst/>
+          </a:prstGeom>
+        </p:spPr>
+        <p:txBody>
+          <a:bodyPr vert="horz" lIns="91440" tIns="45720" rIns="91440" bIns="45720" rtlCol="0" anchor="ctr">
+            <a:noAutofit/>
+          </a:bodyPr>
+          <a:lstStyle>
+            <a:lvl1pPr algn="l" defTabSz="914400" rtl="0" eaLnBrk="1" latinLnBrk="0" hangingPunct="1">
+              <a:lnSpc>
+                <a:spcPct val="90000"/>
+              </a:lnSpc>
+              <a:spcBef>
+                <a:spcPct val="0"/>
+              </a:spcBef>
+              <a:buNone/>
+              <a:defRPr sz="4400" kern="1200">
+                <a:solidFill>
+                  <a:schemeClr val="tx1"/>
+                </a:solidFill>
+                <a:latin typeface="+mj-lt"/>
+                <a:ea typeface="+mj-ea"/>
+                <a:cs typeface="+mj-cs"/>
+              </a:defRPr>
+            </a:lvl1pPr>
+          </a:lstStyle>
+          <a:p>
+            <a:pPr marL="0" marR="0" lvl="0" indent="0" algn="ctr" defTabSz="914400" rtl="0" eaLnBrk="1" fontAlgn="auto" latinLnBrk="0" hangingPunct="1">
+              <a:lnSpc>
+                <a:spcPct val="90000"/>
+              </a:lnSpc>
+              <a:spcBef>
+                <a:spcPct val="0"/>
+              </a:spcBef>
+              <a:spcAft>
+                <a:spcPts val="0"/>
+              </a:spcAft>
+              <a:buClrTx/>
+              <a:buSzTx/>
+              <a:buFontTx/>
+              <a:buNone/>
+              <a:tabLst/>
+              <a:defRPr/>
+            </a:pPr>
+            <a:r>
+              <a:rPr kumimoji="0" lang="en-US" sz="9600" b="1" i="0" u="none" strike="noStrike" kern="1200" cap="none" spc="0" normalizeH="0" baseline="0" noProof="0" dirty="0">
+                <a:ln>
+                  <a:noFill/>
+                </a:ln>
+                <a:solidFill>
+                  <a:prstClr val="white"/>
+                </a:solidFill>
+                <a:effectLst/>
+                <a:uLnTx/>
+                <a:uFillTx/>
+                <a:latin typeface="Calibri" panose="020F0502020204030204"/>
+                <a:ea typeface="+mj-ea"/>
+                <a:cs typeface="+mj-cs"/>
+              </a:rPr>
+              <a:t>St. Pete IoT</a:t>
+            </a:r>
           </a:p>
         </p:txBody>
       </p:sp>
       <p:pic>
         <p:nvPicPr>
-          <p:cNvPr id="18" name="Content Placeholder 4">
-            <a:extLst>
-              <a:ext uri="{FF2B5EF4-FFF2-40B4-BE49-F238E27FC236}">
-                <a16:creationId xmlns:a16="http://schemas.microsoft.com/office/drawing/2014/main" xmlns="" id="{04BF9E0D-FB06-456B-9917-A0592C6AF069}"/>
+          <p:cNvPr id="16" name="Picture 15">
+            <a:extLst>
+              <a:ext uri="{FF2B5EF4-FFF2-40B4-BE49-F238E27FC236}">
+                <a16:creationId xmlns="" xmlns:a16="http://schemas.microsoft.com/office/drawing/2014/main" id="{F6726E6B-363C-4E50-8446-79407E2AEB25}"/>
               </a:ext>
             </a:extLst>
           </p:cNvPr>
@@ -8562,7 +9659,7 @@
           <p:nvPr/>
         </p:nvPicPr>
         <p:blipFill>
-          <a:blip r:embed="rId2">
+          <a:blip r:embed="rId2" cstate="print">
             <a:extLst>
               <a:ext uri="{28A0092B-C50C-407E-A947-70E740481C1C}">
                 <a14:useLocalDpi xmlns:a14="http://schemas.microsoft.com/office/drawing/2010/main" val="0"/>
@@ -8575,8 +9672,8 @@
         </p:blipFill>
         <p:spPr>
           <a:xfrm>
-            <a:off x="6763656" y="2124541"/>
-            <a:ext cx="3661133" cy="2608917"/>
+            <a:off x="3257202" y="3173935"/>
+            <a:ext cx="5098181" cy="1565490"/>
           </a:xfrm>
           <a:prstGeom prst="rect">
             <a:avLst/>
@@ -8585,159 +9682,20 @@
       </p:pic>
       <p:sp>
         <p:nvSpPr>
-          <p:cNvPr id="2" name="Title 1">
-            <a:extLst>
-              <a:ext uri="{FF2B5EF4-FFF2-40B4-BE49-F238E27FC236}">
-                <a16:creationId xmlns:a16="http://schemas.microsoft.com/office/drawing/2014/main" xmlns="" id="{A5F6196D-B07E-499E-92C0-6953CE9F25D4}"/>
-              </a:ext>
-            </a:extLst>
-          </p:cNvPr>
-          <p:cNvSpPr>
-            <a:spLocks noGrp="1"/>
-          </p:cNvSpPr>
-          <p:nvPr>
-            <p:ph type="title"/>
-          </p:nvPr>
+          <p:cNvPr id="19" name="TextBox 18">
+            <a:extLst>
+              <a:ext uri="{FF2B5EF4-FFF2-40B4-BE49-F238E27FC236}">
+                <a16:creationId xmlns="" xmlns:a16="http://schemas.microsoft.com/office/drawing/2014/main" id="{0853C66F-B064-4E12-9E48-5D11B374C147}"/>
+              </a:ext>
+            </a:extLst>
+          </p:cNvPr>
+          <p:cNvSpPr txBox="1"/>
+          <p:nvPr/>
         </p:nvSpPr>
         <p:spPr>
           <a:xfrm>
-            <a:off x="833002" y="448253"/>
-            <a:ext cx="10520702" cy="1325563"/>
-          </a:xfrm>
-        </p:spPr>
-        <p:txBody>
-          <a:bodyPr>
-            <a:normAutofit/>
-          </a:bodyPr>
-          <a:lstStyle/>
-          <a:p>
-            <a:pPr algn="ctr"/>
-            <a:r>
-              <a:rPr lang="en-US" b="1" dirty="0"/>
-              <a:t>Today’s Agenda</a:t>
-            </a:r>
-          </a:p>
-        </p:txBody>
-      </p:sp>
-      <p:sp>
-        <p:nvSpPr>
-          <p:cNvPr id="17" name="Content Placeholder 16">
-            <a:extLst>
-              <a:ext uri="{FF2B5EF4-FFF2-40B4-BE49-F238E27FC236}">
-                <a16:creationId xmlns:a16="http://schemas.microsoft.com/office/drawing/2014/main" xmlns="" id="{5FDBA27F-9676-4EE6-B75A-C35B42A0CD81}"/>
-              </a:ext>
-            </a:extLst>
-          </p:cNvPr>
-          <p:cNvSpPr>
-            <a:spLocks noGrp="1"/>
-          </p:cNvSpPr>
-          <p:nvPr>
-            <p:ph idx="1"/>
-          </p:nvPr>
-        </p:nvSpPr>
-        <p:spPr>
-          <a:xfrm>
-            <a:off x="838200" y="1625601"/>
-            <a:ext cx="5780314" cy="4551362"/>
-          </a:xfrm>
-        </p:spPr>
-        <p:txBody>
-          <a:bodyPr>
-            <a:normAutofit/>
-          </a:bodyPr>
-          <a:lstStyle/>
-          <a:p>
-            <a:r>
-              <a:rPr lang="en-US" dirty="0"/>
-              <a:t>Arduino</a:t>
-            </a:r>
-          </a:p>
-          <a:p>
-            <a:pPr lvl="1"/>
-            <a:r>
-              <a:rPr lang="en-US" dirty="0"/>
-              <a:t>Them downloads…</a:t>
-            </a:r>
-          </a:p>
-          <a:p>
-            <a:pPr lvl="1"/>
-            <a:r>
-              <a:rPr lang="en-US" dirty="0"/>
-              <a:t>What is Arduino?</a:t>
-            </a:r>
-          </a:p>
-          <a:p>
-            <a:pPr lvl="1"/>
-            <a:r>
-              <a:rPr lang="en-US" dirty="0"/>
-              <a:t>What can we do with it?</a:t>
-            </a:r>
-          </a:p>
-          <a:p>
-            <a:r>
-              <a:rPr lang="en-US" dirty="0"/>
-              <a:t>C and C++</a:t>
-            </a:r>
-          </a:p>
-          <a:p>
-            <a:pPr lvl="1"/>
-            <a:r>
-              <a:rPr lang="en-US" dirty="0"/>
-              <a:t>What is C?</a:t>
-            </a:r>
-          </a:p>
-          <a:p>
-            <a:pPr lvl="1"/>
-            <a:r>
-              <a:rPr lang="en-US" dirty="0"/>
-              <a:t>Datatypes, Functions n’ stuff…</a:t>
-            </a:r>
-          </a:p>
-          <a:p>
-            <a:r>
-              <a:rPr lang="en-US" dirty="0"/>
-              <a:t>Embedded Topics</a:t>
-            </a:r>
-          </a:p>
-          <a:p>
-            <a:pPr lvl="1"/>
-            <a:r>
-              <a:rPr lang="en-US" dirty="0"/>
-              <a:t>Program Flow</a:t>
-            </a:r>
-          </a:p>
-          <a:p>
-            <a:pPr lvl="1"/>
-            <a:r>
-              <a:rPr lang="en-US" dirty="0"/>
-              <a:t>Lets make a program</a:t>
-            </a:r>
-          </a:p>
-          <a:p>
-            <a:pPr lvl="1"/>
-            <a:endParaRPr lang="en-US" dirty="0"/>
-          </a:p>
-          <a:p>
-            <a:pPr marL="457200" lvl="1" indent="0">
-              <a:buNone/>
-            </a:pPr>
-            <a:endParaRPr lang="en-US" dirty="0"/>
-          </a:p>
-          <a:p>
-            <a:endParaRPr lang="en-US" dirty="0"/>
-          </a:p>
-        </p:txBody>
-      </p:sp>
-      <p:sp>
-        <p:nvSpPr>
-          <p:cNvPr id="3" name="TextBox 2"/>
-          <p:cNvSpPr txBox="1"/>
-          <p:nvPr/>
-        </p:nvSpPr>
-        <p:spPr>
-          <a:xfrm>
-            <a:off x="7196328" y="5568696"/>
-            <a:ext cx="2368296" cy="369332"/>
+            <a:off x="3798005" y="2196700"/>
+            <a:ext cx="4018471" cy="707886"/>
           </a:xfrm>
           <a:prstGeom prst="rect">
             <a:avLst/>
@@ -8750,18 +9708,111 @@
           </a:bodyPr>
           <a:lstStyle/>
           <a:p>
-            <a:r>
-              <a:rPr lang="en-US" dirty="0" smtClean="0"/>
-              <a:t>Image from Arduino.cc</a:t>
-            </a:r>
-            <a:endParaRPr lang="en-US" dirty="0"/>
+            <a:pPr marL="0" marR="0" lvl="0" indent="0" algn="l" defTabSz="914400" rtl="0" eaLnBrk="1" fontAlgn="auto" latinLnBrk="0" hangingPunct="1">
+              <a:lnSpc>
+                <a:spcPct val="100000"/>
+              </a:lnSpc>
+              <a:spcBef>
+                <a:spcPts val="0"/>
+              </a:spcBef>
+              <a:spcAft>
+                <a:spcPts val="0"/>
+              </a:spcAft>
+              <a:buClrTx/>
+              <a:buSzTx/>
+              <a:buFontTx/>
+              <a:buNone/>
+              <a:tabLst/>
+              <a:defRPr/>
+            </a:pPr>
+            <a:r>
+              <a:rPr kumimoji="0" lang="en-US" sz="4000" b="0" i="0" u="none" strike="noStrike" kern="1200" cap="none" spc="0" normalizeH="0" baseline="0" noProof="0" dirty="0">
+                <a:ln>
+                  <a:noFill/>
+                </a:ln>
+                <a:solidFill>
+                  <a:srgbClr val="D6168A"/>
+                </a:solidFill>
+                <a:effectLst/>
+                <a:uLnTx/>
+                <a:uFillTx/>
+                <a:latin typeface="Calibri" panose="020F0502020204030204"/>
+                <a:ea typeface="+mn-ea"/>
+                <a:cs typeface="+mn-cs"/>
+              </a:rPr>
+              <a:t>Brought to you by</a:t>
+            </a:r>
+          </a:p>
+        </p:txBody>
+      </p:sp>
+      <p:sp>
+        <p:nvSpPr>
+          <p:cNvPr id="7" name="Rectangle 6">
+            <a:extLst>
+              <a:ext uri="{FF2B5EF4-FFF2-40B4-BE49-F238E27FC236}">
+                <a16:creationId xmlns="" xmlns:a16="http://schemas.microsoft.com/office/drawing/2014/main" id="{7605F2D1-1EC6-46B5-9601-DA1C25DA0B7A}"/>
+              </a:ext>
+            </a:extLst>
+          </p:cNvPr>
+          <p:cNvSpPr/>
+          <p:nvPr/>
+        </p:nvSpPr>
+        <p:spPr>
+          <a:xfrm>
+            <a:off x="3499077" y="5433094"/>
+            <a:ext cx="4616328" cy="646331"/>
+          </a:xfrm>
+          <a:prstGeom prst="rect">
+            <a:avLst/>
+          </a:prstGeom>
+        </p:spPr>
+        <p:txBody>
+          <a:bodyPr wrap="none">
+            <a:spAutoFit/>
+          </a:bodyPr>
+          <a:lstStyle/>
+          <a:p>
+            <a:pPr marL="0" marR="0" lvl="0" indent="0" algn="l" defTabSz="914400" rtl="0" eaLnBrk="1" fontAlgn="auto" latinLnBrk="0" hangingPunct="1">
+              <a:lnSpc>
+                <a:spcPct val="100000"/>
+              </a:lnSpc>
+              <a:spcBef>
+                <a:spcPts val="0"/>
+              </a:spcBef>
+              <a:spcAft>
+                <a:spcPts val="0"/>
+              </a:spcAft>
+              <a:buClrTx/>
+              <a:buSzTx/>
+              <a:buFontTx/>
+              <a:buNone/>
+              <a:tabLst/>
+              <a:defRPr/>
+            </a:pPr>
+            <a:r>
+              <a:rPr kumimoji="0" lang="en-US" sz="3600" b="0" i="0" u="none" strike="noStrike" kern="1200" cap="none" spc="0" normalizeH="0" baseline="0" noProof="0" dirty="0">
+                <a:ln>
+                  <a:noFill/>
+                </a:ln>
+                <a:solidFill>
+                  <a:srgbClr val="D6168A"/>
+                </a:solidFill>
+                <a:effectLst/>
+                <a:uLnTx/>
+                <a:uFillTx/>
+                <a:latin typeface="Calibri" panose="020F0502020204030204"/>
+                <a:ea typeface="+mn-ea"/>
+                <a:cs typeface="+mn-cs"/>
+              </a:rPr>
+              <a:t>Nicolas Mejia (FW Nick)</a:t>
+            </a:r>
           </a:p>
         </p:txBody>
       </p:sp>
     </p:spTree>
     <p:extLst>
       <p:ext uri="{BB962C8B-B14F-4D97-AF65-F5344CB8AC3E}">
-        <p14:creationId xmlns:p14="http://schemas.microsoft.com/office/powerpoint/2010/main" val="4038005639"/>
+        <p14:creationId xmlns:p14="http://schemas.microsoft.com/office/powerpoint/2010/main" val="4294835528"/>
       </p:ext>
     </p:extLst>
   </p:cSld>
@@ -8778,7 +9829,7 @@
 </p:sld>
 </file>
 
-<file path=ppt/slides/slide4.xml><?xml version="1.0" encoding="utf-8"?>
+<file path=ppt/slides/slide3.xml><?xml version="1.0" encoding="utf-8"?>
 <p:sld xmlns:a="http://schemas.openxmlformats.org/drawingml/2006/main" xmlns:r="http://schemas.openxmlformats.org/officeDocument/2006/relationships" xmlns:p="http://schemas.openxmlformats.org/presentationml/2006/main">
   <p:cSld>
     <p:bg>
@@ -8811,7 +9862,7 @@
           <p:cNvPr id="23" name="Rectangle 22">
             <a:extLst>
               <a:ext uri="{FF2B5EF4-FFF2-40B4-BE49-F238E27FC236}">
-                <a16:creationId xmlns:a16="http://schemas.microsoft.com/office/drawing/2014/main" xmlns="" id="{EE1FC7B4-E4A7-4452-B413-1A623E3A7230}"/>
+                <a16:creationId xmlns="" xmlns:a16="http://schemas.microsoft.com/office/drawing/2014/main" id="{EE1FC7B4-E4A7-4452-B413-1A623E3A7230}"/>
               </a:ext>
             </a:extLst>
           </p:cNvPr>
@@ -8821,7 +9872,7 @@
           <p:nvPr>
             <p:extLst>
               <p:ext uri="{386F3935-93C4-4BCD-93E2-E3B085C9AB24}">
-                <p16:designElem xmlns:p16="http://schemas.microsoft.com/office/powerpoint/2015/main" xmlns="" val="1"/>
+                <p16:designElem xmlns="" xmlns:p16="http://schemas.microsoft.com/office/powerpoint/2015/main" val="1"/>
               </p:ext>
             </p:extLst>
           </p:nvPr>
@@ -8863,37 +9914,8 @@
           <a:bodyPr rtlCol="0" anchor="ctr"/>
           <a:lstStyle/>
           <a:p>
-            <a:pPr marL="0" marR="0" lvl="0" indent="0" algn="ctr" defTabSz="914400" rtl="0" eaLnBrk="1" fontAlgn="auto" latinLnBrk="0" hangingPunct="1">
-              <a:lnSpc>
-                <a:spcPct val="100000"/>
-              </a:lnSpc>
-              <a:spcBef>
-                <a:spcPts val="0"/>
-              </a:spcBef>
-              <a:spcAft>
-                <a:spcPts val="0"/>
-              </a:spcAft>
-              <a:buClrTx/>
-              <a:buSzTx/>
-              <a:buFontTx/>
-              <a:buNone/>
-              <a:tabLst/>
-              <a:defRPr/>
-            </a:pPr>
-            <a:endParaRPr kumimoji="0" lang="en-US" sz="1800" b="0" i="0" u="none" strike="noStrike" kern="1200" cap="none" spc="0" normalizeH="0" baseline="0" noProof="0">
-              <a:ln>
-                <a:noFill/>
-              </a:ln>
-              <a:solidFill>
-                <a:prstClr val="white"/>
-              </a:solidFill>
-              <a:effectLst/>
-              <a:uLnTx/>
-              <a:uFillTx/>
-              <a:latin typeface="Calibri" panose="020F0502020204030204"/>
-              <a:ea typeface="+mn-ea"/>
-              <a:cs typeface="+mn-cs"/>
-            </a:endParaRPr>
+            <a:pPr algn="ctr"/>
+            <a:endParaRPr lang="en-US"/>
           </a:p>
         </p:txBody>
       </p:sp>
@@ -8902,7 +9924,7 @@
           <p:cNvPr id="25" name="Freeform 13">
             <a:extLst>
               <a:ext uri="{FF2B5EF4-FFF2-40B4-BE49-F238E27FC236}">
-                <a16:creationId xmlns:a16="http://schemas.microsoft.com/office/drawing/2014/main" xmlns="" id="{E0709AF0-24F0-4486-B189-BE6386BDB198}"/>
+                <a16:creationId xmlns="" xmlns:a16="http://schemas.microsoft.com/office/drawing/2014/main" id="{E0709AF0-24F0-4486-B189-BE6386BDB198}"/>
               </a:ext>
             </a:extLst>
           </p:cNvPr>
@@ -8912,7 +9934,7 @@
           <p:nvPr>
             <p:extLst>
               <p:ext uri="{386F3935-93C4-4BCD-93E2-E3B085C9AB24}">
-                <p16:designElem xmlns:p16="http://schemas.microsoft.com/office/powerpoint/2015/main" xmlns="" val="1"/>
+                <p16:designElem xmlns="" xmlns:p16="http://schemas.microsoft.com/office/powerpoint/2015/main" val="1"/>
               </p:ext>
             </p:extLst>
           </p:nvPr>
@@ -8997,37 +10019,8 @@
           <a:bodyPr rtlCol="0" anchor="ctr"/>
           <a:lstStyle/>
           <a:p>
-            <a:pPr marL="0" marR="0" lvl="0" indent="0" algn="ctr" defTabSz="914400" rtl="0" eaLnBrk="1" fontAlgn="auto" latinLnBrk="0" hangingPunct="1">
-              <a:lnSpc>
-                <a:spcPct val="100000"/>
-              </a:lnSpc>
-              <a:spcBef>
-                <a:spcPts val="0"/>
-              </a:spcBef>
-              <a:spcAft>
-                <a:spcPts val="0"/>
-              </a:spcAft>
-              <a:buClrTx/>
-              <a:buSzTx/>
-              <a:buFontTx/>
-              <a:buNone/>
-              <a:tabLst/>
-              <a:defRPr/>
-            </a:pPr>
-            <a:endParaRPr kumimoji="0" lang="en-US" sz="1800" b="0" i="0" u="none" strike="noStrike" kern="1200" cap="none" spc="0" normalizeH="0" baseline="0" noProof="0">
-              <a:ln>
-                <a:noFill/>
-              </a:ln>
-              <a:solidFill>
-                <a:prstClr val="white"/>
-              </a:solidFill>
-              <a:effectLst/>
-              <a:uLnTx/>
-              <a:uFillTx/>
-              <a:latin typeface="Calibri" panose="020F0502020204030204"/>
-              <a:ea typeface="+mn-ea"/>
-              <a:cs typeface="+mn-cs"/>
-            </a:endParaRPr>
+            <a:pPr algn="ctr"/>
+            <a:endParaRPr lang="en-US"/>
           </a:p>
         </p:txBody>
       </p:sp>
@@ -9036,7 +10029,7 @@
           <p:cNvPr id="27" name="Freeform 11">
             <a:extLst>
               <a:ext uri="{FF2B5EF4-FFF2-40B4-BE49-F238E27FC236}">
-                <a16:creationId xmlns:a16="http://schemas.microsoft.com/office/drawing/2014/main" xmlns="" id="{FBE3B62F-5853-4A3C-B050-6186351A7176}"/>
+                <a16:creationId xmlns="" xmlns:a16="http://schemas.microsoft.com/office/drawing/2014/main" id="{FBE3B62F-5853-4A3C-B050-6186351A7176}"/>
               </a:ext>
             </a:extLst>
           </p:cNvPr>
@@ -9046,7 +10039,7 @@
           <p:nvPr>
             <p:extLst>
               <p:ext uri="{386F3935-93C4-4BCD-93E2-E3B085C9AB24}">
-                <p16:designElem xmlns:p16="http://schemas.microsoft.com/office/powerpoint/2015/main" xmlns="" val="1"/>
+                <p16:designElem xmlns="" xmlns:p16="http://schemas.microsoft.com/office/powerpoint/2015/main" val="1"/>
               </p:ext>
             </p:extLst>
           </p:nvPr>
@@ -9133,6 +10126,327 @@
           </a:bodyPr>
           <a:lstStyle/>
           <a:p>
+            <a:pPr algn="ctr"/>
+            <a:endParaRPr lang="en-US"/>
+          </a:p>
+        </p:txBody>
+      </p:sp>
+      <p:pic>
+        <p:nvPicPr>
+          <p:cNvPr id="18" name="Content Placeholder 4">
+            <a:extLst>
+              <a:ext uri="{FF2B5EF4-FFF2-40B4-BE49-F238E27FC236}">
+                <a16:creationId xmlns="" xmlns:a16="http://schemas.microsoft.com/office/drawing/2014/main" id="{04BF9E0D-FB06-456B-9917-A0592C6AF069}"/>
+              </a:ext>
+            </a:extLst>
+          </p:cNvPr>
+          <p:cNvPicPr>
+            <a:picLocks noChangeAspect="1"/>
+          </p:cNvPicPr>
+          <p:nvPr/>
+        </p:nvPicPr>
+        <p:blipFill>
+          <a:blip r:embed="rId2">
+            <a:extLst>
+              <a:ext uri="{28A0092B-C50C-407E-A947-70E740481C1C}">
+                <a14:useLocalDpi xmlns:a14="http://schemas.microsoft.com/office/drawing/2010/main" val="0"/>
+              </a:ext>
+            </a:extLst>
+          </a:blip>
+          <a:stretch>
+            <a:fillRect/>
+          </a:stretch>
+        </p:blipFill>
+        <p:spPr>
+          <a:xfrm>
+            <a:off x="6763656" y="2124541"/>
+            <a:ext cx="3661133" cy="2608917"/>
+          </a:xfrm>
+          <a:prstGeom prst="rect">
+            <a:avLst/>
+          </a:prstGeom>
+        </p:spPr>
+      </p:pic>
+      <p:sp>
+        <p:nvSpPr>
+          <p:cNvPr id="2" name="Title 1">
+            <a:extLst>
+              <a:ext uri="{FF2B5EF4-FFF2-40B4-BE49-F238E27FC236}">
+                <a16:creationId xmlns="" xmlns:a16="http://schemas.microsoft.com/office/drawing/2014/main" id="{A5F6196D-B07E-499E-92C0-6953CE9F25D4}"/>
+              </a:ext>
+            </a:extLst>
+          </p:cNvPr>
+          <p:cNvSpPr>
+            <a:spLocks noGrp="1"/>
+          </p:cNvSpPr>
+          <p:nvPr>
+            <p:ph type="title"/>
+          </p:nvPr>
+        </p:nvSpPr>
+        <p:spPr>
+          <a:xfrm>
+            <a:off x="833002" y="448253"/>
+            <a:ext cx="10520702" cy="1325563"/>
+          </a:xfrm>
+        </p:spPr>
+        <p:txBody>
+          <a:bodyPr>
+            <a:normAutofit/>
+          </a:bodyPr>
+          <a:lstStyle/>
+          <a:p>
+            <a:pPr algn="ctr"/>
+            <a:r>
+              <a:rPr lang="en-US" b="1" dirty="0"/>
+              <a:t>Today’s Agenda</a:t>
+            </a:r>
+          </a:p>
+        </p:txBody>
+      </p:sp>
+      <p:sp>
+        <p:nvSpPr>
+          <p:cNvPr id="17" name="Content Placeholder 16">
+            <a:extLst>
+              <a:ext uri="{FF2B5EF4-FFF2-40B4-BE49-F238E27FC236}">
+                <a16:creationId xmlns="" xmlns:a16="http://schemas.microsoft.com/office/drawing/2014/main" id="{5FDBA27F-9676-4EE6-B75A-C35B42A0CD81}"/>
+              </a:ext>
+            </a:extLst>
+          </p:cNvPr>
+          <p:cNvSpPr>
+            <a:spLocks noGrp="1"/>
+          </p:cNvSpPr>
+          <p:nvPr>
+            <p:ph idx="1"/>
+          </p:nvPr>
+        </p:nvSpPr>
+        <p:spPr>
+          <a:xfrm>
+            <a:off x="838200" y="1625601"/>
+            <a:ext cx="5780314" cy="4551362"/>
+          </a:xfrm>
+        </p:spPr>
+        <p:txBody>
+          <a:bodyPr>
+            <a:normAutofit/>
+          </a:bodyPr>
+          <a:lstStyle/>
+          <a:p>
+            <a:r>
+              <a:rPr lang="en-US" dirty="0"/>
+              <a:t>Arduino</a:t>
+            </a:r>
+          </a:p>
+          <a:p>
+            <a:pPr lvl="1"/>
+            <a:r>
+              <a:rPr lang="en-US" dirty="0"/>
+              <a:t>Them downloads…</a:t>
+            </a:r>
+          </a:p>
+          <a:p>
+            <a:pPr lvl="1"/>
+            <a:r>
+              <a:rPr lang="en-US" dirty="0"/>
+              <a:t>What is Arduino?</a:t>
+            </a:r>
+          </a:p>
+          <a:p>
+            <a:pPr lvl="1"/>
+            <a:r>
+              <a:rPr lang="en-US" dirty="0"/>
+              <a:t>What can we do with it?</a:t>
+            </a:r>
+          </a:p>
+          <a:p>
+            <a:r>
+              <a:rPr lang="en-US" dirty="0"/>
+              <a:t>C and C++</a:t>
+            </a:r>
+          </a:p>
+          <a:p>
+            <a:pPr lvl="1"/>
+            <a:r>
+              <a:rPr lang="en-US" dirty="0"/>
+              <a:t>What is C?</a:t>
+            </a:r>
+          </a:p>
+          <a:p>
+            <a:pPr lvl="1"/>
+            <a:r>
+              <a:rPr lang="en-US" dirty="0"/>
+              <a:t>Datatypes, Functions n’ stuff…</a:t>
+            </a:r>
+          </a:p>
+          <a:p>
+            <a:r>
+              <a:rPr lang="en-US" dirty="0"/>
+              <a:t>Embedded Topics</a:t>
+            </a:r>
+          </a:p>
+          <a:p>
+            <a:pPr lvl="1"/>
+            <a:r>
+              <a:rPr lang="en-US" dirty="0"/>
+              <a:t>Program Flow</a:t>
+            </a:r>
+          </a:p>
+          <a:p>
+            <a:pPr lvl="1"/>
+            <a:r>
+              <a:rPr lang="en-US" dirty="0"/>
+              <a:t>Lets make a program</a:t>
+            </a:r>
+          </a:p>
+          <a:p>
+            <a:pPr lvl="1"/>
+            <a:endParaRPr lang="en-US" dirty="0"/>
+          </a:p>
+          <a:p>
+            <a:pPr marL="457200" lvl="1" indent="0">
+              <a:buNone/>
+            </a:pPr>
+            <a:endParaRPr lang="en-US" dirty="0"/>
+          </a:p>
+          <a:p>
+            <a:endParaRPr lang="en-US" dirty="0"/>
+          </a:p>
+        </p:txBody>
+      </p:sp>
+      <p:sp>
+        <p:nvSpPr>
+          <p:cNvPr id="3" name="TextBox 2"/>
+          <p:cNvSpPr txBox="1"/>
+          <p:nvPr/>
+        </p:nvSpPr>
+        <p:spPr>
+          <a:xfrm>
+            <a:off x="7196328" y="5568696"/>
+            <a:ext cx="2368296" cy="369332"/>
+          </a:xfrm>
+          <a:prstGeom prst="rect">
+            <a:avLst/>
+          </a:prstGeom>
+          <a:noFill/>
+        </p:spPr>
+        <p:txBody>
+          <a:bodyPr wrap="square" rtlCol="0">
+            <a:spAutoFit/>
+          </a:bodyPr>
+          <a:lstStyle/>
+          <a:p>
+            <a:r>
+              <a:rPr lang="en-US" dirty="0" smtClean="0"/>
+              <a:t>Image from Arduino.cc</a:t>
+            </a:r>
+            <a:endParaRPr lang="en-US" dirty="0"/>
+          </a:p>
+        </p:txBody>
+      </p:sp>
+    </p:spTree>
+    <p:extLst>
+      <p:ext uri="{BB962C8B-B14F-4D97-AF65-F5344CB8AC3E}">
+        <p14:creationId xmlns:p14="http://schemas.microsoft.com/office/powerpoint/2010/main" val="4038005639"/>
+      </p:ext>
+    </p:extLst>
+  </p:cSld>
+  <p:clrMapOvr>
+    <a:overrideClrMapping bg1="dk1" tx1="lt1" bg2="dk2" tx2="lt2" accent1="accent1" accent2="accent2" accent3="accent3" accent4="accent4" accent5="accent5" accent6="accent6" hlink="hlink" folHlink="folHlink"/>
+  </p:clrMapOvr>
+  <p:timing>
+    <p:tnLst>
+      <p:par>
+        <p:cTn id="1" dur="indefinite" restart="never" nodeType="tmRoot"/>
+      </p:par>
+    </p:tnLst>
+  </p:timing>
+</p:sld>
+</file>
+
+<file path=ppt/slides/slide4.xml><?xml version="1.0" encoding="utf-8"?>
+<p:sld xmlns:a="http://schemas.openxmlformats.org/drawingml/2006/main" xmlns:r="http://schemas.openxmlformats.org/officeDocument/2006/relationships" xmlns:p="http://schemas.openxmlformats.org/presentationml/2006/main">
+  <p:cSld>
+    <p:bg>
+      <p:bgPr>
+        <a:solidFill>
+          <a:schemeClr val="bg1">
+            <a:tint val="95000"/>
+            <a:satMod val="170000"/>
+          </a:schemeClr>
+        </a:solidFill>
+        <a:effectLst/>
+      </p:bgPr>
+    </p:bg>
+    <p:spTree>
+      <p:nvGrpSpPr>
+        <p:cNvPr id="1" name=""/>
+        <p:cNvGrpSpPr/>
+        <p:nvPr/>
+      </p:nvGrpSpPr>
+      <p:grpSpPr>
+        <a:xfrm>
+          <a:off x="0" y="0"/>
+          <a:ext cx="0" cy="0"/>
+          <a:chOff x="0" y="0"/>
+          <a:chExt cx="0" cy="0"/>
+        </a:xfrm>
+      </p:grpSpPr>
+      <p:sp>
+        <p:nvSpPr>
+          <p:cNvPr id="23" name="Rectangle 22">
+            <a:extLst>
+              <a:ext uri="{FF2B5EF4-FFF2-40B4-BE49-F238E27FC236}">
+                <a16:creationId xmlns="" xmlns:a16="http://schemas.microsoft.com/office/drawing/2014/main" id="{EE1FC7B4-E4A7-4452-B413-1A623E3A7230}"/>
+              </a:ext>
+            </a:extLst>
+          </p:cNvPr>
+          <p:cNvSpPr>
+            <a:spLocks noGrp="1" noRot="1" noChangeAspect="1" noMove="1" noResize="1" noEditPoints="1" noAdjustHandles="1" noChangeArrowheads="1" noChangeShapeType="1" noTextEdit="1"/>
+          </p:cNvSpPr>
+          <p:nvPr>
+            <p:extLst>
+              <p:ext uri="{386F3935-93C4-4BCD-93E2-E3B085C9AB24}">
+                <p16:designElem xmlns="" xmlns:p16="http://schemas.microsoft.com/office/powerpoint/2015/main" val="1"/>
+              </p:ext>
+            </p:extLst>
+          </p:nvPr>
+        </p:nvSpPr>
+        <p:spPr>
+          <a:xfrm>
+            <a:off x="0" y="-3324"/>
+            <a:ext cx="12192000" cy="6861324"/>
+          </a:xfrm>
+          <a:prstGeom prst="rect">
+            <a:avLst/>
+          </a:prstGeom>
+          <a:solidFill>
+            <a:schemeClr val="bg1">
+              <a:alpha val="9000"/>
+            </a:schemeClr>
+          </a:solidFill>
+          <a:ln>
+            <a:noFill/>
+          </a:ln>
+        </p:spPr>
+        <p:style>
+          <a:lnRef idx="2">
+            <a:schemeClr val="accent1">
+              <a:shade val="50000"/>
+            </a:schemeClr>
+          </a:lnRef>
+          <a:fillRef idx="1">
+            <a:schemeClr val="accent1"/>
+          </a:fillRef>
+          <a:effectRef idx="0">
+            <a:schemeClr val="accent1"/>
+          </a:effectRef>
+          <a:fontRef idx="minor">
+            <a:schemeClr val="lt1"/>
+          </a:fontRef>
+        </p:style>
+        <p:txBody>
+          <a:bodyPr rtlCol="0" anchor="ctr"/>
+          <a:lstStyle/>
+          <a:p>
             <a:pPr marL="0" marR="0" lvl="0" indent="0" algn="ctr" defTabSz="914400" rtl="0" eaLnBrk="1" fontAlgn="auto" latinLnBrk="0" hangingPunct="1">
               <a:lnSpc>
                 <a:spcPct val="100000"/>
@@ -9167,12 +10481,146 @@
           </a:p>
         </p:txBody>
       </p:sp>
+      <p:sp>
+        <p:nvSpPr>
+          <p:cNvPr id="25" name="Freeform 13">
+            <a:extLst>
+              <a:ext uri="{FF2B5EF4-FFF2-40B4-BE49-F238E27FC236}">
+                <a16:creationId xmlns="" xmlns:a16="http://schemas.microsoft.com/office/drawing/2014/main" id="{E0709AF0-24F0-4486-B189-BE6386BDB198}"/>
+              </a:ext>
+            </a:extLst>
+          </p:cNvPr>
+          <p:cNvSpPr>
+            <a:spLocks noGrp="1" noRot="1" noChangeAspect="1" noMove="1" noResize="1" noEditPoints="1" noAdjustHandles="1" noChangeArrowheads="1" noChangeShapeType="1" noTextEdit="1"/>
+          </p:cNvSpPr>
+          <p:nvPr>
+            <p:extLst>
+              <p:ext uri="{386F3935-93C4-4BCD-93E2-E3B085C9AB24}">
+                <p16:designElem xmlns="" xmlns:p16="http://schemas.microsoft.com/office/powerpoint/2015/main" val="1"/>
+              </p:ext>
+            </p:extLst>
+          </p:nvPr>
+        </p:nvSpPr>
+        <p:spPr>
+          <a:xfrm>
+            <a:off x="0" y="0"/>
+            <a:ext cx="11786754" cy="6858000"/>
+          </a:xfrm>
+          <a:custGeom>
+            <a:avLst/>
+            <a:gdLst>
+              <a:gd name="connsiteX0" fmla="*/ 0 w 11786754"/>
+              <a:gd name="connsiteY0" fmla="*/ 0 h 6858000"/>
+              <a:gd name="connsiteX1" fmla="*/ 8610600 w 11786754"/>
+              <a:gd name="connsiteY1" fmla="*/ 0 h 6858000"/>
+              <a:gd name="connsiteX2" fmla="*/ 11786754 w 11786754"/>
+              <a:gd name="connsiteY2" fmla="*/ 6858000 h 6858000"/>
+              <a:gd name="connsiteX3" fmla="*/ 0 w 11786754"/>
+              <a:gd name="connsiteY3" fmla="*/ 6858000 h 6858000"/>
+            </a:gdLst>
+            <a:ahLst/>
+            <a:cxnLst>
+              <a:cxn ang="0">
+                <a:pos x="connsiteX0" y="connsiteY0"/>
+              </a:cxn>
+              <a:cxn ang="0">
+                <a:pos x="connsiteX1" y="connsiteY1"/>
+              </a:cxn>
+              <a:cxn ang="0">
+                <a:pos x="connsiteX2" y="connsiteY2"/>
+              </a:cxn>
+              <a:cxn ang="0">
+                <a:pos x="connsiteX3" y="connsiteY3"/>
+              </a:cxn>
+            </a:cxnLst>
+            <a:rect l="l" t="t" r="r" b="b"/>
+            <a:pathLst>
+              <a:path w="11786754" h="6858000">
+                <a:moveTo>
+                  <a:pt x="0" y="0"/>
+                </a:moveTo>
+                <a:lnTo>
+                  <a:pt x="8610600" y="0"/>
+                </a:lnTo>
+                <a:lnTo>
+                  <a:pt x="11786754" y="6858000"/>
+                </a:lnTo>
+                <a:lnTo>
+                  <a:pt x="0" y="6858000"/>
+                </a:lnTo>
+                <a:close/>
+              </a:path>
+            </a:pathLst>
+          </a:custGeom>
+          <a:solidFill>
+            <a:schemeClr val="bg1">
+              <a:alpha val="30000"/>
+            </a:schemeClr>
+          </a:solidFill>
+          <a:ln>
+            <a:noFill/>
+          </a:ln>
+        </p:spPr>
+        <p:style>
+          <a:lnRef idx="2">
+            <a:schemeClr val="accent1">
+              <a:shade val="50000"/>
+            </a:schemeClr>
+          </a:lnRef>
+          <a:fillRef idx="1">
+            <a:schemeClr val="accent1"/>
+          </a:fillRef>
+          <a:effectRef idx="0">
+            <a:schemeClr val="accent1"/>
+          </a:effectRef>
+          <a:fontRef idx="minor">
+            <a:schemeClr val="lt1"/>
+          </a:fontRef>
+        </p:style>
+        <p:txBody>
+          <a:bodyPr rtlCol="0" anchor="ctr"/>
+          <a:lstStyle/>
+          <a:p>
+            <a:pPr marL="0" marR="0" lvl="0" indent="0" algn="ctr" defTabSz="914400" rtl="0" eaLnBrk="1" fontAlgn="auto" latinLnBrk="0" hangingPunct="1">
+              <a:lnSpc>
+                <a:spcPct val="100000"/>
+              </a:lnSpc>
+              <a:spcBef>
+                <a:spcPts val="0"/>
+              </a:spcBef>
+              <a:spcAft>
+                <a:spcPts val="0"/>
+              </a:spcAft>
+              <a:buClrTx/>
+              <a:buSzTx/>
+              <a:buFontTx/>
+              <a:buNone/>
+              <a:tabLst/>
+              <a:defRPr/>
+            </a:pPr>
+            <a:endParaRPr kumimoji="0" lang="en-US" sz="1800" b="0" i="0" u="none" strike="noStrike" kern="1200" cap="none" spc="0" normalizeH="0" baseline="0" noProof="0">
+              <a:ln>
+                <a:noFill/>
+              </a:ln>
+              <a:solidFill>
+                <a:prstClr val="white"/>
+              </a:solidFill>
+              <a:effectLst/>
+              <a:uLnTx/>
+              <a:uFillTx/>
+              <a:latin typeface="Calibri" panose="020F0502020204030204"/>
+              <a:ea typeface="+mn-ea"/>
+              <a:cs typeface="+mn-cs"/>
+            </a:endParaRPr>
+          </a:p>
+        </p:txBody>
+      </p:sp>
       <p:pic>
         <p:nvPicPr>
           <p:cNvPr id="18" name="Content Placeholder 4">
             <a:extLst>
               <a:ext uri="{FF2B5EF4-FFF2-40B4-BE49-F238E27FC236}">
-                <a16:creationId xmlns:a16="http://schemas.microsoft.com/office/drawing/2014/main" xmlns="" id="{04BF9E0D-FB06-456B-9917-A0592C6AF069}"/>
+                <a16:creationId xmlns="" xmlns:a16="http://schemas.microsoft.com/office/drawing/2014/main" id="{04BF9E0D-FB06-456B-9917-A0592C6AF069}"/>
               </a:ext>
             </a:extLst>
           </p:cNvPr>
@@ -9195,7 +10643,7 @@
         </p:blipFill>
         <p:spPr>
           <a:xfrm>
-            <a:off x="6763656" y="2124541"/>
+            <a:off x="6763656" y="1745603"/>
             <a:ext cx="3661133" cy="2608917"/>
           </a:xfrm>
           <a:prstGeom prst="rect">
@@ -9208,7 +10656,7 @@
           <p:cNvPr id="2" name="Title 1">
             <a:extLst>
               <a:ext uri="{FF2B5EF4-FFF2-40B4-BE49-F238E27FC236}">
-                <a16:creationId xmlns:a16="http://schemas.microsoft.com/office/drawing/2014/main" xmlns="" id="{A5F6196D-B07E-499E-92C0-6953CE9F25D4}"/>
+                <a16:creationId xmlns="" xmlns:a16="http://schemas.microsoft.com/office/drawing/2014/main" id="{A5F6196D-B07E-499E-92C0-6953CE9F25D4}"/>
               </a:ext>
             </a:extLst>
           </p:cNvPr>
@@ -9244,7 +10692,7 @@
           <p:cNvPr id="17" name="Content Placeholder 16">
             <a:extLst>
               <a:ext uri="{FF2B5EF4-FFF2-40B4-BE49-F238E27FC236}">
-                <a16:creationId xmlns:a16="http://schemas.microsoft.com/office/drawing/2014/main" xmlns="" id="{5FDBA27F-9676-4EE6-B75A-C35B42A0CD81}"/>
+                <a16:creationId xmlns="" xmlns:a16="http://schemas.microsoft.com/office/drawing/2014/main" id="{5FDBA27F-9676-4EE6-B75A-C35B42A0CD81}"/>
               </a:ext>
             </a:extLst>
           </p:cNvPr>
@@ -9257,8 +10705,8 @@
         </p:nvSpPr>
         <p:spPr>
           <a:xfrm>
-            <a:off x="838200" y="2191807"/>
-            <a:ext cx="5780314" cy="3985155"/>
+            <a:off x="833002" y="1705774"/>
+            <a:ext cx="5780314" cy="1951825"/>
           </a:xfrm>
         </p:spPr>
         <p:txBody>
@@ -9292,6 +10740,456 @@
               <a:rPr lang="en-US" sz="2800" dirty="0"/>
               <a:t>Headers for GPIOs</a:t>
             </a:r>
+          </a:p>
+        </p:txBody>
+      </p:sp>
+      <p:sp>
+        <p:nvSpPr>
+          <p:cNvPr id="8" name="Content Placeholder 16">
+            <a:extLst>
+              <a:ext uri="{FF2B5EF4-FFF2-40B4-BE49-F238E27FC236}">
+                <a16:creationId xmlns="" xmlns:a16="http://schemas.microsoft.com/office/drawing/2014/main" id="{5FDBA27F-9676-4EE6-B75A-C35B42A0CD81}"/>
+              </a:ext>
+            </a:extLst>
+          </p:cNvPr>
+          <p:cNvSpPr txBox="1">
+            <a:spLocks/>
+          </p:cNvSpPr>
+          <p:nvPr/>
+        </p:nvSpPr>
+        <p:spPr>
+          <a:xfrm>
+            <a:off x="833002" y="3789785"/>
+            <a:ext cx="10015154" cy="1337296"/>
+          </a:xfrm>
+          <a:prstGeom prst="rect">
+            <a:avLst/>
+          </a:prstGeom>
+        </p:spPr>
+        <p:txBody>
+          <a:bodyPr vert="horz" lIns="91440" tIns="45720" rIns="91440" bIns="45720" rtlCol="0">
+            <a:normAutofit/>
+          </a:bodyPr>
+          <a:lstStyle>
+            <a:lvl1pPr marL="228600" indent="-228600" algn="l" defTabSz="914400" rtl="0" eaLnBrk="1" latinLnBrk="0" hangingPunct="1">
+              <a:lnSpc>
+                <a:spcPct val="90000"/>
+              </a:lnSpc>
+              <a:spcBef>
+                <a:spcPts val="1000"/>
+              </a:spcBef>
+              <a:buFont typeface="Arial" panose="020B0604020202020204" pitchFamily="34" charset="0"/>
+              <a:buChar char="•"/>
+              <a:defRPr sz="2800" kern="1200">
+                <a:solidFill>
+                  <a:schemeClr val="tx1"/>
+                </a:solidFill>
+                <a:latin typeface="+mn-lt"/>
+                <a:ea typeface="+mn-ea"/>
+                <a:cs typeface="+mn-cs"/>
+              </a:defRPr>
+            </a:lvl1pPr>
+            <a:lvl2pPr marL="685800" indent="-228600" algn="l" defTabSz="914400" rtl="0" eaLnBrk="1" latinLnBrk="0" hangingPunct="1">
+              <a:lnSpc>
+                <a:spcPct val="90000"/>
+              </a:lnSpc>
+              <a:spcBef>
+                <a:spcPts val="500"/>
+              </a:spcBef>
+              <a:buFont typeface="Arial" panose="020B0604020202020204" pitchFamily="34" charset="0"/>
+              <a:buChar char="•"/>
+              <a:defRPr sz="2400" kern="1200">
+                <a:solidFill>
+                  <a:schemeClr val="tx1"/>
+                </a:solidFill>
+                <a:latin typeface="+mn-lt"/>
+                <a:ea typeface="+mn-ea"/>
+                <a:cs typeface="+mn-cs"/>
+              </a:defRPr>
+            </a:lvl2pPr>
+            <a:lvl3pPr marL="1143000" indent="-228600" algn="l" defTabSz="914400" rtl="0" eaLnBrk="1" latinLnBrk="0" hangingPunct="1">
+              <a:lnSpc>
+                <a:spcPct val="90000"/>
+              </a:lnSpc>
+              <a:spcBef>
+                <a:spcPts val="500"/>
+              </a:spcBef>
+              <a:buFont typeface="Arial" panose="020B0604020202020204" pitchFamily="34" charset="0"/>
+              <a:buChar char="•"/>
+              <a:defRPr sz="2000" kern="1200">
+                <a:solidFill>
+                  <a:schemeClr val="tx1"/>
+                </a:solidFill>
+                <a:latin typeface="+mn-lt"/>
+                <a:ea typeface="+mn-ea"/>
+                <a:cs typeface="+mn-cs"/>
+              </a:defRPr>
+            </a:lvl3pPr>
+            <a:lvl4pPr marL="1600200" indent="-228600" algn="l" defTabSz="914400" rtl="0" eaLnBrk="1" latinLnBrk="0" hangingPunct="1">
+              <a:lnSpc>
+                <a:spcPct val="90000"/>
+              </a:lnSpc>
+              <a:spcBef>
+                <a:spcPts val="500"/>
+              </a:spcBef>
+              <a:buFont typeface="Arial" panose="020B0604020202020204" pitchFamily="34" charset="0"/>
+              <a:buChar char="•"/>
+              <a:defRPr sz="1800" kern="1200">
+                <a:solidFill>
+                  <a:schemeClr val="tx1"/>
+                </a:solidFill>
+                <a:latin typeface="+mn-lt"/>
+                <a:ea typeface="+mn-ea"/>
+                <a:cs typeface="+mn-cs"/>
+              </a:defRPr>
+            </a:lvl4pPr>
+            <a:lvl5pPr marL="2057400" indent="-228600" algn="l" defTabSz="914400" rtl="0" eaLnBrk="1" latinLnBrk="0" hangingPunct="1">
+              <a:lnSpc>
+                <a:spcPct val="90000"/>
+              </a:lnSpc>
+              <a:spcBef>
+                <a:spcPts val="500"/>
+              </a:spcBef>
+              <a:buFont typeface="Arial" panose="020B0604020202020204" pitchFamily="34" charset="0"/>
+              <a:buChar char="•"/>
+              <a:defRPr sz="1800" kern="1200">
+                <a:solidFill>
+                  <a:schemeClr val="tx1"/>
+                </a:solidFill>
+                <a:latin typeface="+mn-lt"/>
+                <a:ea typeface="+mn-ea"/>
+                <a:cs typeface="+mn-cs"/>
+              </a:defRPr>
+            </a:lvl5pPr>
+            <a:lvl6pPr marL="2514600" indent="-228600" algn="l" defTabSz="914400" rtl="0" eaLnBrk="1" latinLnBrk="0" hangingPunct="1">
+              <a:lnSpc>
+                <a:spcPct val="90000"/>
+              </a:lnSpc>
+              <a:spcBef>
+                <a:spcPts val="500"/>
+              </a:spcBef>
+              <a:buFont typeface="Arial" panose="020B0604020202020204" pitchFamily="34" charset="0"/>
+              <a:buChar char="•"/>
+              <a:defRPr sz="1800" kern="1200">
+                <a:solidFill>
+                  <a:schemeClr val="tx1"/>
+                </a:solidFill>
+                <a:latin typeface="+mn-lt"/>
+                <a:ea typeface="+mn-ea"/>
+                <a:cs typeface="+mn-cs"/>
+              </a:defRPr>
+            </a:lvl6pPr>
+            <a:lvl7pPr marL="2971800" indent="-228600" algn="l" defTabSz="914400" rtl="0" eaLnBrk="1" latinLnBrk="0" hangingPunct="1">
+              <a:lnSpc>
+                <a:spcPct val="90000"/>
+              </a:lnSpc>
+              <a:spcBef>
+                <a:spcPts val="500"/>
+              </a:spcBef>
+              <a:buFont typeface="Arial" panose="020B0604020202020204" pitchFamily="34" charset="0"/>
+              <a:buChar char="•"/>
+              <a:defRPr sz="1800" kern="1200">
+                <a:solidFill>
+                  <a:schemeClr val="tx1"/>
+                </a:solidFill>
+                <a:latin typeface="+mn-lt"/>
+                <a:ea typeface="+mn-ea"/>
+                <a:cs typeface="+mn-cs"/>
+              </a:defRPr>
+            </a:lvl7pPr>
+            <a:lvl8pPr marL="3429000" indent="-228600" algn="l" defTabSz="914400" rtl="0" eaLnBrk="1" latinLnBrk="0" hangingPunct="1">
+              <a:lnSpc>
+                <a:spcPct val="90000"/>
+              </a:lnSpc>
+              <a:spcBef>
+                <a:spcPts val="500"/>
+              </a:spcBef>
+              <a:buFont typeface="Arial" panose="020B0604020202020204" pitchFamily="34" charset="0"/>
+              <a:buChar char="•"/>
+              <a:defRPr sz="1800" kern="1200">
+                <a:solidFill>
+                  <a:schemeClr val="tx1"/>
+                </a:solidFill>
+                <a:latin typeface="+mn-lt"/>
+                <a:ea typeface="+mn-ea"/>
+                <a:cs typeface="+mn-cs"/>
+              </a:defRPr>
+            </a:lvl8pPr>
+            <a:lvl9pPr marL="3886200" indent="-228600" algn="l" defTabSz="914400" rtl="0" eaLnBrk="1" latinLnBrk="0" hangingPunct="1">
+              <a:lnSpc>
+                <a:spcPct val="90000"/>
+              </a:lnSpc>
+              <a:spcBef>
+                <a:spcPts val="500"/>
+              </a:spcBef>
+              <a:buFont typeface="Arial" panose="020B0604020202020204" pitchFamily="34" charset="0"/>
+              <a:buChar char="•"/>
+              <a:defRPr sz="1800" kern="1200">
+                <a:solidFill>
+                  <a:schemeClr val="tx1"/>
+                </a:solidFill>
+                <a:latin typeface="+mn-lt"/>
+                <a:ea typeface="+mn-ea"/>
+                <a:cs typeface="+mn-cs"/>
+              </a:defRPr>
+            </a:lvl9pPr>
+          </a:lstStyle>
+          <a:p>
+            <a:r>
+              <a:rPr lang="en-US" dirty="0" smtClean="0"/>
+              <a:t>Download </a:t>
+            </a:r>
+            <a:r>
+              <a:rPr lang="en-US" dirty="0" err="1" smtClean="0"/>
+              <a:t>Arduino</a:t>
+            </a:r>
+            <a:r>
+              <a:rPr lang="en-US" dirty="0" smtClean="0"/>
+              <a:t> IDE at:</a:t>
+            </a:r>
+            <a:br>
+              <a:rPr lang="en-US" dirty="0" smtClean="0"/>
+            </a:br>
+            <a:r>
+              <a:rPr lang="en-US" dirty="0"/>
+              <a:t/>
+            </a:r>
+            <a:br>
+              <a:rPr lang="en-US" dirty="0"/>
+            </a:br>
+            <a:r>
+              <a:rPr lang="en-US" dirty="0"/>
+              <a:t>https://www.arduino.cc/en/Main/OldSoftwareReleases</a:t>
+            </a:r>
+            <a:endParaRPr lang="en-US" sz="2800" dirty="0"/>
+          </a:p>
+        </p:txBody>
+      </p:sp>
+      <p:sp>
+        <p:nvSpPr>
+          <p:cNvPr id="9" name="Content Placeholder 16">
+            <a:extLst>
+              <a:ext uri="{FF2B5EF4-FFF2-40B4-BE49-F238E27FC236}">
+                <a16:creationId xmlns="" xmlns:a16="http://schemas.microsoft.com/office/drawing/2014/main" id="{5FDBA27F-9676-4EE6-B75A-C35B42A0CD81}"/>
+              </a:ext>
+            </a:extLst>
+          </p:cNvPr>
+          <p:cNvSpPr txBox="1">
+            <a:spLocks/>
+          </p:cNvSpPr>
+          <p:nvPr/>
+        </p:nvSpPr>
+        <p:spPr>
+          <a:xfrm>
+            <a:off x="837118" y="5284959"/>
+            <a:ext cx="10015154" cy="1337296"/>
+          </a:xfrm>
+          <a:prstGeom prst="rect">
+            <a:avLst/>
+          </a:prstGeom>
+        </p:spPr>
+        <p:txBody>
+          <a:bodyPr vert="horz" lIns="91440" tIns="45720" rIns="91440" bIns="45720" rtlCol="0">
+            <a:normAutofit/>
+          </a:bodyPr>
+          <a:lstStyle>
+            <a:lvl1pPr marL="228600" indent="-228600" algn="l" defTabSz="914400" rtl="0" eaLnBrk="1" latinLnBrk="0" hangingPunct="1">
+              <a:lnSpc>
+                <a:spcPct val="90000"/>
+              </a:lnSpc>
+              <a:spcBef>
+                <a:spcPts val="1000"/>
+              </a:spcBef>
+              <a:buFont typeface="Arial" panose="020B0604020202020204" pitchFamily="34" charset="0"/>
+              <a:buChar char="•"/>
+              <a:defRPr sz="2800" kern="1200">
+                <a:solidFill>
+                  <a:schemeClr val="tx1"/>
+                </a:solidFill>
+                <a:latin typeface="+mn-lt"/>
+                <a:ea typeface="+mn-ea"/>
+                <a:cs typeface="+mn-cs"/>
+              </a:defRPr>
+            </a:lvl1pPr>
+            <a:lvl2pPr marL="685800" indent="-228600" algn="l" defTabSz="914400" rtl="0" eaLnBrk="1" latinLnBrk="0" hangingPunct="1">
+              <a:lnSpc>
+                <a:spcPct val="90000"/>
+              </a:lnSpc>
+              <a:spcBef>
+                <a:spcPts val="500"/>
+              </a:spcBef>
+              <a:buFont typeface="Arial" panose="020B0604020202020204" pitchFamily="34" charset="0"/>
+              <a:buChar char="•"/>
+              <a:defRPr sz="2400" kern="1200">
+                <a:solidFill>
+                  <a:schemeClr val="tx1"/>
+                </a:solidFill>
+                <a:latin typeface="+mn-lt"/>
+                <a:ea typeface="+mn-ea"/>
+                <a:cs typeface="+mn-cs"/>
+              </a:defRPr>
+            </a:lvl2pPr>
+            <a:lvl3pPr marL="1143000" indent="-228600" algn="l" defTabSz="914400" rtl="0" eaLnBrk="1" latinLnBrk="0" hangingPunct="1">
+              <a:lnSpc>
+                <a:spcPct val="90000"/>
+              </a:lnSpc>
+              <a:spcBef>
+                <a:spcPts val="500"/>
+              </a:spcBef>
+              <a:buFont typeface="Arial" panose="020B0604020202020204" pitchFamily="34" charset="0"/>
+              <a:buChar char="•"/>
+              <a:defRPr sz="2000" kern="1200">
+                <a:solidFill>
+                  <a:schemeClr val="tx1"/>
+                </a:solidFill>
+                <a:latin typeface="+mn-lt"/>
+                <a:ea typeface="+mn-ea"/>
+                <a:cs typeface="+mn-cs"/>
+              </a:defRPr>
+            </a:lvl3pPr>
+            <a:lvl4pPr marL="1600200" indent="-228600" algn="l" defTabSz="914400" rtl="0" eaLnBrk="1" latinLnBrk="0" hangingPunct="1">
+              <a:lnSpc>
+                <a:spcPct val="90000"/>
+              </a:lnSpc>
+              <a:spcBef>
+                <a:spcPts val="500"/>
+              </a:spcBef>
+              <a:buFont typeface="Arial" panose="020B0604020202020204" pitchFamily="34" charset="0"/>
+              <a:buChar char="•"/>
+              <a:defRPr sz="1800" kern="1200">
+                <a:solidFill>
+                  <a:schemeClr val="tx1"/>
+                </a:solidFill>
+                <a:latin typeface="+mn-lt"/>
+                <a:ea typeface="+mn-ea"/>
+                <a:cs typeface="+mn-cs"/>
+              </a:defRPr>
+            </a:lvl4pPr>
+            <a:lvl5pPr marL="2057400" indent="-228600" algn="l" defTabSz="914400" rtl="0" eaLnBrk="1" latinLnBrk="0" hangingPunct="1">
+              <a:lnSpc>
+                <a:spcPct val="90000"/>
+              </a:lnSpc>
+              <a:spcBef>
+                <a:spcPts val="500"/>
+              </a:spcBef>
+              <a:buFont typeface="Arial" panose="020B0604020202020204" pitchFamily="34" charset="0"/>
+              <a:buChar char="•"/>
+              <a:defRPr sz="1800" kern="1200">
+                <a:solidFill>
+                  <a:schemeClr val="tx1"/>
+                </a:solidFill>
+                <a:latin typeface="+mn-lt"/>
+                <a:ea typeface="+mn-ea"/>
+                <a:cs typeface="+mn-cs"/>
+              </a:defRPr>
+            </a:lvl5pPr>
+            <a:lvl6pPr marL="2514600" indent="-228600" algn="l" defTabSz="914400" rtl="0" eaLnBrk="1" latinLnBrk="0" hangingPunct="1">
+              <a:lnSpc>
+                <a:spcPct val="90000"/>
+              </a:lnSpc>
+              <a:spcBef>
+                <a:spcPts val="500"/>
+              </a:spcBef>
+              <a:buFont typeface="Arial" panose="020B0604020202020204" pitchFamily="34" charset="0"/>
+              <a:buChar char="•"/>
+              <a:defRPr sz="1800" kern="1200">
+                <a:solidFill>
+                  <a:schemeClr val="tx1"/>
+                </a:solidFill>
+                <a:latin typeface="+mn-lt"/>
+                <a:ea typeface="+mn-ea"/>
+                <a:cs typeface="+mn-cs"/>
+              </a:defRPr>
+            </a:lvl6pPr>
+            <a:lvl7pPr marL="2971800" indent="-228600" algn="l" defTabSz="914400" rtl="0" eaLnBrk="1" latinLnBrk="0" hangingPunct="1">
+              <a:lnSpc>
+                <a:spcPct val="90000"/>
+              </a:lnSpc>
+              <a:spcBef>
+                <a:spcPts val="500"/>
+              </a:spcBef>
+              <a:buFont typeface="Arial" panose="020B0604020202020204" pitchFamily="34" charset="0"/>
+              <a:buChar char="•"/>
+              <a:defRPr sz="1800" kern="1200">
+                <a:solidFill>
+                  <a:schemeClr val="tx1"/>
+                </a:solidFill>
+                <a:latin typeface="+mn-lt"/>
+                <a:ea typeface="+mn-ea"/>
+                <a:cs typeface="+mn-cs"/>
+              </a:defRPr>
+            </a:lvl7pPr>
+            <a:lvl8pPr marL="3429000" indent="-228600" algn="l" defTabSz="914400" rtl="0" eaLnBrk="1" latinLnBrk="0" hangingPunct="1">
+              <a:lnSpc>
+                <a:spcPct val="90000"/>
+              </a:lnSpc>
+              <a:spcBef>
+                <a:spcPts val="500"/>
+              </a:spcBef>
+              <a:buFont typeface="Arial" panose="020B0604020202020204" pitchFamily="34" charset="0"/>
+              <a:buChar char="•"/>
+              <a:defRPr sz="1800" kern="1200">
+                <a:solidFill>
+                  <a:schemeClr val="tx1"/>
+                </a:solidFill>
+                <a:latin typeface="+mn-lt"/>
+                <a:ea typeface="+mn-ea"/>
+                <a:cs typeface="+mn-cs"/>
+              </a:defRPr>
+            </a:lvl8pPr>
+            <a:lvl9pPr marL="3886200" indent="-228600" algn="l" defTabSz="914400" rtl="0" eaLnBrk="1" latinLnBrk="0" hangingPunct="1">
+              <a:lnSpc>
+                <a:spcPct val="90000"/>
+              </a:lnSpc>
+              <a:spcBef>
+                <a:spcPts val="500"/>
+              </a:spcBef>
+              <a:buFont typeface="Arial" panose="020B0604020202020204" pitchFamily="34" charset="0"/>
+              <a:buChar char="•"/>
+              <a:defRPr sz="1800" kern="1200">
+                <a:solidFill>
+                  <a:schemeClr val="tx1"/>
+                </a:solidFill>
+                <a:latin typeface="+mn-lt"/>
+                <a:ea typeface="+mn-ea"/>
+                <a:cs typeface="+mn-cs"/>
+              </a:defRPr>
+            </a:lvl9pPr>
+          </a:lstStyle>
+          <a:p>
+            <a:r>
+              <a:rPr lang="en-US" dirty="0" smtClean="0"/>
+              <a:t>…or just </a:t>
+            </a:r>
+            <a:r>
+              <a:rPr lang="en-US" dirty="0" err="1" smtClean="0"/>
+              <a:t>google</a:t>
+            </a:r>
+            <a:r>
+              <a:rPr lang="en-US" dirty="0" smtClean="0"/>
+              <a:t> “</a:t>
+            </a:r>
+            <a:r>
+              <a:rPr lang="en-US" dirty="0" err="1" smtClean="0"/>
+              <a:t>Arduino</a:t>
+            </a:r>
+            <a:r>
+              <a:rPr lang="en-US" dirty="0"/>
+              <a:t> </a:t>
+            </a:r>
+            <a:r>
+              <a:rPr lang="en-US" dirty="0" smtClean="0"/>
+              <a:t>downloads” without the quotations and do the </a:t>
+            </a:r>
+            <a:r>
+              <a:rPr lang="en-US" i="1" dirty="0" smtClean="0"/>
+              <a:t>obvious</a:t>
+            </a:r>
+            <a:r>
+              <a:rPr lang="en-US" dirty="0" smtClean="0"/>
+              <a:t> thing….</a:t>
+            </a:r>
+            <a:endParaRPr lang="en-US" sz="2800" dirty="0"/>
           </a:p>
         </p:txBody>
       </p:sp>
@@ -9316,6 +11214,632 @@
 </file>
 
 <file path=ppt/slides/slide5.xml><?xml version="1.0" encoding="utf-8"?>
+<p:sld xmlns:a="http://schemas.openxmlformats.org/drawingml/2006/main" xmlns:r="http://schemas.openxmlformats.org/officeDocument/2006/relationships" xmlns:p="http://schemas.openxmlformats.org/presentationml/2006/main">
+  <p:cSld>
+    <p:bg>
+      <p:bgPr>
+        <a:solidFill>
+          <a:schemeClr val="bg1">
+            <a:tint val="95000"/>
+            <a:satMod val="170000"/>
+          </a:schemeClr>
+        </a:solidFill>
+        <a:effectLst/>
+      </p:bgPr>
+    </p:bg>
+    <p:spTree>
+      <p:nvGrpSpPr>
+        <p:cNvPr id="1" name=""/>
+        <p:cNvGrpSpPr/>
+        <p:nvPr/>
+      </p:nvGrpSpPr>
+      <p:grpSpPr>
+        <a:xfrm>
+          <a:off x="0" y="0"/>
+          <a:ext cx="0" cy="0"/>
+          <a:chOff x="0" y="0"/>
+          <a:chExt cx="0" cy="0"/>
+        </a:xfrm>
+      </p:grpSpPr>
+      <p:sp>
+        <p:nvSpPr>
+          <p:cNvPr id="23" name="Rectangle 22">
+            <a:extLst>
+              <a:ext uri="{FF2B5EF4-FFF2-40B4-BE49-F238E27FC236}">
+                <a16:creationId xmlns="" xmlns:a16="http://schemas.microsoft.com/office/drawing/2014/main" id="{EE1FC7B4-E4A7-4452-B413-1A623E3A7230}"/>
+              </a:ext>
+            </a:extLst>
+          </p:cNvPr>
+          <p:cNvSpPr>
+            <a:spLocks noGrp="1" noRot="1" noChangeAspect="1" noMove="1" noResize="1" noEditPoints="1" noAdjustHandles="1" noChangeArrowheads="1" noChangeShapeType="1" noTextEdit="1"/>
+          </p:cNvSpPr>
+          <p:nvPr>
+            <p:extLst>
+              <p:ext uri="{386F3935-93C4-4BCD-93E2-E3B085C9AB24}">
+                <p16:designElem xmlns="" xmlns:p16="http://schemas.microsoft.com/office/powerpoint/2015/main" val="1"/>
+              </p:ext>
+            </p:extLst>
+          </p:nvPr>
+        </p:nvSpPr>
+        <p:spPr>
+          <a:xfrm>
+            <a:off x="0" y="-3324"/>
+            <a:ext cx="12192000" cy="6861324"/>
+          </a:xfrm>
+          <a:prstGeom prst="rect">
+            <a:avLst/>
+          </a:prstGeom>
+          <a:solidFill>
+            <a:schemeClr val="bg1">
+              <a:alpha val="9000"/>
+            </a:schemeClr>
+          </a:solidFill>
+          <a:ln>
+            <a:noFill/>
+          </a:ln>
+        </p:spPr>
+        <p:style>
+          <a:lnRef idx="2">
+            <a:schemeClr val="accent1">
+              <a:shade val="50000"/>
+            </a:schemeClr>
+          </a:lnRef>
+          <a:fillRef idx="1">
+            <a:schemeClr val="accent1"/>
+          </a:fillRef>
+          <a:effectRef idx="0">
+            <a:schemeClr val="accent1"/>
+          </a:effectRef>
+          <a:fontRef idx="minor">
+            <a:schemeClr val="lt1"/>
+          </a:fontRef>
+        </p:style>
+        <p:txBody>
+          <a:bodyPr rtlCol="0" anchor="ctr"/>
+          <a:lstStyle/>
+          <a:p>
+            <a:pPr marL="0" marR="0" lvl="0" indent="0" algn="ctr" defTabSz="914400" rtl="0" eaLnBrk="1" fontAlgn="auto" latinLnBrk="0" hangingPunct="1">
+              <a:lnSpc>
+                <a:spcPct val="100000"/>
+              </a:lnSpc>
+              <a:spcBef>
+                <a:spcPts val="0"/>
+              </a:spcBef>
+              <a:spcAft>
+                <a:spcPts val="0"/>
+              </a:spcAft>
+              <a:buClrTx/>
+              <a:buSzTx/>
+              <a:buFontTx/>
+              <a:buNone/>
+              <a:tabLst/>
+              <a:defRPr/>
+            </a:pPr>
+            <a:endParaRPr kumimoji="0" lang="en-US" sz="1800" b="0" i="0" u="none" strike="noStrike" kern="1200" cap="none" spc="0" normalizeH="0" baseline="0" noProof="0">
+              <a:ln>
+                <a:noFill/>
+              </a:ln>
+              <a:solidFill>
+                <a:prstClr val="white"/>
+              </a:solidFill>
+              <a:effectLst/>
+              <a:uLnTx/>
+              <a:uFillTx/>
+              <a:latin typeface="Calibri" panose="020F0502020204030204"/>
+              <a:ea typeface="+mn-ea"/>
+              <a:cs typeface="+mn-cs"/>
+            </a:endParaRPr>
+          </a:p>
+        </p:txBody>
+      </p:sp>
+      <p:sp>
+        <p:nvSpPr>
+          <p:cNvPr id="25" name="Freeform 13">
+            <a:extLst>
+              <a:ext uri="{FF2B5EF4-FFF2-40B4-BE49-F238E27FC236}">
+                <a16:creationId xmlns="" xmlns:a16="http://schemas.microsoft.com/office/drawing/2014/main" id="{E0709AF0-24F0-4486-B189-BE6386BDB198}"/>
+              </a:ext>
+            </a:extLst>
+          </p:cNvPr>
+          <p:cNvSpPr>
+            <a:spLocks noGrp="1" noRot="1" noChangeAspect="1" noMove="1" noResize="1" noEditPoints="1" noAdjustHandles="1" noChangeArrowheads="1" noChangeShapeType="1" noTextEdit="1"/>
+          </p:cNvSpPr>
+          <p:nvPr>
+            <p:extLst>
+              <p:ext uri="{386F3935-93C4-4BCD-93E2-E3B085C9AB24}">
+                <p16:designElem xmlns="" xmlns:p16="http://schemas.microsoft.com/office/powerpoint/2015/main" val="1"/>
+              </p:ext>
+            </p:extLst>
+          </p:nvPr>
+        </p:nvSpPr>
+        <p:spPr>
+          <a:xfrm>
+            <a:off x="0" y="0"/>
+            <a:ext cx="11786754" cy="6858000"/>
+          </a:xfrm>
+          <a:custGeom>
+            <a:avLst/>
+            <a:gdLst>
+              <a:gd name="connsiteX0" fmla="*/ 0 w 11786754"/>
+              <a:gd name="connsiteY0" fmla="*/ 0 h 6858000"/>
+              <a:gd name="connsiteX1" fmla="*/ 8610600 w 11786754"/>
+              <a:gd name="connsiteY1" fmla="*/ 0 h 6858000"/>
+              <a:gd name="connsiteX2" fmla="*/ 11786754 w 11786754"/>
+              <a:gd name="connsiteY2" fmla="*/ 6858000 h 6858000"/>
+              <a:gd name="connsiteX3" fmla="*/ 0 w 11786754"/>
+              <a:gd name="connsiteY3" fmla="*/ 6858000 h 6858000"/>
+            </a:gdLst>
+            <a:ahLst/>
+            <a:cxnLst>
+              <a:cxn ang="0">
+                <a:pos x="connsiteX0" y="connsiteY0"/>
+              </a:cxn>
+              <a:cxn ang="0">
+                <a:pos x="connsiteX1" y="connsiteY1"/>
+              </a:cxn>
+              <a:cxn ang="0">
+                <a:pos x="connsiteX2" y="connsiteY2"/>
+              </a:cxn>
+              <a:cxn ang="0">
+                <a:pos x="connsiteX3" y="connsiteY3"/>
+              </a:cxn>
+            </a:cxnLst>
+            <a:rect l="l" t="t" r="r" b="b"/>
+            <a:pathLst>
+              <a:path w="11786754" h="6858000">
+                <a:moveTo>
+                  <a:pt x="0" y="0"/>
+                </a:moveTo>
+                <a:lnTo>
+                  <a:pt x="8610600" y="0"/>
+                </a:lnTo>
+                <a:lnTo>
+                  <a:pt x="11786754" y="6858000"/>
+                </a:lnTo>
+                <a:lnTo>
+                  <a:pt x="0" y="6858000"/>
+                </a:lnTo>
+                <a:close/>
+              </a:path>
+            </a:pathLst>
+          </a:custGeom>
+          <a:solidFill>
+            <a:schemeClr val="bg1">
+              <a:alpha val="30000"/>
+            </a:schemeClr>
+          </a:solidFill>
+          <a:ln>
+            <a:noFill/>
+          </a:ln>
+        </p:spPr>
+        <p:style>
+          <a:lnRef idx="2">
+            <a:schemeClr val="accent1">
+              <a:shade val="50000"/>
+            </a:schemeClr>
+          </a:lnRef>
+          <a:fillRef idx="1">
+            <a:schemeClr val="accent1"/>
+          </a:fillRef>
+          <a:effectRef idx="0">
+            <a:schemeClr val="accent1"/>
+          </a:effectRef>
+          <a:fontRef idx="minor">
+            <a:schemeClr val="lt1"/>
+          </a:fontRef>
+        </p:style>
+        <p:txBody>
+          <a:bodyPr rtlCol="0" anchor="ctr"/>
+          <a:lstStyle/>
+          <a:p>
+            <a:pPr marL="0" marR="0" lvl="0" indent="0" algn="ctr" defTabSz="914400" rtl="0" eaLnBrk="1" fontAlgn="auto" latinLnBrk="0" hangingPunct="1">
+              <a:lnSpc>
+                <a:spcPct val="100000"/>
+              </a:lnSpc>
+              <a:spcBef>
+                <a:spcPts val="0"/>
+              </a:spcBef>
+              <a:spcAft>
+                <a:spcPts val="0"/>
+              </a:spcAft>
+              <a:buClrTx/>
+              <a:buSzTx/>
+              <a:buFontTx/>
+              <a:buNone/>
+              <a:tabLst/>
+              <a:defRPr/>
+            </a:pPr>
+            <a:endParaRPr kumimoji="0" lang="en-US" sz="1800" b="0" i="0" u="none" strike="noStrike" kern="1200" cap="none" spc="0" normalizeH="0" baseline="0" noProof="0">
+              <a:ln>
+                <a:noFill/>
+              </a:ln>
+              <a:solidFill>
+                <a:prstClr val="white"/>
+              </a:solidFill>
+              <a:effectLst/>
+              <a:uLnTx/>
+              <a:uFillTx/>
+              <a:latin typeface="Calibri" panose="020F0502020204030204"/>
+              <a:ea typeface="+mn-ea"/>
+              <a:cs typeface="+mn-cs"/>
+            </a:endParaRPr>
+          </a:p>
+        </p:txBody>
+      </p:sp>
+      <p:pic>
+        <p:nvPicPr>
+          <p:cNvPr id="18" name="Content Placeholder 4">
+            <a:extLst>
+              <a:ext uri="{FF2B5EF4-FFF2-40B4-BE49-F238E27FC236}">
+                <a16:creationId xmlns="" xmlns:a16="http://schemas.microsoft.com/office/drawing/2014/main" id="{04BF9E0D-FB06-456B-9917-A0592C6AF069}"/>
+              </a:ext>
+            </a:extLst>
+          </p:cNvPr>
+          <p:cNvPicPr>
+            <a:picLocks noChangeAspect="1"/>
+          </p:cNvPicPr>
+          <p:nvPr/>
+        </p:nvPicPr>
+        <p:blipFill>
+          <a:blip r:embed="rId2">
+            <a:extLst>
+              <a:ext uri="{28A0092B-C50C-407E-A947-70E740481C1C}">
+                <a14:useLocalDpi xmlns:a14="http://schemas.microsoft.com/office/drawing/2010/main" val="0"/>
+              </a:ext>
+            </a:extLst>
+          </a:blip>
+          <a:stretch>
+            <a:fillRect/>
+          </a:stretch>
+        </p:blipFill>
+        <p:spPr>
+          <a:xfrm>
+            <a:off x="6763656" y="1745603"/>
+            <a:ext cx="3661133" cy="2608917"/>
+          </a:xfrm>
+          <a:prstGeom prst="rect">
+            <a:avLst/>
+          </a:prstGeom>
+        </p:spPr>
+      </p:pic>
+      <p:sp>
+        <p:nvSpPr>
+          <p:cNvPr id="2" name="Title 1">
+            <a:extLst>
+              <a:ext uri="{FF2B5EF4-FFF2-40B4-BE49-F238E27FC236}">
+                <a16:creationId xmlns="" xmlns:a16="http://schemas.microsoft.com/office/drawing/2014/main" id="{A5F6196D-B07E-499E-92C0-6953CE9F25D4}"/>
+              </a:ext>
+            </a:extLst>
+          </p:cNvPr>
+          <p:cNvSpPr>
+            <a:spLocks noGrp="1"/>
+          </p:cNvSpPr>
+          <p:nvPr>
+            <p:ph type="title"/>
+          </p:nvPr>
+        </p:nvSpPr>
+        <p:spPr>
+          <a:xfrm>
+            <a:off x="833002" y="448253"/>
+            <a:ext cx="10520702" cy="1325563"/>
+          </a:xfrm>
+        </p:spPr>
+        <p:txBody>
+          <a:bodyPr>
+            <a:normAutofit/>
+          </a:bodyPr>
+          <a:lstStyle/>
+          <a:p>
+            <a:pPr algn="ctr"/>
+            <a:r>
+              <a:rPr lang="en-US" b="1" dirty="0"/>
+              <a:t>Arduino</a:t>
+            </a:r>
+          </a:p>
+        </p:txBody>
+      </p:sp>
+      <p:sp>
+        <p:nvSpPr>
+          <p:cNvPr id="17" name="Content Placeholder 16">
+            <a:extLst>
+              <a:ext uri="{FF2B5EF4-FFF2-40B4-BE49-F238E27FC236}">
+                <a16:creationId xmlns="" xmlns:a16="http://schemas.microsoft.com/office/drawing/2014/main" id="{5FDBA27F-9676-4EE6-B75A-C35B42A0CD81}"/>
+              </a:ext>
+            </a:extLst>
+          </p:cNvPr>
+          <p:cNvSpPr>
+            <a:spLocks noGrp="1"/>
+          </p:cNvSpPr>
+          <p:nvPr>
+            <p:ph idx="1"/>
+          </p:nvPr>
+        </p:nvSpPr>
+        <p:spPr>
+          <a:xfrm>
+            <a:off x="833002" y="1705775"/>
+            <a:ext cx="5780314" cy="1144518"/>
+          </a:xfrm>
+        </p:spPr>
+        <p:txBody>
+          <a:bodyPr>
+            <a:normAutofit/>
+          </a:bodyPr>
+          <a:lstStyle/>
+          <a:p>
+            <a:r>
+              <a:rPr lang="en-US" dirty="0" smtClean="0"/>
+              <a:t>MAC, Linux users and people who bought the cheap “</a:t>
+            </a:r>
+            <a:r>
+              <a:rPr lang="en-US" dirty="0" err="1" smtClean="0"/>
+              <a:t>Arduino</a:t>
+            </a:r>
+            <a:r>
+              <a:rPr lang="en-US" dirty="0" smtClean="0"/>
+              <a:t>”</a:t>
+            </a:r>
+            <a:endParaRPr lang="en-US" sz="2800" dirty="0"/>
+          </a:p>
+        </p:txBody>
+      </p:sp>
+      <p:sp>
+        <p:nvSpPr>
+          <p:cNvPr id="8" name="Content Placeholder 16">
+            <a:extLst>
+              <a:ext uri="{FF2B5EF4-FFF2-40B4-BE49-F238E27FC236}">
+                <a16:creationId xmlns="" xmlns:a16="http://schemas.microsoft.com/office/drawing/2014/main" id="{5FDBA27F-9676-4EE6-B75A-C35B42A0CD81}"/>
+              </a:ext>
+            </a:extLst>
+          </p:cNvPr>
+          <p:cNvSpPr txBox="1">
+            <a:spLocks/>
+          </p:cNvSpPr>
+          <p:nvPr/>
+        </p:nvSpPr>
+        <p:spPr>
+          <a:xfrm>
+            <a:off x="833002" y="3789784"/>
+            <a:ext cx="10015154" cy="1713091"/>
+          </a:xfrm>
+          <a:prstGeom prst="rect">
+            <a:avLst/>
+          </a:prstGeom>
+        </p:spPr>
+        <p:txBody>
+          <a:bodyPr vert="horz" lIns="91440" tIns="45720" rIns="91440" bIns="45720" rtlCol="0">
+            <a:normAutofit fontScale="92500" lnSpcReduction="20000"/>
+          </a:bodyPr>
+          <a:lstStyle>
+            <a:lvl1pPr marL="228600" indent="-228600" algn="l" defTabSz="914400" rtl="0" eaLnBrk="1" latinLnBrk="0" hangingPunct="1">
+              <a:lnSpc>
+                <a:spcPct val="90000"/>
+              </a:lnSpc>
+              <a:spcBef>
+                <a:spcPts val="1000"/>
+              </a:spcBef>
+              <a:buFont typeface="Arial" panose="020B0604020202020204" pitchFamily="34" charset="0"/>
+              <a:buChar char="•"/>
+              <a:defRPr sz="2800" kern="1200">
+                <a:solidFill>
+                  <a:schemeClr val="tx1"/>
+                </a:solidFill>
+                <a:latin typeface="+mn-lt"/>
+                <a:ea typeface="+mn-ea"/>
+                <a:cs typeface="+mn-cs"/>
+              </a:defRPr>
+            </a:lvl1pPr>
+            <a:lvl2pPr marL="685800" indent="-228600" algn="l" defTabSz="914400" rtl="0" eaLnBrk="1" latinLnBrk="0" hangingPunct="1">
+              <a:lnSpc>
+                <a:spcPct val="90000"/>
+              </a:lnSpc>
+              <a:spcBef>
+                <a:spcPts val="500"/>
+              </a:spcBef>
+              <a:buFont typeface="Arial" panose="020B0604020202020204" pitchFamily="34" charset="0"/>
+              <a:buChar char="•"/>
+              <a:defRPr sz="2400" kern="1200">
+                <a:solidFill>
+                  <a:schemeClr val="tx1"/>
+                </a:solidFill>
+                <a:latin typeface="+mn-lt"/>
+                <a:ea typeface="+mn-ea"/>
+                <a:cs typeface="+mn-cs"/>
+              </a:defRPr>
+            </a:lvl2pPr>
+            <a:lvl3pPr marL="1143000" indent="-228600" algn="l" defTabSz="914400" rtl="0" eaLnBrk="1" latinLnBrk="0" hangingPunct="1">
+              <a:lnSpc>
+                <a:spcPct val="90000"/>
+              </a:lnSpc>
+              <a:spcBef>
+                <a:spcPts val="500"/>
+              </a:spcBef>
+              <a:buFont typeface="Arial" panose="020B0604020202020204" pitchFamily="34" charset="0"/>
+              <a:buChar char="•"/>
+              <a:defRPr sz="2000" kern="1200">
+                <a:solidFill>
+                  <a:schemeClr val="tx1"/>
+                </a:solidFill>
+                <a:latin typeface="+mn-lt"/>
+                <a:ea typeface="+mn-ea"/>
+                <a:cs typeface="+mn-cs"/>
+              </a:defRPr>
+            </a:lvl3pPr>
+            <a:lvl4pPr marL="1600200" indent="-228600" algn="l" defTabSz="914400" rtl="0" eaLnBrk="1" latinLnBrk="0" hangingPunct="1">
+              <a:lnSpc>
+                <a:spcPct val="90000"/>
+              </a:lnSpc>
+              <a:spcBef>
+                <a:spcPts val="500"/>
+              </a:spcBef>
+              <a:buFont typeface="Arial" panose="020B0604020202020204" pitchFamily="34" charset="0"/>
+              <a:buChar char="•"/>
+              <a:defRPr sz="1800" kern="1200">
+                <a:solidFill>
+                  <a:schemeClr val="tx1"/>
+                </a:solidFill>
+                <a:latin typeface="+mn-lt"/>
+                <a:ea typeface="+mn-ea"/>
+                <a:cs typeface="+mn-cs"/>
+              </a:defRPr>
+            </a:lvl4pPr>
+            <a:lvl5pPr marL="2057400" indent="-228600" algn="l" defTabSz="914400" rtl="0" eaLnBrk="1" latinLnBrk="0" hangingPunct="1">
+              <a:lnSpc>
+                <a:spcPct val="90000"/>
+              </a:lnSpc>
+              <a:spcBef>
+                <a:spcPts val="500"/>
+              </a:spcBef>
+              <a:buFont typeface="Arial" panose="020B0604020202020204" pitchFamily="34" charset="0"/>
+              <a:buChar char="•"/>
+              <a:defRPr sz="1800" kern="1200">
+                <a:solidFill>
+                  <a:schemeClr val="tx1"/>
+                </a:solidFill>
+                <a:latin typeface="+mn-lt"/>
+                <a:ea typeface="+mn-ea"/>
+                <a:cs typeface="+mn-cs"/>
+              </a:defRPr>
+            </a:lvl5pPr>
+            <a:lvl6pPr marL="2514600" indent="-228600" algn="l" defTabSz="914400" rtl="0" eaLnBrk="1" latinLnBrk="0" hangingPunct="1">
+              <a:lnSpc>
+                <a:spcPct val="90000"/>
+              </a:lnSpc>
+              <a:spcBef>
+                <a:spcPts val="500"/>
+              </a:spcBef>
+              <a:buFont typeface="Arial" panose="020B0604020202020204" pitchFamily="34" charset="0"/>
+              <a:buChar char="•"/>
+              <a:defRPr sz="1800" kern="1200">
+                <a:solidFill>
+                  <a:schemeClr val="tx1"/>
+                </a:solidFill>
+                <a:latin typeface="+mn-lt"/>
+                <a:ea typeface="+mn-ea"/>
+                <a:cs typeface="+mn-cs"/>
+              </a:defRPr>
+            </a:lvl6pPr>
+            <a:lvl7pPr marL="2971800" indent="-228600" algn="l" defTabSz="914400" rtl="0" eaLnBrk="1" latinLnBrk="0" hangingPunct="1">
+              <a:lnSpc>
+                <a:spcPct val="90000"/>
+              </a:lnSpc>
+              <a:spcBef>
+                <a:spcPts val="500"/>
+              </a:spcBef>
+              <a:buFont typeface="Arial" panose="020B0604020202020204" pitchFamily="34" charset="0"/>
+              <a:buChar char="•"/>
+              <a:defRPr sz="1800" kern="1200">
+                <a:solidFill>
+                  <a:schemeClr val="tx1"/>
+                </a:solidFill>
+                <a:latin typeface="+mn-lt"/>
+                <a:ea typeface="+mn-ea"/>
+                <a:cs typeface="+mn-cs"/>
+              </a:defRPr>
+            </a:lvl7pPr>
+            <a:lvl8pPr marL="3429000" indent="-228600" algn="l" defTabSz="914400" rtl="0" eaLnBrk="1" latinLnBrk="0" hangingPunct="1">
+              <a:lnSpc>
+                <a:spcPct val="90000"/>
+              </a:lnSpc>
+              <a:spcBef>
+                <a:spcPts val="500"/>
+              </a:spcBef>
+              <a:buFont typeface="Arial" panose="020B0604020202020204" pitchFamily="34" charset="0"/>
+              <a:buChar char="•"/>
+              <a:defRPr sz="1800" kern="1200">
+                <a:solidFill>
+                  <a:schemeClr val="tx1"/>
+                </a:solidFill>
+                <a:latin typeface="+mn-lt"/>
+                <a:ea typeface="+mn-ea"/>
+                <a:cs typeface="+mn-cs"/>
+              </a:defRPr>
+            </a:lvl8pPr>
+            <a:lvl9pPr marL="3886200" indent="-228600" algn="l" defTabSz="914400" rtl="0" eaLnBrk="1" latinLnBrk="0" hangingPunct="1">
+              <a:lnSpc>
+                <a:spcPct val="90000"/>
+              </a:lnSpc>
+              <a:spcBef>
+                <a:spcPts val="500"/>
+              </a:spcBef>
+              <a:buFont typeface="Arial" panose="020B0604020202020204" pitchFamily="34" charset="0"/>
+              <a:buChar char="•"/>
+              <a:defRPr sz="1800" kern="1200">
+                <a:solidFill>
+                  <a:schemeClr val="tx1"/>
+                </a:solidFill>
+                <a:latin typeface="+mn-lt"/>
+                <a:ea typeface="+mn-ea"/>
+                <a:cs typeface="+mn-cs"/>
+              </a:defRPr>
+            </a:lvl9pPr>
+          </a:lstStyle>
+          <a:p>
+            <a:r>
+              <a:rPr lang="en-US" dirty="0"/>
+              <a:t>FTDI</a:t>
+            </a:r>
+          </a:p>
+          <a:p>
+            <a:pPr lvl="1"/>
+            <a:r>
+              <a:rPr lang="en-US" dirty="0">
+                <a:hlinkClick r:id="rId3"/>
+              </a:rPr>
+              <a:t>http://</a:t>
+            </a:r>
+            <a:r>
+              <a:rPr lang="en-US" dirty="0" smtClean="0">
+                <a:hlinkClick r:id="rId3"/>
+              </a:rPr>
+              <a:t>www.ftdichip.com/Drivers/VCP.htm</a:t>
+            </a:r>
+            <a:endParaRPr lang="en-US" dirty="0" smtClean="0"/>
+          </a:p>
+          <a:p>
+            <a:r>
+              <a:rPr lang="en-US" dirty="0" err="1" smtClean="0"/>
+              <a:t>Cheap’o</a:t>
+            </a:r>
+            <a:endParaRPr lang="en-US" dirty="0"/>
+          </a:p>
+          <a:p>
+            <a:pPr lvl="1"/>
+            <a:r>
+              <a:rPr lang="en-US" dirty="0"/>
+              <a:t>https://sparks.gogo.co.nz/ch340.html</a:t>
+            </a:r>
+            <a:r>
+              <a:rPr lang="en-US" dirty="0" smtClean="0"/>
+              <a:t/>
+            </a:r>
+            <a:br>
+              <a:rPr lang="en-US" dirty="0" smtClean="0"/>
+            </a:br>
+            <a:endParaRPr lang="en-US" sz="2400" dirty="0"/>
+          </a:p>
+        </p:txBody>
+      </p:sp>
+    </p:spTree>
+    <p:extLst>
+      <p:ext uri="{BB962C8B-B14F-4D97-AF65-F5344CB8AC3E}">
+        <p14:creationId xmlns:p14="http://schemas.microsoft.com/office/powerpoint/2010/main" val="801224829"/>
+      </p:ext>
+    </p:extLst>
+  </p:cSld>
+  <p:clrMapOvr>
+    <a:overrideClrMapping bg1="dk1" tx1="lt1" bg2="dk2" tx2="lt2" accent1="accent1" accent2="accent2" accent3="accent3" accent4="accent4" accent5="accent5" accent6="accent6" hlink="hlink" folHlink="folHlink"/>
+  </p:clrMapOvr>
+  <p:timing>
+    <p:tnLst>
+      <p:par>
+        <p:cTn id="1" dur="indefinite" restart="never" nodeType="tmRoot"/>
+      </p:par>
+    </p:tnLst>
+  </p:timing>
+</p:sld>
+</file>
+
+<file path=ppt/slides/slide6.xml><?xml version="1.0" encoding="utf-8"?>
 <p:sld xmlns:a="http://schemas.openxmlformats.org/drawingml/2006/main" xmlns:r="http://schemas.openxmlformats.org/officeDocument/2006/relationships" xmlns:p="http://schemas.openxmlformats.org/presentationml/2006/main">
   <p:cSld>
     <p:bg>
@@ -9345,7 +11869,7 @@
           <p:cNvPr id="19" name="Picture 18" descr="A close up of a device&#10;&#10;Description generated with very high confidence">
             <a:extLst>
               <a:ext uri="{FF2B5EF4-FFF2-40B4-BE49-F238E27FC236}">
-                <a16:creationId xmlns:a16="http://schemas.microsoft.com/office/drawing/2014/main" xmlns="" id="{71F4D637-26C4-4BE8-96C9-644596150A48}"/>
+                <a16:creationId xmlns="" xmlns:a16="http://schemas.microsoft.com/office/drawing/2014/main" id="{71F4D637-26C4-4BE8-96C9-644596150A48}"/>
               </a:ext>
             </a:extLst>
           </p:cNvPr>
@@ -9381,7 +11905,7 @@
           <p:cNvPr id="39" name="Freeform: Shape 38">
             <a:extLst>
               <a:ext uri="{FF2B5EF4-FFF2-40B4-BE49-F238E27FC236}">
-                <a16:creationId xmlns:a16="http://schemas.microsoft.com/office/drawing/2014/main" xmlns="" id="{64965EAE-E41A-435F-B993-07E824B6C977}"/>
+                <a16:creationId xmlns="" xmlns:a16="http://schemas.microsoft.com/office/drawing/2014/main" id="{64965EAE-E41A-435F-B993-07E824B6C977}"/>
               </a:ext>
             </a:extLst>
           </p:cNvPr>
@@ -9391,7 +11915,7 @@
           <p:nvPr>
             <p:extLst>
               <p:ext uri="{386F3935-93C4-4BCD-93E2-E3B085C9AB24}">
-                <p16:designElem xmlns:p16="http://schemas.microsoft.com/office/powerpoint/2015/main" xmlns="" val="1"/>
+                <p16:designElem xmlns="" xmlns:p16="http://schemas.microsoft.com/office/powerpoint/2015/main" val="1"/>
               </p:ext>
             </p:extLst>
           </p:nvPr>
@@ -9490,7 +12014,7 @@
           <p:cNvPr id="41" name="Freeform: Shape 40">
             <a:extLst>
               <a:ext uri="{FF2B5EF4-FFF2-40B4-BE49-F238E27FC236}">
-                <a16:creationId xmlns:a16="http://schemas.microsoft.com/office/drawing/2014/main" xmlns="" id="{152F8994-E6D4-4311-9548-C3607BC43645}"/>
+                <a16:creationId xmlns="" xmlns:a16="http://schemas.microsoft.com/office/drawing/2014/main" id="{152F8994-E6D4-4311-9548-C3607BC43645}"/>
               </a:ext>
             </a:extLst>
           </p:cNvPr>
@@ -9500,7 +12024,7 @@
           <p:nvPr>
             <p:extLst>
               <p:ext uri="{386F3935-93C4-4BCD-93E2-E3B085C9AB24}">
-                <p16:designElem xmlns:p16="http://schemas.microsoft.com/office/powerpoint/2015/main" xmlns="" val="1"/>
+                <p16:designElem xmlns="" xmlns:p16="http://schemas.microsoft.com/office/powerpoint/2015/main" val="1"/>
               </p:ext>
             </p:extLst>
           </p:nvPr>
@@ -9598,7 +12122,7 @@
           <p:cNvPr id="2" name="Title 1">
             <a:extLst>
               <a:ext uri="{FF2B5EF4-FFF2-40B4-BE49-F238E27FC236}">
-                <a16:creationId xmlns:a16="http://schemas.microsoft.com/office/drawing/2014/main" xmlns="" id="{A5F6196D-B07E-499E-92C0-6953CE9F25D4}"/>
+                <a16:creationId xmlns="" xmlns:a16="http://schemas.microsoft.com/office/drawing/2014/main" id="{A5F6196D-B07E-499E-92C0-6953CE9F25D4}"/>
               </a:ext>
             </a:extLst>
           </p:cNvPr>
@@ -9637,7 +12161,7 @@
           <p:cNvPr id="17" name="Content Placeholder 16">
             <a:extLst>
               <a:ext uri="{FF2B5EF4-FFF2-40B4-BE49-F238E27FC236}">
-                <a16:creationId xmlns:a16="http://schemas.microsoft.com/office/drawing/2014/main" xmlns="" id="{5FDBA27F-9676-4EE6-B75A-C35B42A0CD81}"/>
+                <a16:creationId xmlns="" xmlns:a16="http://schemas.microsoft.com/office/drawing/2014/main" id="{5FDBA27F-9676-4EE6-B75A-C35B42A0CD81}"/>
               </a:ext>
             </a:extLst>
           </p:cNvPr>
@@ -9775,7 +12299,7 @@
 </p:sld>
 </file>
 
-<file path=ppt/slides/slide6.xml><?xml version="1.0" encoding="utf-8"?>
+<file path=ppt/slides/slide7.xml><?xml version="1.0" encoding="utf-8"?>
 <p:sld xmlns:a="http://schemas.openxmlformats.org/drawingml/2006/main" xmlns:r="http://schemas.openxmlformats.org/officeDocument/2006/relationships" xmlns:p="http://schemas.openxmlformats.org/presentationml/2006/main">
   <p:cSld>
     <p:bg>
@@ -9805,7 +12329,7 @@
           <p:cNvPr id="39" name="Rectangle 38">
             <a:extLst>
               <a:ext uri="{FF2B5EF4-FFF2-40B4-BE49-F238E27FC236}">
-                <a16:creationId xmlns:a16="http://schemas.microsoft.com/office/drawing/2014/main" xmlns="" id="{125AB85A-A08A-4F8A-A5EA-69FD80C8AE2F}"/>
+                <a16:creationId xmlns="" xmlns:a16="http://schemas.microsoft.com/office/drawing/2014/main" id="{125AB85A-A08A-4F8A-A5EA-69FD80C8AE2F}"/>
               </a:ext>
             </a:extLst>
           </p:cNvPr>
@@ -9815,7 +12339,7 @@
           <p:nvPr>
             <p:extLst>
               <p:ext uri="{386F3935-93C4-4BCD-93E2-E3B085C9AB24}">
-                <p16:designElem xmlns:p16="http://schemas.microsoft.com/office/powerpoint/2015/main" xmlns="" val="1"/>
+                <p16:designElem xmlns="" xmlns:p16="http://schemas.microsoft.com/office/powerpoint/2015/main" val="1"/>
               </p:ext>
             </p:extLst>
           </p:nvPr>
@@ -9865,7 +12389,7 @@
           <p:cNvPr id="41" name="Freeform 23">
             <a:extLst>
               <a:ext uri="{FF2B5EF4-FFF2-40B4-BE49-F238E27FC236}">
-                <a16:creationId xmlns:a16="http://schemas.microsoft.com/office/drawing/2014/main" xmlns="" id="{1AB1F50C-9536-4023-B698-A8BCC3E33048}"/>
+                <a16:creationId xmlns="" xmlns:a16="http://schemas.microsoft.com/office/drawing/2014/main" id="{1AB1F50C-9536-4023-B698-A8BCC3E33048}"/>
               </a:ext>
             </a:extLst>
           </p:cNvPr>
@@ -9875,7 +12399,7 @@
           <p:nvPr>
             <p:extLst>
               <p:ext uri="{386F3935-93C4-4BCD-93E2-E3B085C9AB24}">
-                <p16:designElem xmlns:p16="http://schemas.microsoft.com/office/powerpoint/2015/main" xmlns="" val="1"/>
+                <p16:designElem xmlns="" xmlns:p16="http://schemas.microsoft.com/office/powerpoint/2015/main" val="1"/>
               </p:ext>
             </p:extLst>
           </p:nvPr>
@@ -10055,7 +12579,7 @@
           <p:cNvPr id="43" name="Rounded Rectangle 17">
             <a:extLst>
               <a:ext uri="{FF2B5EF4-FFF2-40B4-BE49-F238E27FC236}">
-                <a16:creationId xmlns:a16="http://schemas.microsoft.com/office/drawing/2014/main" xmlns="" id="{018DF060-36A7-44DF-9E9A-E7C71624E280}"/>
+                <a16:creationId xmlns="" xmlns:a16="http://schemas.microsoft.com/office/drawing/2014/main" id="{018DF060-36A7-44DF-9E9A-E7C71624E280}"/>
               </a:ext>
             </a:extLst>
           </p:cNvPr>
@@ -10065,7 +12589,7 @@
           <p:nvPr>
             <p:extLst>
               <p:ext uri="{386F3935-93C4-4BCD-93E2-E3B085C9AB24}">
-                <p16:designElem xmlns:p16="http://schemas.microsoft.com/office/powerpoint/2015/main" xmlns="" val="1"/>
+                <p16:designElem xmlns="" xmlns:p16="http://schemas.microsoft.com/office/powerpoint/2015/main" val="1"/>
               </p:ext>
             </p:extLst>
           </p:nvPr>
@@ -10120,7 +12644,7 @@
           <p:cNvPr id="4" name="Picture 3" descr="A screenshot of a cell phone&#10;&#10;Description generated with very high confidence">
             <a:extLst>
               <a:ext uri="{FF2B5EF4-FFF2-40B4-BE49-F238E27FC236}">
-                <a16:creationId xmlns:a16="http://schemas.microsoft.com/office/drawing/2014/main" xmlns="" id="{182084CC-1FBC-4D94-B009-09651662900A}"/>
+                <a16:creationId xmlns="" xmlns:a16="http://schemas.microsoft.com/office/drawing/2014/main" id="{182084CC-1FBC-4D94-B009-09651662900A}"/>
               </a:ext>
             </a:extLst>
           </p:cNvPr>
@@ -10155,7 +12679,7 @@
           <p:cNvPr id="2" name="Title 1">
             <a:extLst>
               <a:ext uri="{FF2B5EF4-FFF2-40B4-BE49-F238E27FC236}">
-                <a16:creationId xmlns:a16="http://schemas.microsoft.com/office/drawing/2014/main" xmlns="" id="{A5F6196D-B07E-499E-92C0-6953CE9F25D4}"/>
+                <a16:creationId xmlns="" xmlns:a16="http://schemas.microsoft.com/office/drawing/2014/main" id="{A5F6196D-B07E-499E-92C0-6953CE9F25D4}"/>
               </a:ext>
             </a:extLst>
           </p:cNvPr>
@@ -10190,7 +12714,7 @@
           <p:cNvPr id="17" name="Content Placeholder 16">
             <a:extLst>
               <a:ext uri="{FF2B5EF4-FFF2-40B4-BE49-F238E27FC236}">
-                <a16:creationId xmlns:a16="http://schemas.microsoft.com/office/drawing/2014/main" xmlns="" id="{5FDBA27F-9676-4EE6-B75A-C35B42A0CD81}"/>
+                <a16:creationId xmlns="" xmlns:a16="http://schemas.microsoft.com/office/drawing/2014/main" id="{5FDBA27F-9676-4EE6-B75A-C35B42A0CD81}"/>
               </a:ext>
             </a:extLst>
           </p:cNvPr>
@@ -10290,7 +12814,7 @@
 </p:sld>
 </file>
 
-<file path=ppt/slides/slide7.xml><?xml version="1.0" encoding="utf-8"?>
+<file path=ppt/slides/slide8.xml><?xml version="1.0" encoding="utf-8"?>
 <p:sld xmlns:a="http://schemas.openxmlformats.org/drawingml/2006/main" xmlns:r="http://schemas.openxmlformats.org/officeDocument/2006/relationships" xmlns:p="http://schemas.openxmlformats.org/presentationml/2006/main">
   <p:cSld>
     <p:bg>
@@ -10323,7 +12847,7 @@
           <p:cNvPr id="23" name="Rectangle 22">
             <a:extLst>
               <a:ext uri="{FF2B5EF4-FFF2-40B4-BE49-F238E27FC236}">
-                <a16:creationId xmlns:a16="http://schemas.microsoft.com/office/drawing/2014/main" xmlns="" id="{EE1FC7B4-E4A7-4452-B413-1A623E3A7230}"/>
+                <a16:creationId xmlns="" xmlns:a16="http://schemas.microsoft.com/office/drawing/2014/main" id="{EE1FC7B4-E4A7-4452-B413-1A623E3A7230}"/>
               </a:ext>
             </a:extLst>
           </p:cNvPr>
@@ -10333,7 +12857,7 @@
           <p:nvPr>
             <p:extLst>
               <p:ext uri="{386F3935-93C4-4BCD-93E2-E3B085C9AB24}">
-                <p16:designElem xmlns:p16="http://schemas.microsoft.com/office/powerpoint/2015/main" xmlns="" val="1"/>
+                <p16:designElem xmlns="" xmlns:p16="http://schemas.microsoft.com/office/powerpoint/2015/main" val="1"/>
               </p:ext>
             </p:extLst>
           </p:nvPr>
@@ -10414,7 +12938,7 @@
           <p:cNvPr id="25" name="Freeform 13">
             <a:extLst>
               <a:ext uri="{FF2B5EF4-FFF2-40B4-BE49-F238E27FC236}">
-                <a16:creationId xmlns:a16="http://schemas.microsoft.com/office/drawing/2014/main" xmlns="" id="{E0709AF0-24F0-4486-B189-BE6386BDB198}"/>
+                <a16:creationId xmlns="" xmlns:a16="http://schemas.microsoft.com/office/drawing/2014/main" id="{E0709AF0-24F0-4486-B189-BE6386BDB198}"/>
               </a:ext>
             </a:extLst>
           </p:cNvPr>
@@ -10424,7 +12948,7 @@
           <p:nvPr>
             <p:extLst>
               <p:ext uri="{386F3935-93C4-4BCD-93E2-E3B085C9AB24}">
-                <p16:designElem xmlns:p16="http://schemas.microsoft.com/office/powerpoint/2015/main" xmlns="" val="1"/>
+                <p16:designElem xmlns="" xmlns:p16="http://schemas.microsoft.com/office/powerpoint/2015/main" val="1"/>
               </p:ext>
             </p:extLst>
           </p:nvPr>
@@ -10545,10 +13069,150 @@
       </p:sp>
       <p:sp>
         <p:nvSpPr>
-          <p:cNvPr id="27" name="Freeform 11">
-            <a:extLst>
-              <a:ext uri="{FF2B5EF4-FFF2-40B4-BE49-F238E27FC236}">
-                <a16:creationId xmlns:a16="http://schemas.microsoft.com/office/drawing/2014/main" xmlns="" id="{FBE3B62F-5853-4A3C-B050-6186351A7176}"/>
+          <p:cNvPr id="5" name="Title 4"/>
+          <p:cNvSpPr>
+            <a:spLocks noGrp="1"/>
+          </p:cNvSpPr>
+          <p:nvPr>
+            <p:ph type="title"/>
+          </p:nvPr>
+        </p:nvSpPr>
+        <p:spPr/>
+        <p:txBody>
+          <a:bodyPr/>
+          <a:lstStyle/>
+          <a:p>
+            <a:pPr algn="ctr"/>
+            <a:r>
+              <a:rPr lang="en-US" dirty="0" smtClean="0"/>
+              <a:t>Analog </a:t>
+            </a:r>
+            <a:r>
+              <a:rPr lang="en-US" dirty="0" err="1" smtClean="0"/>
+              <a:t>vs</a:t>
+            </a:r>
+            <a:r>
+              <a:rPr lang="en-US" dirty="0" smtClean="0"/>
+              <a:t> Digital</a:t>
+            </a:r>
+            <a:endParaRPr lang="en-US" dirty="0"/>
+          </a:p>
+        </p:txBody>
+      </p:sp>
+      <p:pic>
+        <p:nvPicPr>
+          <p:cNvPr id="6" name="Picture 5"/>
+          <p:cNvPicPr>
+            <a:picLocks noChangeAspect="1"/>
+          </p:cNvPicPr>
+          <p:nvPr/>
+        </p:nvPicPr>
+        <p:blipFill>
+          <a:blip r:embed="rId2">
+            <a:extLst>
+              <a:ext uri="{28A0092B-C50C-407E-A947-70E740481C1C}">
+                <a14:useLocalDpi xmlns:a14="http://schemas.microsoft.com/office/drawing/2010/main" val="0"/>
+              </a:ext>
+            </a:extLst>
+          </a:blip>
+          <a:stretch>
+            <a:fillRect/>
+          </a:stretch>
+        </p:blipFill>
+        <p:spPr>
+          <a:xfrm>
+            <a:off x="3228975" y="1719262"/>
+            <a:ext cx="5734050" cy="3419475"/>
+          </a:xfrm>
+          <a:prstGeom prst="rect">
+            <a:avLst/>
+          </a:prstGeom>
+        </p:spPr>
+      </p:pic>
+      <p:sp>
+        <p:nvSpPr>
+          <p:cNvPr id="7" name="TextBox 6"/>
+          <p:cNvSpPr txBox="1"/>
+          <p:nvPr/>
+        </p:nvSpPr>
+        <p:spPr>
+          <a:xfrm>
+            <a:off x="4934465" y="5453450"/>
+            <a:ext cx="2364259" cy="369332"/>
+          </a:xfrm>
+          <a:prstGeom prst="rect">
+            <a:avLst/>
+          </a:prstGeom>
+          <a:noFill/>
+        </p:spPr>
+        <p:txBody>
+          <a:bodyPr wrap="square" rtlCol="0">
+            <a:spAutoFit/>
+          </a:bodyPr>
+          <a:lstStyle/>
+          <a:p>
+            <a:r>
+              <a:rPr lang="en-US" dirty="0" smtClean="0"/>
+              <a:t>Image from Quora.com</a:t>
+            </a:r>
+            <a:endParaRPr lang="en-US" dirty="0"/>
+          </a:p>
+        </p:txBody>
+      </p:sp>
+    </p:spTree>
+    <p:extLst>
+      <p:ext uri="{BB962C8B-B14F-4D97-AF65-F5344CB8AC3E}">
+        <p14:creationId xmlns:p14="http://schemas.microsoft.com/office/powerpoint/2010/main" val="576731534"/>
+      </p:ext>
+    </p:extLst>
+  </p:cSld>
+  <p:clrMapOvr>
+    <a:overrideClrMapping bg1="dk1" tx1="lt1" bg2="dk2" tx2="lt2" accent1="accent1" accent2="accent2" accent3="accent3" accent4="accent4" accent5="accent5" accent6="accent6" hlink="hlink" folHlink="folHlink"/>
+  </p:clrMapOvr>
+  <p:timing>
+    <p:tnLst>
+      <p:par>
+        <p:cTn id="1" dur="indefinite" restart="never" nodeType="tmRoot"/>
+      </p:par>
+    </p:tnLst>
+  </p:timing>
+</p:sld>
+</file>
+
+<file path=ppt/slides/slide9.xml><?xml version="1.0" encoding="utf-8"?>
+<p:sld xmlns:a="http://schemas.openxmlformats.org/drawingml/2006/main" xmlns:r="http://schemas.openxmlformats.org/officeDocument/2006/relationships" xmlns:p="http://schemas.openxmlformats.org/presentationml/2006/main">
+  <p:cSld>
+    <p:bg>
+      <p:bgPr>
+        <a:solidFill>
+          <a:schemeClr val="bg1">
+            <a:tint val="95000"/>
+            <a:satMod val="170000"/>
+          </a:schemeClr>
+        </a:solidFill>
+        <a:effectLst/>
+      </p:bgPr>
+    </p:bg>
+    <p:spTree>
+      <p:nvGrpSpPr>
+        <p:cNvPr id="1" name=""/>
+        <p:cNvGrpSpPr/>
+        <p:nvPr/>
+      </p:nvGrpSpPr>
+      <p:grpSpPr>
+        <a:xfrm>
+          <a:off x="0" y="0"/>
+          <a:ext cx="0" cy="0"/>
+          <a:chOff x="0" y="0"/>
+          <a:chExt cx="0" cy="0"/>
+        </a:xfrm>
+      </p:grpSpPr>
+      <p:sp>
+        <p:nvSpPr>
+          <p:cNvPr id="23" name="Rectangle 22">
+            <a:extLst>
+              <a:ext uri="{FF2B5EF4-FFF2-40B4-BE49-F238E27FC236}">
+                <a16:creationId xmlns="" xmlns:a16="http://schemas.microsoft.com/office/drawing/2014/main" id="{EE1FC7B4-E4A7-4452-B413-1A623E3A7230}"/>
               </a:ext>
             </a:extLst>
           </p:cNvPr>
@@ -10558,7 +13222,232 @@
           <p:nvPr>
             <p:extLst>
               <p:ext uri="{386F3935-93C4-4BCD-93E2-E3B085C9AB24}">
-                <p16:designElem xmlns:p16="http://schemas.microsoft.com/office/powerpoint/2015/main" xmlns="" val="1"/>
+                <p16:designElem xmlns="" xmlns:p16="http://schemas.microsoft.com/office/powerpoint/2015/main" val="1"/>
+              </p:ext>
+            </p:extLst>
+          </p:nvPr>
+        </p:nvSpPr>
+        <p:spPr>
+          <a:xfrm>
+            <a:off x="0" y="-3324"/>
+            <a:ext cx="12192000" cy="6861324"/>
+          </a:xfrm>
+          <a:prstGeom prst="rect">
+            <a:avLst/>
+          </a:prstGeom>
+          <a:solidFill>
+            <a:schemeClr val="bg1">
+              <a:alpha val="9000"/>
+            </a:schemeClr>
+          </a:solidFill>
+          <a:ln>
+            <a:noFill/>
+          </a:ln>
+        </p:spPr>
+        <p:style>
+          <a:lnRef idx="2">
+            <a:schemeClr val="accent1">
+              <a:shade val="50000"/>
+            </a:schemeClr>
+          </a:lnRef>
+          <a:fillRef idx="1">
+            <a:schemeClr val="accent1"/>
+          </a:fillRef>
+          <a:effectRef idx="0">
+            <a:schemeClr val="accent1"/>
+          </a:effectRef>
+          <a:fontRef idx="minor">
+            <a:schemeClr val="lt1"/>
+          </a:fontRef>
+        </p:style>
+        <p:txBody>
+          <a:bodyPr rtlCol="0" anchor="ctr"/>
+          <a:lstStyle/>
+          <a:p>
+            <a:pPr marL="0" marR="0" lvl="0" indent="0" algn="ctr" defTabSz="914400" rtl="0" eaLnBrk="1" fontAlgn="auto" latinLnBrk="0" hangingPunct="1">
+              <a:lnSpc>
+                <a:spcPct val="100000"/>
+              </a:lnSpc>
+              <a:spcBef>
+                <a:spcPts val="0"/>
+              </a:spcBef>
+              <a:spcAft>
+                <a:spcPts val="0"/>
+              </a:spcAft>
+              <a:buClrTx/>
+              <a:buSzTx/>
+              <a:buFontTx/>
+              <a:buNone/>
+              <a:tabLst/>
+              <a:defRPr/>
+            </a:pPr>
+            <a:endParaRPr kumimoji="0" lang="en-US" sz="1800" b="0" i="0" u="none" strike="noStrike" kern="1200" cap="none" spc="0" normalizeH="0" baseline="0" noProof="0">
+              <a:ln>
+                <a:noFill/>
+              </a:ln>
+              <a:solidFill>
+                <a:prstClr val="white"/>
+              </a:solidFill>
+              <a:effectLst/>
+              <a:uLnTx/>
+              <a:uFillTx/>
+              <a:latin typeface="Calibri" panose="020F0502020204030204"/>
+              <a:ea typeface="+mn-ea"/>
+              <a:cs typeface="+mn-cs"/>
+            </a:endParaRPr>
+          </a:p>
+        </p:txBody>
+      </p:sp>
+      <p:sp>
+        <p:nvSpPr>
+          <p:cNvPr id="25" name="Freeform 13">
+            <a:extLst>
+              <a:ext uri="{FF2B5EF4-FFF2-40B4-BE49-F238E27FC236}">
+                <a16:creationId xmlns="" xmlns:a16="http://schemas.microsoft.com/office/drawing/2014/main" id="{E0709AF0-24F0-4486-B189-BE6386BDB198}"/>
+              </a:ext>
+            </a:extLst>
+          </p:cNvPr>
+          <p:cNvSpPr>
+            <a:spLocks noGrp="1" noRot="1" noChangeAspect="1" noMove="1" noResize="1" noEditPoints="1" noAdjustHandles="1" noChangeArrowheads="1" noChangeShapeType="1" noTextEdit="1"/>
+          </p:cNvSpPr>
+          <p:nvPr>
+            <p:extLst>
+              <p:ext uri="{386F3935-93C4-4BCD-93E2-E3B085C9AB24}">
+                <p16:designElem xmlns="" xmlns:p16="http://schemas.microsoft.com/office/powerpoint/2015/main" val="1"/>
+              </p:ext>
+            </p:extLst>
+          </p:nvPr>
+        </p:nvSpPr>
+        <p:spPr>
+          <a:xfrm>
+            <a:off x="0" y="0"/>
+            <a:ext cx="11786754" cy="6858000"/>
+          </a:xfrm>
+          <a:custGeom>
+            <a:avLst/>
+            <a:gdLst>
+              <a:gd name="connsiteX0" fmla="*/ 0 w 11786754"/>
+              <a:gd name="connsiteY0" fmla="*/ 0 h 6858000"/>
+              <a:gd name="connsiteX1" fmla="*/ 8610600 w 11786754"/>
+              <a:gd name="connsiteY1" fmla="*/ 0 h 6858000"/>
+              <a:gd name="connsiteX2" fmla="*/ 11786754 w 11786754"/>
+              <a:gd name="connsiteY2" fmla="*/ 6858000 h 6858000"/>
+              <a:gd name="connsiteX3" fmla="*/ 0 w 11786754"/>
+              <a:gd name="connsiteY3" fmla="*/ 6858000 h 6858000"/>
+            </a:gdLst>
+            <a:ahLst/>
+            <a:cxnLst>
+              <a:cxn ang="0">
+                <a:pos x="connsiteX0" y="connsiteY0"/>
+              </a:cxn>
+              <a:cxn ang="0">
+                <a:pos x="connsiteX1" y="connsiteY1"/>
+              </a:cxn>
+              <a:cxn ang="0">
+                <a:pos x="connsiteX2" y="connsiteY2"/>
+              </a:cxn>
+              <a:cxn ang="0">
+                <a:pos x="connsiteX3" y="connsiteY3"/>
+              </a:cxn>
+            </a:cxnLst>
+            <a:rect l="l" t="t" r="r" b="b"/>
+            <a:pathLst>
+              <a:path w="11786754" h="6858000">
+                <a:moveTo>
+                  <a:pt x="0" y="0"/>
+                </a:moveTo>
+                <a:lnTo>
+                  <a:pt x="8610600" y="0"/>
+                </a:lnTo>
+                <a:lnTo>
+                  <a:pt x="11786754" y="6858000"/>
+                </a:lnTo>
+                <a:lnTo>
+                  <a:pt x="0" y="6858000"/>
+                </a:lnTo>
+                <a:close/>
+              </a:path>
+            </a:pathLst>
+          </a:custGeom>
+          <a:solidFill>
+            <a:schemeClr val="bg1">
+              <a:alpha val="30000"/>
+            </a:schemeClr>
+          </a:solidFill>
+          <a:ln>
+            <a:noFill/>
+          </a:ln>
+        </p:spPr>
+        <p:style>
+          <a:lnRef idx="2">
+            <a:schemeClr val="accent1">
+              <a:shade val="50000"/>
+            </a:schemeClr>
+          </a:lnRef>
+          <a:fillRef idx="1">
+            <a:schemeClr val="accent1"/>
+          </a:fillRef>
+          <a:effectRef idx="0">
+            <a:schemeClr val="accent1"/>
+          </a:effectRef>
+          <a:fontRef idx="minor">
+            <a:schemeClr val="lt1"/>
+          </a:fontRef>
+        </p:style>
+        <p:txBody>
+          <a:bodyPr rtlCol="0" anchor="ctr"/>
+          <a:lstStyle/>
+          <a:p>
+            <a:pPr marL="0" marR="0" lvl="0" indent="0" algn="ctr" defTabSz="914400" rtl="0" eaLnBrk="1" fontAlgn="auto" latinLnBrk="0" hangingPunct="1">
+              <a:lnSpc>
+                <a:spcPct val="100000"/>
+              </a:lnSpc>
+              <a:spcBef>
+                <a:spcPts val="0"/>
+              </a:spcBef>
+              <a:spcAft>
+                <a:spcPts val="0"/>
+              </a:spcAft>
+              <a:buClrTx/>
+              <a:buSzTx/>
+              <a:buFontTx/>
+              <a:buNone/>
+              <a:tabLst/>
+              <a:defRPr/>
+            </a:pPr>
+            <a:endParaRPr kumimoji="0" lang="en-US" sz="1800" b="0" i="0" u="none" strike="noStrike" kern="1200" cap="none" spc="0" normalizeH="0" baseline="0" noProof="0">
+              <a:ln>
+                <a:noFill/>
+              </a:ln>
+              <a:solidFill>
+                <a:prstClr val="white"/>
+              </a:solidFill>
+              <a:effectLst/>
+              <a:uLnTx/>
+              <a:uFillTx/>
+              <a:latin typeface="Calibri" panose="020F0502020204030204"/>
+              <a:ea typeface="+mn-ea"/>
+              <a:cs typeface="+mn-cs"/>
+            </a:endParaRPr>
+          </a:p>
+        </p:txBody>
+      </p:sp>
+      <p:sp>
+        <p:nvSpPr>
+          <p:cNvPr id="27" name="Freeform 11">
+            <a:extLst>
+              <a:ext uri="{FF2B5EF4-FFF2-40B4-BE49-F238E27FC236}">
+                <a16:creationId xmlns="" xmlns:a16="http://schemas.microsoft.com/office/drawing/2014/main" id="{FBE3B62F-5853-4A3C-B050-6186351A7176}"/>
+              </a:ext>
+            </a:extLst>
+          </p:cNvPr>
+          <p:cNvSpPr>
+            <a:spLocks noGrp="1" noRot="1" noChangeAspect="1" noMove="1" noResize="1" noEditPoints="1" noAdjustHandles="1" noChangeArrowheads="1" noChangeShapeType="1" noTextEdit="1"/>
+          </p:cNvSpPr>
+          <p:nvPr>
+            <p:extLst>
+              <p:ext uri="{386F3935-93C4-4BCD-93E2-E3B085C9AB24}">
+                <p16:designElem xmlns="" xmlns:p16="http://schemas.microsoft.com/office/powerpoint/2015/main" val="1"/>
               </p:ext>
             </p:extLst>
           </p:nvPr>
@@ -10684,7 +13573,7 @@
           <p:cNvPr id="2" name="Title 1">
             <a:extLst>
               <a:ext uri="{FF2B5EF4-FFF2-40B4-BE49-F238E27FC236}">
-                <a16:creationId xmlns:a16="http://schemas.microsoft.com/office/drawing/2014/main" xmlns="" id="{A5F6196D-B07E-499E-92C0-6953CE9F25D4}"/>
+                <a16:creationId xmlns="" xmlns:a16="http://schemas.microsoft.com/office/drawing/2014/main" id="{A5F6196D-B07E-499E-92C0-6953CE9F25D4}"/>
               </a:ext>
             </a:extLst>
           </p:cNvPr>
@@ -10720,7 +13609,7 @@
           <p:cNvPr id="4" name="Content Placeholder 3" descr="A screenshot of a cell phone&#10;&#10;Description generated with very high confidence">
             <a:extLst>
               <a:ext uri="{FF2B5EF4-FFF2-40B4-BE49-F238E27FC236}">
-                <a16:creationId xmlns:a16="http://schemas.microsoft.com/office/drawing/2014/main" xmlns="" id="{CA384158-CC28-4DDA-8323-8BD1CC3CC1D0}"/>
+                <a16:creationId xmlns="" xmlns:a16="http://schemas.microsoft.com/office/drawing/2014/main" id="{CA384158-CC28-4DDA-8323-8BD1CC3CC1D0}"/>
               </a:ext>
             </a:extLst>
           </p:cNvPr>
@@ -10755,7 +13644,7 @@
           <p:cNvPr id="5" name="TextBox 4">
             <a:extLst>
               <a:ext uri="{FF2B5EF4-FFF2-40B4-BE49-F238E27FC236}">
-                <a16:creationId xmlns:a16="http://schemas.microsoft.com/office/drawing/2014/main" xmlns="" id="{C13FBD1C-FC67-43A2-8CFB-334DBDDB359F}"/>
+                <a16:creationId xmlns="" xmlns:a16="http://schemas.microsoft.com/office/drawing/2014/main" id="{C13FBD1C-FC67-43A2-8CFB-334DBDDB359F}"/>
               </a:ext>
             </a:extLst>
           </p:cNvPr>
@@ -10810,961 +13699,6 @@
     <p:extLst>
       <p:ext uri="{BB962C8B-B14F-4D97-AF65-F5344CB8AC3E}">
         <p14:creationId xmlns:p14="http://schemas.microsoft.com/office/powerpoint/2010/main" val="1206705798"/>
-      </p:ext>
-    </p:extLst>
-  </p:cSld>
-  <p:clrMapOvr>
-    <a:overrideClrMapping bg1="dk1" tx1="lt1" bg2="dk2" tx2="lt2" accent1="accent1" accent2="accent2" accent3="accent3" accent4="accent4" accent5="accent5" accent6="accent6" hlink="hlink" folHlink="folHlink"/>
-  </p:clrMapOvr>
-  <p:timing>
-    <p:tnLst>
-      <p:par>
-        <p:cTn id="1" dur="indefinite" restart="never" nodeType="tmRoot"/>
-      </p:par>
-    </p:tnLst>
-  </p:timing>
-</p:sld>
-</file>
-
-<file path=ppt/slides/slide8.xml><?xml version="1.0" encoding="utf-8"?>
-<p:sld xmlns:a="http://schemas.openxmlformats.org/drawingml/2006/main" xmlns:r="http://schemas.openxmlformats.org/officeDocument/2006/relationships" xmlns:p="http://schemas.openxmlformats.org/presentationml/2006/main">
-  <p:cSld>
-    <p:bg>
-      <p:bgPr>
-        <a:solidFill>
-          <a:schemeClr val="bg1"/>
-        </a:solidFill>
-        <a:effectLst/>
-      </p:bgPr>
-    </p:bg>
-    <p:spTree>
-      <p:nvGrpSpPr>
-        <p:cNvPr id="1" name=""/>
-        <p:cNvGrpSpPr/>
-        <p:nvPr/>
-      </p:nvGrpSpPr>
-      <p:grpSpPr>
-        <a:xfrm>
-          <a:off x="0" y="0"/>
-          <a:ext cx="0" cy="0"/>
-          <a:chOff x="0" y="0"/>
-          <a:chExt cx="0" cy="0"/>
-        </a:xfrm>
-      </p:grpSpPr>
-      <p:sp>
-        <p:nvSpPr>
-          <p:cNvPr id="37" name="Rectangle 36">
-            <a:extLst>
-              <a:ext uri="{FF2B5EF4-FFF2-40B4-BE49-F238E27FC236}">
-                <a16:creationId xmlns:a16="http://schemas.microsoft.com/office/drawing/2014/main" xmlns="" id="{047C8CCB-F95D-4249-92DD-651249D3535A}"/>
-              </a:ext>
-            </a:extLst>
-          </p:cNvPr>
-          <p:cNvSpPr>
-            <a:spLocks noGrp="1" noRot="1" noChangeAspect="1" noMove="1" noResize="1" noEditPoints="1" noAdjustHandles="1" noChangeArrowheads="1" noChangeShapeType="1" noTextEdit="1"/>
-          </p:cNvSpPr>
-          <p:nvPr>
-            <p:extLst>
-              <p:ext uri="{386F3935-93C4-4BCD-93E2-E3B085C9AB24}">
-                <p16:designElem xmlns:p16="http://schemas.microsoft.com/office/powerpoint/2015/main" xmlns="" val="1"/>
-              </p:ext>
-            </p:extLst>
-          </p:nvPr>
-        </p:nvSpPr>
-        <p:spPr>
-          <a:xfrm>
-            <a:off x="0" y="0"/>
-            <a:ext cx="2013557" cy="6858000"/>
-          </a:xfrm>
-          <a:prstGeom prst="rect">
-            <a:avLst/>
-          </a:prstGeom>
-          <a:solidFill>
-            <a:schemeClr val="tx1">
-              <a:lumMod val="50000"/>
-              <a:lumOff val="50000"/>
-            </a:schemeClr>
-          </a:solidFill>
-          <a:ln>
-            <a:noFill/>
-          </a:ln>
-        </p:spPr>
-        <p:style>
-          <a:lnRef idx="2">
-            <a:schemeClr val="accent1">
-              <a:shade val="50000"/>
-            </a:schemeClr>
-          </a:lnRef>
-          <a:fillRef idx="1">
-            <a:schemeClr val="accent1"/>
-          </a:fillRef>
-          <a:effectRef idx="0">
-            <a:schemeClr val="accent1"/>
-          </a:effectRef>
-          <a:fontRef idx="minor">
-            <a:schemeClr val="lt1"/>
-          </a:fontRef>
-        </p:style>
-        <p:txBody>
-          <a:bodyPr rtlCol="0" anchor="ctr"/>
-          <a:lstStyle/>
-          <a:p>
-            <a:pPr algn="ctr"/>
-            <a:endParaRPr lang="en-US"/>
-          </a:p>
-        </p:txBody>
-      </p:sp>
-      <p:pic>
-        <p:nvPicPr>
-          <p:cNvPr id="12" name="Picture 11">
-            <a:extLst>
-              <a:ext uri="{FF2B5EF4-FFF2-40B4-BE49-F238E27FC236}">
-                <a16:creationId xmlns:a16="http://schemas.microsoft.com/office/drawing/2014/main" xmlns="" id="{3662C678-3A42-4DDB-A85F-E2A0478E9E3D}"/>
-              </a:ext>
-            </a:extLst>
-          </p:cNvPr>
-          <p:cNvPicPr>
-            <a:picLocks noChangeAspect="1"/>
-          </p:cNvPicPr>
-          <p:nvPr/>
-        </p:nvPicPr>
-        <p:blipFill>
-          <a:blip r:embed="rId2">
-            <a:extLst>
-              <a:ext uri="{28A0092B-C50C-407E-A947-70E740481C1C}">
-                <a14:useLocalDpi xmlns:a14="http://schemas.microsoft.com/office/drawing/2010/main" val="0"/>
-              </a:ext>
-            </a:extLst>
-          </a:blip>
-          <a:stretch>
-            <a:fillRect/>
-          </a:stretch>
-        </p:blipFill>
-        <p:spPr>
-          <a:xfrm>
-            <a:off x="4038600" y="1390649"/>
-            <a:ext cx="7188199" cy="4073312"/>
-          </a:xfrm>
-          <a:prstGeom prst="rect">
-            <a:avLst/>
-          </a:prstGeom>
-        </p:spPr>
-      </p:pic>
-      <p:sp>
-        <p:nvSpPr>
-          <p:cNvPr id="2" name="Title 1">
-            <a:extLst>
-              <a:ext uri="{FF2B5EF4-FFF2-40B4-BE49-F238E27FC236}">
-                <a16:creationId xmlns:a16="http://schemas.microsoft.com/office/drawing/2014/main" xmlns="" id="{A5F6196D-B07E-499E-92C0-6953CE9F25D4}"/>
-              </a:ext>
-            </a:extLst>
-          </p:cNvPr>
-          <p:cNvSpPr>
-            <a:spLocks noGrp="1"/>
-          </p:cNvSpPr>
-          <p:nvPr>
-            <p:ph type="title"/>
-          </p:nvPr>
-        </p:nvSpPr>
-        <p:spPr>
-          <a:xfrm>
-            <a:off x="640080" y="2074363"/>
-            <a:ext cx="2752354" cy="2709275"/>
-          </a:xfrm>
-          <a:prstGeom prst="ellipse">
-            <a:avLst/>
-          </a:prstGeom>
-          <a:solidFill>
-            <a:schemeClr val="tx1">
-              <a:lumMod val="85000"/>
-              <a:lumOff val="15000"/>
-            </a:schemeClr>
-          </a:solidFill>
-          <a:ln w="174625" cmpd="thinThick">
-            <a:solidFill>
-              <a:schemeClr val="tx1">
-                <a:lumMod val="85000"/>
-                <a:lumOff val="15000"/>
-              </a:schemeClr>
-            </a:solidFill>
-          </a:ln>
-        </p:spPr>
-        <p:txBody>
-          <a:bodyPr vert="horz" lIns="91440" tIns="45720" rIns="91440" bIns="45720" rtlCol="0" anchor="ctr">
-            <a:normAutofit/>
-          </a:bodyPr>
-          <a:lstStyle/>
-          <a:p>
-            <a:pPr algn="ctr"/>
-            <a:r>
-              <a:rPr lang="en-US" sz="2600" b="1" kern="1200" dirty="0">
-                <a:solidFill>
-                  <a:schemeClr val="bg1"/>
-                </a:solidFill>
-                <a:latin typeface="+mj-lt"/>
-                <a:ea typeface="+mj-ea"/>
-                <a:cs typeface="+mj-cs"/>
-              </a:rPr>
-              <a:t>The magic of C programming</a:t>
-            </a:r>
-          </a:p>
-        </p:txBody>
-      </p:sp>
-      <p:sp>
-        <p:nvSpPr>
-          <p:cNvPr id="3" name="TextBox 2"/>
-          <p:cNvSpPr txBox="1"/>
-          <p:nvPr/>
-        </p:nvSpPr>
-        <p:spPr>
-          <a:xfrm>
-            <a:off x="5632990" y="6079412"/>
-            <a:ext cx="2797493" cy="392994"/>
-          </a:xfrm>
-          <a:prstGeom prst="rect">
-            <a:avLst/>
-          </a:prstGeom>
-          <a:noFill/>
-        </p:spPr>
-        <p:txBody>
-          <a:bodyPr wrap="square" rtlCol="0">
-            <a:spAutoFit/>
-          </a:bodyPr>
-          <a:lstStyle/>
-          <a:p>
-            <a:r>
-              <a:rPr lang="en-US" dirty="0" smtClean="0"/>
-              <a:t>Image from Dartmouth.edu</a:t>
-            </a:r>
-            <a:endParaRPr lang="en-US" dirty="0"/>
-          </a:p>
-        </p:txBody>
-      </p:sp>
-    </p:spTree>
-    <p:extLst>
-      <p:ext uri="{BB962C8B-B14F-4D97-AF65-F5344CB8AC3E}">
-        <p14:creationId xmlns:p14="http://schemas.microsoft.com/office/powerpoint/2010/main" val="1223365468"/>
-      </p:ext>
-    </p:extLst>
-  </p:cSld>
-  <p:clrMapOvr>
-    <a:masterClrMapping/>
-  </p:clrMapOvr>
-  <p:timing>
-    <p:tnLst>
-      <p:par>
-        <p:cTn id="1" dur="indefinite" restart="never" nodeType="tmRoot"/>
-      </p:par>
-    </p:tnLst>
-  </p:timing>
-</p:sld>
-</file>
-
-<file path=ppt/slides/slide9.xml><?xml version="1.0" encoding="utf-8"?>
-<p:sld xmlns:a="http://schemas.openxmlformats.org/drawingml/2006/main" xmlns:r="http://schemas.openxmlformats.org/officeDocument/2006/relationships" xmlns:p="http://schemas.openxmlformats.org/presentationml/2006/main">
-  <p:cSld>
-    <p:bg>
-      <p:bgPr>
-        <a:solidFill>
-          <a:schemeClr val="bg1">
-            <a:tint val="95000"/>
-            <a:satMod val="170000"/>
-          </a:schemeClr>
-        </a:solidFill>
-        <a:effectLst/>
-      </p:bgPr>
-    </p:bg>
-    <p:spTree>
-      <p:nvGrpSpPr>
-        <p:cNvPr id="1" name=""/>
-        <p:cNvGrpSpPr/>
-        <p:nvPr/>
-      </p:nvGrpSpPr>
-      <p:grpSpPr>
-        <a:xfrm>
-          <a:off x="0" y="0"/>
-          <a:ext cx="0" cy="0"/>
-          <a:chOff x="0" y="0"/>
-          <a:chExt cx="0" cy="0"/>
-        </a:xfrm>
-      </p:grpSpPr>
-      <p:sp>
-        <p:nvSpPr>
-          <p:cNvPr id="23" name="Rectangle 22">
-            <a:extLst>
-              <a:ext uri="{FF2B5EF4-FFF2-40B4-BE49-F238E27FC236}">
-                <a16:creationId xmlns:a16="http://schemas.microsoft.com/office/drawing/2014/main" xmlns="" id="{EE1FC7B4-E4A7-4452-B413-1A623E3A7230}"/>
-              </a:ext>
-            </a:extLst>
-          </p:cNvPr>
-          <p:cNvSpPr>
-            <a:spLocks noGrp="1" noRot="1" noChangeAspect="1" noMove="1" noResize="1" noEditPoints="1" noAdjustHandles="1" noChangeArrowheads="1" noChangeShapeType="1" noTextEdit="1"/>
-          </p:cNvSpPr>
-          <p:nvPr>
-            <p:extLst>
-              <p:ext uri="{386F3935-93C4-4BCD-93E2-E3B085C9AB24}">
-                <p16:designElem xmlns:p16="http://schemas.microsoft.com/office/powerpoint/2015/main" xmlns="" val="1"/>
-              </p:ext>
-            </p:extLst>
-          </p:nvPr>
-        </p:nvSpPr>
-        <p:spPr>
-          <a:xfrm>
-            <a:off x="0" y="-3324"/>
-            <a:ext cx="12192000" cy="6861324"/>
-          </a:xfrm>
-          <a:prstGeom prst="rect">
-            <a:avLst/>
-          </a:prstGeom>
-          <a:solidFill>
-            <a:schemeClr val="bg1">
-              <a:alpha val="9000"/>
-            </a:schemeClr>
-          </a:solidFill>
-          <a:ln>
-            <a:noFill/>
-          </a:ln>
-        </p:spPr>
-        <p:style>
-          <a:lnRef idx="2">
-            <a:schemeClr val="accent1">
-              <a:shade val="50000"/>
-            </a:schemeClr>
-          </a:lnRef>
-          <a:fillRef idx="1">
-            <a:schemeClr val="accent1"/>
-          </a:fillRef>
-          <a:effectRef idx="0">
-            <a:schemeClr val="accent1"/>
-          </a:effectRef>
-          <a:fontRef idx="minor">
-            <a:schemeClr val="lt1"/>
-          </a:fontRef>
-        </p:style>
-        <p:txBody>
-          <a:bodyPr rtlCol="0" anchor="ctr"/>
-          <a:lstStyle/>
-          <a:p>
-            <a:pPr marL="0" marR="0" lvl="0" indent="0" algn="ctr" defTabSz="914400" rtl="0" eaLnBrk="1" fontAlgn="auto" latinLnBrk="0" hangingPunct="1">
-              <a:lnSpc>
-                <a:spcPct val="100000"/>
-              </a:lnSpc>
-              <a:spcBef>
-                <a:spcPts val="0"/>
-              </a:spcBef>
-              <a:spcAft>
-                <a:spcPts val="0"/>
-              </a:spcAft>
-              <a:buClrTx/>
-              <a:buSzTx/>
-              <a:buFontTx/>
-              <a:buNone/>
-              <a:tabLst/>
-              <a:defRPr/>
-            </a:pPr>
-            <a:endParaRPr kumimoji="0" lang="en-US" sz="1800" b="0" i="0" u="none" strike="noStrike" kern="1200" cap="none" spc="0" normalizeH="0" baseline="0" noProof="0">
-              <a:ln>
-                <a:noFill/>
-              </a:ln>
-              <a:solidFill>
-                <a:prstClr val="white"/>
-              </a:solidFill>
-              <a:effectLst/>
-              <a:uLnTx/>
-              <a:uFillTx/>
-              <a:latin typeface="Calibri" panose="020F0502020204030204"/>
-              <a:ea typeface="+mn-ea"/>
-              <a:cs typeface="+mn-cs"/>
-            </a:endParaRPr>
-          </a:p>
-        </p:txBody>
-      </p:sp>
-      <p:sp>
-        <p:nvSpPr>
-          <p:cNvPr id="25" name="Freeform 13">
-            <a:extLst>
-              <a:ext uri="{FF2B5EF4-FFF2-40B4-BE49-F238E27FC236}">
-                <a16:creationId xmlns:a16="http://schemas.microsoft.com/office/drawing/2014/main" xmlns="" id="{E0709AF0-24F0-4486-B189-BE6386BDB198}"/>
-              </a:ext>
-            </a:extLst>
-          </p:cNvPr>
-          <p:cNvSpPr>
-            <a:spLocks noGrp="1" noRot="1" noChangeAspect="1" noMove="1" noResize="1" noEditPoints="1" noAdjustHandles="1" noChangeArrowheads="1" noChangeShapeType="1" noTextEdit="1"/>
-          </p:cNvSpPr>
-          <p:nvPr>
-            <p:extLst>
-              <p:ext uri="{386F3935-93C4-4BCD-93E2-E3B085C9AB24}">
-                <p16:designElem xmlns:p16="http://schemas.microsoft.com/office/powerpoint/2015/main" xmlns="" val="1"/>
-              </p:ext>
-            </p:extLst>
-          </p:nvPr>
-        </p:nvSpPr>
-        <p:spPr>
-          <a:xfrm>
-            <a:off x="0" y="0"/>
-            <a:ext cx="11786754" cy="6858000"/>
-          </a:xfrm>
-          <a:custGeom>
-            <a:avLst/>
-            <a:gdLst>
-              <a:gd name="connsiteX0" fmla="*/ 0 w 11786754"/>
-              <a:gd name="connsiteY0" fmla="*/ 0 h 6858000"/>
-              <a:gd name="connsiteX1" fmla="*/ 8610600 w 11786754"/>
-              <a:gd name="connsiteY1" fmla="*/ 0 h 6858000"/>
-              <a:gd name="connsiteX2" fmla="*/ 11786754 w 11786754"/>
-              <a:gd name="connsiteY2" fmla="*/ 6858000 h 6858000"/>
-              <a:gd name="connsiteX3" fmla="*/ 0 w 11786754"/>
-              <a:gd name="connsiteY3" fmla="*/ 6858000 h 6858000"/>
-            </a:gdLst>
-            <a:ahLst/>
-            <a:cxnLst>
-              <a:cxn ang="0">
-                <a:pos x="connsiteX0" y="connsiteY0"/>
-              </a:cxn>
-              <a:cxn ang="0">
-                <a:pos x="connsiteX1" y="connsiteY1"/>
-              </a:cxn>
-              <a:cxn ang="0">
-                <a:pos x="connsiteX2" y="connsiteY2"/>
-              </a:cxn>
-              <a:cxn ang="0">
-                <a:pos x="connsiteX3" y="connsiteY3"/>
-              </a:cxn>
-            </a:cxnLst>
-            <a:rect l="l" t="t" r="r" b="b"/>
-            <a:pathLst>
-              <a:path w="11786754" h="6858000">
-                <a:moveTo>
-                  <a:pt x="0" y="0"/>
-                </a:moveTo>
-                <a:lnTo>
-                  <a:pt x="8610600" y="0"/>
-                </a:lnTo>
-                <a:lnTo>
-                  <a:pt x="11786754" y="6858000"/>
-                </a:lnTo>
-                <a:lnTo>
-                  <a:pt x="0" y="6858000"/>
-                </a:lnTo>
-                <a:close/>
-              </a:path>
-            </a:pathLst>
-          </a:custGeom>
-          <a:solidFill>
-            <a:schemeClr val="bg1">
-              <a:alpha val="30000"/>
-            </a:schemeClr>
-          </a:solidFill>
-          <a:ln>
-            <a:noFill/>
-          </a:ln>
-        </p:spPr>
-        <p:style>
-          <a:lnRef idx="2">
-            <a:schemeClr val="accent1">
-              <a:shade val="50000"/>
-            </a:schemeClr>
-          </a:lnRef>
-          <a:fillRef idx="1">
-            <a:schemeClr val="accent1"/>
-          </a:fillRef>
-          <a:effectRef idx="0">
-            <a:schemeClr val="accent1"/>
-          </a:effectRef>
-          <a:fontRef idx="minor">
-            <a:schemeClr val="lt1"/>
-          </a:fontRef>
-        </p:style>
-        <p:txBody>
-          <a:bodyPr rtlCol="0" anchor="ctr"/>
-          <a:lstStyle/>
-          <a:p>
-            <a:pPr marL="0" marR="0" lvl="0" indent="0" algn="ctr" defTabSz="914400" rtl="0" eaLnBrk="1" fontAlgn="auto" latinLnBrk="0" hangingPunct="1">
-              <a:lnSpc>
-                <a:spcPct val="100000"/>
-              </a:lnSpc>
-              <a:spcBef>
-                <a:spcPts val="0"/>
-              </a:spcBef>
-              <a:spcAft>
-                <a:spcPts val="0"/>
-              </a:spcAft>
-              <a:buClrTx/>
-              <a:buSzTx/>
-              <a:buFontTx/>
-              <a:buNone/>
-              <a:tabLst/>
-              <a:defRPr/>
-            </a:pPr>
-            <a:endParaRPr kumimoji="0" lang="en-US" sz="1800" b="0" i="0" u="none" strike="noStrike" kern="1200" cap="none" spc="0" normalizeH="0" baseline="0" noProof="0">
-              <a:ln>
-                <a:noFill/>
-              </a:ln>
-              <a:solidFill>
-                <a:prstClr val="white"/>
-              </a:solidFill>
-              <a:effectLst/>
-              <a:uLnTx/>
-              <a:uFillTx/>
-              <a:latin typeface="Calibri" panose="020F0502020204030204"/>
-              <a:ea typeface="+mn-ea"/>
-              <a:cs typeface="+mn-cs"/>
-            </a:endParaRPr>
-          </a:p>
-        </p:txBody>
-      </p:sp>
-      <p:sp>
-        <p:nvSpPr>
-          <p:cNvPr id="27" name="Freeform 11">
-            <a:extLst>
-              <a:ext uri="{FF2B5EF4-FFF2-40B4-BE49-F238E27FC236}">
-                <a16:creationId xmlns:a16="http://schemas.microsoft.com/office/drawing/2014/main" xmlns="" id="{FBE3B62F-5853-4A3C-B050-6186351A7176}"/>
-              </a:ext>
-            </a:extLst>
-          </p:cNvPr>
-          <p:cNvSpPr>
-            <a:spLocks noGrp="1" noRot="1" noChangeAspect="1" noMove="1" noResize="1" noEditPoints="1" noAdjustHandles="1" noChangeArrowheads="1" noChangeShapeType="1" noTextEdit="1"/>
-          </p:cNvSpPr>
-          <p:nvPr>
-            <p:extLst>
-              <p:ext uri="{386F3935-93C4-4BCD-93E2-E3B085C9AB24}">
-                <p16:designElem xmlns:p16="http://schemas.microsoft.com/office/powerpoint/2015/main" xmlns="" val="1"/>
-              </p:ext>
-            </p:extLst>
-          </p:nvPr>
-        </p:nvSpPr>
-        <p:spPr>
-          <a:xfrm>
-            <a:off x="0" y="0"/>
-            <a:ext cx="3581400" cy="6858000"/>
-          </a:xfrm>
-          <a:custGeom>
-            <a:avLst/>
-            <a:gdLst>
-              <a:gd name="connsiteX0" fmla="*/ 0 w 3581400"/>
-              <a:gd name="connsiteY0" fmla="*/ 0 h 6858000"/>
-              <a:gd name="connsiteX1" fmla="*/ 405246 w 3581400"/>
-              <a:gd name="connsiteY1" fmla="*/ 0 h 6858000"/>
-              <a:gd name="connsiteX2" fmla="*/ 3581400 w 3581400"/>
-              <a:gd name="connsiteY2" fmla="*/ 6858000 h 6858000"/>
-              <a:gd name="connsiteX3" fmla="*/ 0 w 3581400"/>
-              <a:gd name="connsiteY3" fmla="*/ 6858000 h 6858000"/>
-            </a:gdLst>
-            <a:ahLst/>
-            <a:cxnLst>
-              <a:cxn ang="0">
-                <a:pos x="connsiteX0" y="connsiteY0"/>
-              </a:cxn>
-              <a:cxn ang="0">
-                <a:pos x="connsiteX1" y="connsiteY1"/>
-              </a:cxn>
-              <a:cxn ang="0">
-                <a:pos x="connsiteX2" y="connsiteY2"/>
-              </a:cxn>
-              <a:cxn ang="0">
-                <a:pos x="connsiteX3" y="connsiteY3"/>
-              </a:cxn>
-            </a:cxnLst>
-            <a:rect l="l" t="t" r="r" b="b"/>
-            <a:pathLst>
-              <a:path w="3581400" h="6858000">
-                <a:moveTo>
-                  <a:pt x="0" y="0"/>
-                </a:moveTo>
-                <a:lnTo>
-                  <a:pt x="405246" y="0"/>
-                </a:lnTo>
-                <a:lnTo>
-                  <a:pt x="3581400" y="6858000"/>
-                </a:lnTo>
-                <a:lnTo>
-                  <a:pt x="0" y="6858000"/>
-                </a:lnTo>
-                <a:close/>
-              </a:path>
-            </a:pathLst>
-          </a:custGeom>
-          <a:solidFill>
-            <a:schemeClr val="bg1">
-              <a:alpha val="30000"/>
-            </a:schemeClr>
-          </a:solidFill>
-          <a:ln>
-            <a:noFill/>
-          </a:ln>
-        </p:spPr>
-        <p:style>
-          <a:lnRef idx="2">
-            <a:schemeClr val="accent1">
-              <a:shade val="50000"/>
-            </a:schemeClr>
-          </a:lnRef>
-          <a:fillRef idx="1">
-            <a:schemeClr val="accent1"/>
-          </a:fillRef>
-          <a:effectRef idx="0">
-            <a:schemeClr val="accent1"/>
-          </a:effectRef>
-          <a:fontRef idx="minor">
-            <a:schemeClr val="lt1"/>
-          </a:fontRef>
-        </p:style>
-        <p:txBody>
-          <a:bodyPr wrap="square" rtlCol="0" anchor="ctr">
-            <a:noAutofit/>
-          </a:bodyPr>
-          <a:lstStyle/>
-          <a:p>
-            <a:pPr marL="0" marR="0" lvl="0" indent="0" algn="ctr" defTabSz="914400" rtl="0" eaLnBrk="1" fontAlgn="auto" latinLnBrk="0" hangingPunct="1">
-              <a:lnSpc>
-                <a:spcPct val="100000"/>
-              </a:lnSpc>
-              <a:spcBef>
-                <a:spcPts val="0"/>
-              </a:spcBef>
-              <a:spcAft>
-                <a:spcPts val="0"/>
-              </a:spcAft>
-              <a:buClrTx/>
-              <a:buSzTx/>
-              <a:buFontTx/>
-              <a:buNone/>
-              <a:tabLst/>
-              <a:defRPr/>
-            </a:pPr>
-            <a:endParaRPr kumimoji="0" lang="en-US" sz="1800" b="0" i="0" u="none" strike="noStrike" kern="1200" cap="none" spc="0" normalizeH="0" baseline="0" noProof="0">
-              <a:ln>
-                <a:noFill/>
-              </a:ln>
-              <a:solidFill>
-                <a:prstClr val="white"/>
-              </a:solidFill>
-              <a:effectLst/>
-              <a:uLnTx/>
-              <a:uFillTx/>
-              <a:latin typeface="Calibri" panose="020F0502020204030204"/>
-              <a:ea typeface="+mn-ea"/>
-              <a:cs typeface="+mn-cs"/>
-            </a:endParaRPr>
-          </a:p>
-        </p:txBody>
-      </p:sp>
-      <p:sp>
-        <p:nvSpPr>
-          <p:cNvPr id="2" name="Title 1">
-            <a:extLst>
-              <a:ext uri="{FF2B5EF4-FFF2-40B4-BE49-F238E27FC236}">
-                <a16:creationId xmlns:a16="http://schemas.microsoft.com/office/drawing/2014/main" xmlns="" id="{A5F6196D-B07E-499E-92C0-6953CE9F25D4}"/>
-              </a:ext>
-            </a:extLst>
-          </p:cNvPr>
-          <p:cNvSpPr>
-            <a:spLocks noGrp="1"/>
-          </p:cNvSpPr>
-          <p:nvPr>
-            <p:ph type="title"/>
-          </p:nvPr>
-        </p:nvSpPr>
-        <p:spPr>
-          <a:xfrm>
-            <a:off x="833002" y="448253"/>
-            <a:ext cx="10520702" cy="1325563"/>
-          </a:xfrm>
-        </p:spPr>
-        <p:txBody>
-          <a:bodyPr>
-            <a:normAutofit/>
-          </a:bodyPr>
-          <a:lstStyle/>
-          <a:p>
-            <a:pPr algn="ctr"/>
-            <a:r>
-              <a:rPr lang="en-US" b="1" dirty="0"/>
-              <a:t>Arduino Flow</a:t>
-            </a:r>
-          </a:p>
-        </p:txBody>
-      </p:sp>
-      <p:sp>
-        <p:nvSpPr>
-          <p:cNvPr id="6" name="Rectangle: Rounded Corners 5">
-            <a:extLst>
-              <a:ext uri="{FF2B5EF4-FFF2-40B4-BE49-F238E27FC236}">
-                <a16:creationId xmlns:a16="http://schemas.microsoft.com/office/drawing/2014/main" xmlns="" id="{348BBD1B-8203-4617-9EDA-48AE0E47DF76}"/>
-              </a:ext>
-            </a:extLst>
-          </p:cNvPr>
-          <p:cNvSpPr/>
-          <p:nvPr/>
-        </p:nvSpPr>
-        <p:spPr>
-          <a:xfrm>
-            <a:off x="833002" y="962585"/>
-            <a:ext cx="3318083" cy="847284"/>
-          </a:xfrm>
-          <a:prstGeom prst="roundRect">
-            <a:avLst/>
-          </a:prstGeom>
-        </p:spPr>
-        <p:style>
-          <a:lnRef idx="2">
-            <a:schemeClr val="accent1">
-              <a:shade val="50000"/>
-            </a:schemeClr>
-          </a:lnRef>
-          <a:fillRef idx="1">
-            <a:schemeClr val="accent1"/>
-          </a:fillRef>
-          <a:effectRef idx="0">
-            <a:schemeClr val="accent1"/>
-          </a:effectRef>
-          <a:fontRef idx="minor">
-            <a:schemeClr val="lt1"/>
-          </a:fontRef>
-        </p:style>
-        <p:txBody>
-          <a:bodyPr rtlCol="0" anchor="ctr"/>
-          <a:lstStyle/>
-          <a:p>
-            <a:pPr algn="ctr"/>
-            <a:r>
-              <a:rPr lang="en-US" sz="4800" dirty="0"/>
-              <a:t>SETUP</a:t>
-            </a:r>
-          </a:p>
-        </p:txBody>
-      </p:sp>
-      <p:sp>
-        <p:nvSpPr>
-          <p:cNvPr id="7" name="Oval 6">
-            <a:extLst>
-              <a:ext uri="{FF2B5EF4-FFF2-40B4-BE49-F238E27FC236}">
-                <a16:creationId xmlns:a16="http://schemas.microsoft.com/office/drawing/2014/main" xmlns="" id="{9E30F67D-38DA-4986-A4D1-A456887144BB}"/>
-              </a:ext>
-            </a:extLst>
-          </p:cNvPr>
-          <p:cNvSpPr/>
-          <p:nvPr/>
-        </p:nvSpPr>
-        <p:spPr>
-          <a:xfrm>
-            <a:off x="1262743" y="3614169"/>
-            <a:ext cx="2318657" cy="2365829"/>
-          </a:xfrm>
-          <a:prstGeom prst="ellipse">
-            <a:avLst/>
-          </a:prstGeom>
-        </p:spPr>
-        <p:style>
-          <a:lnRef idx="2">
-            <a:schemeClr val="accent1">
-              <a:shade val="50000"/>
-            </a:schemeClr>
-          </a:lnRef>
-          <a:fillRef idx="1">
-            <a:schemeClr val="accent1"/>
-          </a:fillRef>
-          <a:effectRef idx="0">
-            <a:schemeClr val="accent1"/>
-          </a:effectRef>
-          <a:fontRef idx="minor">
-            <a:schemeClr val="lt1"/>
-          </a:fontRef>
-        </p:style>
-        <p:txBody>
-          <a:bodyPr rtlCol="0" anchor="ctr"/>
-          <a:lstStyle/>
-          <a:p>
-            <a:pPr algn="ctr"/>
-            <a:r>
-              <a:rPr lang="en-US" sz="4800" dirty="0"/>
-              <a:t>LOOP</a:t>
-            </a:r>
-          </a:p>
-        </p:txBody>
-      </p:sp>
-      <p:sp>
-        <p:nvSpPr>
-          <p:cNvPr id="9" name="Arrow: Down 8">
-            <a:extLst>
-              <a:ext uri="{FF2B5EF4-FFF2-40B4-BE49-F238E27FC236}">
-                <a16:creationId xmlns:a16="http://schemas.microsoft.com/office/drawing/2014/main" xmlns="" id="{8A17C3B5-CF74-4098-8C11-74B40035EFC9}"/>
-              </a:ext>
-            </a:extLst>
-          </p:cNvPr>
-          <p:cNvSpPr/>
-          <p:nvPr/>
-        </p:nvSpPr>
-        <p:spPr>
-          <a:xfrm>
-            <a:off x="2119084" y="2124541"/>
-            <a:ext cx="566057" cy="1197681"/>
-          </a:xfrm>
-          <a:prstGeom prst="downArrow">
-            <a:avLst/>
-          </a:prstGeom>
-          <a:solidFill>
-            <a:schemeClr val="tx2"/>
-          </a:solidFill>
-        </p:spPr>
-        <p:style>
-          <a:lnRef idx="2">
-            <a:schemeClr val="accent1">
-              <a:shade val="50000"/>
-            </a:schemeClr>
-          </a:lnRef>
-          <a:fillRef idx="1">
-            <a:schemeClr val="accent1"/>
-          </a:fillRef>
-          <a:effectRef idx="0">
-            <a:schemeClr val="accent1"/>
-          </a:effectRef>
-          <a:fontRef idx="minor">
-            <a:schemeClr val="lt1"/>
-          </a:fontRef>
-        </p:style>
-        <p:txBody>
-          <a:bodyPr rtlCol="0" anchor="ctr"/>
-          <a:lstStyle/>
-          <a:p>
-            <a:pPr algn="ctr"/>
-            <a:endParaRPr lang="en-US"/>
-          </a:p>
-        </p:txBody>
-      </p:sp>
-      <p:sp>
-        <p:nvSpPr>
-          <p:cNvPr id="10" name="Arrow: Curved Down 9">
-            <a:extLst>
-              <a:ext uri="{FF2B5EF4-FFF2-40B4-BE49-F238E27FC236}">
-                <a16:creationId xmlns:a16="http://schemas.microsoft.com/office/drawing/2014/main" xmlns="" id="{74A3BC1D-7B83-49EE-A272-1A306A21C212}"/>
-              </a:ext>
-            </a:extLst>
-          </p:cNvPr>
-          <p:cNvSpPr/>
-          <p:nvPr/>
-        </p:nvSpPr>
-        <p:spPr>
-          <a:xfrm rot="4476570">
-            <a:off x="3459738" y="3692541"/>
-            <a:ext cx="1835788" cy="1187762"/>
-          </a:xfrm>
-          <a:prstGeom prst="curvedDownArrow">
-            <a:avLst>
-              <a:gd name="adj1" fmla="val 25000"/>
-              <a:gd name="adj2" fmla="val 77279"/>
-              <a:gd name="adj3" fmla="val 29368"/>
-            </a:avLst>
-          </a:prstGeom>
-          <a:solidFill>
-            <a:schemeClr val="tx1">
-              <a:lumMod val="95000"/>
-            </a:schemeClr>
-          </a:solidFill>
-        </p:spPr>
-        <p:style>
-          <a:lnRef idx="2">
-            <a:schemeClr val="accent1">
-              <a:shade val="50000"/>
-            </a:schemeClr>
-          </a:lnRef>
-          <a:fillRef idx="1">
-            <a:schemeClr val="accent1"/>
-          </a:fillRef>
-          <a:effectRef idx="0">
-            <a:schemeClr val="accent1"/>
-          </a:effectRef>
-          <a:fontRef idx="minor">
-            <a:schemeClr val="lt1"/>
-          </a:fontRef>
-        </p:style>
-        <p:txBody>
-          <a:bodyPr rtlCol="0" anchor="ctr"/>
-          <a:lstStyle/>
-          <a:p>
-            <a:pPr algn="ctr"/>
-            <a:endParaRPr lang="en-US">
-              <a:solidFill>
-                <a:schemeClr val="tx1"/>
-              </a:solidFill>
-            </a:endParaRPr>
-          </a:p>
-        </p:txBody>
-      </p:sp>
-      <p:pic>
-        <p:nvPicPr>
-          <p:cNvPr id="20" name="Content Placeholder 3" descr="A screenshot of a cell phone&#10;&#10;Description generated with very high confidence">
-            <a:extLst>
-              <a:ext uri="{FF2B5EF4-FFF2-40B4-BE49-F238E27FC236}">
-                <a16:creationId xmlns:a16="http://schemas.microsoft.com/office/drawing/2014/main" xmlns="" id="{05026929-FB3B-4BBD-BBBF-FB807922AB53}"/>
-              </a:ext>
-            </a:extLst>
-          </p:cNvPr>
-          <p:cNvPicPr>
-            <a:picLocks noChangeAspect="1"/>
-          </p:cNvPicPr>
-          <p:nvPr/>
-        </p:nvPicPr>
-        <p:blipFill rotWithShape="1">
-          <a:blip r:embed="rId2">
-            <a:extLst>
-              <a:ext uri="{28A0092B-C50C-407E-A947-70E740481C1C}">
-                <a14:useLocalDpi xmlns:a14="http://schemas.microsoft.com/office/drawing/2010/main" val="0"/>
-              </a:ext>
-            </a:extLst>
-          </a:blip>
-          <a:srcRect l="-541" t="20211" r="28146" b="46310"/>
-          <a:stretch/>
-        </p:blipFill>
-        <p:spPr>
-          <a:xfrm>
-            <a:off x="5227617" y="1783112"/>
-            <a:ext cx="6226958" cy="3503924"/>
-          </a:xfrm>
-          <a:prstGeom prst="rect">
-            <a:avLst/>
-          </a:prstGeom>
-        </p:spPr>
-      </p:pic>
-      <p:pic>
-        <p:nvPicPr>
-          <p:cNvPr id="19" name="Content Placeholder 3" descr="A screenshot of a cell phone&#10;&#10;Description generated with very high confidence">
-            <a:extLst>
-              <a:ext uri="{FF2B5EF4-FFF2-40B4-BE49-F238E27FC236}">
-                <a16:creationId xmlns:a16="http://schemas.microsoft.com/office/drawing/2014/main" xmlns="" id="{D7BB76B8-96B8-4391-AFD6-5BCAADB313A8}"/>
-              </a:ext>
-            </a:extLst>
-          </p:cNvPr>
-          <p:cNvPicPr>
-            <a:picLocks noGrp="1" noChangeAspect="1"/>
-          </p:cNvPicPr>
-          <p:nvPr>
-            <p:ph idx="1"/>
-          </p:nvPr>
-        </p:nvPicPr>
-        <p:blipFill>
-          <a:blip r:embed="rId2">
-            <a:extLst>
-              <a:ext uri="{28A0092B-C50C-407E-A947-70E740481C1C}">
-                <a14:useLocalDpi xmlns:a14="http://schemas.microsoft.com/office/drawing/2010/main" val="0"/>
-              </a:ext>
-            </a:extLst>
-          </a:blip>
-          <a:stretch>
-            <a:fillRect/>
-          </a:stretch>
-        </p:blipFill>
-        <p:spPr>
-          <a:xfrm>
-            <a:off x="9144000" y="3306477"/>
-            <a:ext cx="2657834" cy="3233971"/>
-          </a:xfrm>
-        </p:spPr>
-      </p:pic>
-    </p:spTree>
-    <p:extLst>
-      <p:ext uri="{BB962C8B-B14F-4D97-AF65-F5344CB8AC3E}">
-        <p14:creationId xmlns:p14="http://schemas.microsoft.com/office/powerpoint/2010/main" val="755600464"/>
       </p:ext>
     </p:extLst>
   </p:cSld>
